--- a/数学/概率论与数理统计/images/概率.pptx
+++ b/数学/概率论与数理统计/images/概率.pptx
@@ -1,14 +1,15 @@
 
 <file path=ppt/presentation.xml><?xml version="1.0" encoding="utf-8"?>
-<p:presentation xmlns:a="http://schemas.openxmlformats.org/drawingml/2006/main" xmlns:r="http://schemas.openxmlformats.org/officeDocument/2006/relationships" xmlns:p="http://schemas.openxmlformats.org/presentationml/2006/main" saveSubsetFonts="1">
+<p:presentation xmlns:a="http://schemas.openxmlformats.org/drawingml/2006/main" xmlns:r="http://schemas.openxmlformats.org/officeDocument/2006/relationships" xmlns:p="http://schemas.openxmlformats.org/presentationml/2006/main">
   <p:sldMasterIdLst>
     <p:sldMasterId id="2147483648" r:id="rId1"/>
   </p:sldMasterIdLst>
   <p:sldIdLst>
-    <p:sldId id="256" r:id="rId2"/>
-    <p:sldId id="257" r:id="rId3"/>
-    <p:sldId id="258" r:id="rId4"/>
-    <p:sldId id="259" r:id="rId5"/>
+    <p:sldId id="256" r:id="rId3"/>
+    <p:sldId id="257" r:id="rId4"/>
+    <p:sldId id="258" r:id="rId5"/>
+    <p:sldId id="259" r:id="rId6"/>
+    <p:sldId id="260" r:id="rId7"/>
   </p:sldIdLst>
   <p:sldSz cx="12192000" cy="6858000"/>
   <p:notesSz cx="6858000" cy="9144000"/>
@@ -107,11 +108,6 @@
       </a:defRPr>
     </a:lvl9pPr>
   </p:defaultTextStyle>
-  <p:extLst>
-    <p:ext uri="{EFAFB233-063F-42B5-8137-9DF3F51BA10A}">
-      <p15:sldGuideLst xmlns:p15="http://schemas.microsoft.com/office/powerpoint/2012/main"/>
-    </p:ext>
-  </p:extLst>
 </p:presentation>
 </file>
 
@@ -134,13 +130,7 @@
       </p:grpSpPr>
       <p:sp>
         <p:nvSpPr>
-          <p:cNvPr id="2" name="标题 1">
-            <a:extLst>
-              <a:ext uri="{FF2B5EF4-FFF2-40B4-BE49-F238E27FC236}">
-                <a16:creationId xmlns:a16="http://schemas.microsoft.com/office/drawing/2014/main" id="{B9155912-FD66-4686-BAB5-A2E3D1701ACE}"/>
-              </a:ext>
-            </a:extLst>
-          </p:cNvPr>
+          <p:cNvPr id="2" name="标题 1"/>
           <p:cNvSpPr>
             <a:spLocks noGrp="1"/>
           </p:cNvSpPr>
@@ -166,18 +156,13 @@
               <a:rPr lang="zh-CN" altLang="en-US"/>
               <a:t>单击此处编辑母版标题样式</a:t>
             </a:r>
-          </a:p>
-        </p:txBody>
-      </p:sp>
-      <p:sp>
-        <p:nvSpPr>
-          <p:cNvPr id="3" name="副标题 2">
-            <a:extLst>
-              <a:ext uri="{FF2B5EF4-FFF2-40B4-BE49-F238E27FC236}">
-                <a16:creationId xmlns:a16="http://schemas.microsoft.com/office/drawing/2014/main" id="{DF125D3E-9B04-4090-8343-11F85EE2A8A9}"/>
-              </a:ext>
-            </a:extLst>
-          </p:cNvPr>
+            <a:endParaRPr lang="zh-CN" altLang="en-US"/>
+          </a:p>
+        </p:txBody>
+      </p:sp>
+      <p:sp>
+        <p:nvSpPr>
+          <p:cNvPr id="3" name="副标题 2"/>
           <p:cNvSpPr>
             <a:spLocks noGrp="1"/>
           </p:cNvSpPr>
@@ -236,18 +221,13 @@
               <a:rPr lang="zh-CN" altLang="en-US"/>
               <a:t>单击此处编辑母版副标题样式</a:t>
             </a:r>
-          </a:p>
-        </p:txBody>
-      </p:sp>
-      <p:sp>
-        <p:nvSpPr>
-          <p:cNvPr id="4" name="日期占位符 3">
-            <a:extLst>
-              <a:ext uri="{FF2B5EF4-FFF2-40B4-BE49-F238E27FC236}">
-                <a16:creationId xmlns:a16="http://schemas.microsoft.com/office/drawing/2014/main" id="{EA24CDBF-0C82-4462-A335-92DC0FD4EC81}"/>
-              </a:ext>
-            </a:extLst>
-          </p:cNvPr>
+            <a:endParaRPr lang="zh-CN" altLang="en-US"/>
+          </a:p>
+        </p:txBody>
+      </p:sp>
+      <p:sp>
+        <p:nvSpPr>
+          <p:cNvPr id="4" name="日期占位符 3"/>
           <p:cNvSpPr>
             <a:spLocks noGrp="1"/>
           </p:cNvSpPr>
@@ -262,7 +242,6 @@
           <a:p>
             <a:fld id="{5766EBB9-EB3C-4C36-8249-BBD17AF098C4}" type="datetimeFigureOut">
               <a:rPr lang="zh-CN" altLang="en-US" smtClean="0"/>
-              <a:t>2021/2/20</a:t>
             </a:fld>
             <a:endParaRPr lang="zh-CN" altLang="en-US"/>
           </a:p>
@@ -270,13 +249,7 @@
       </p:sp>
       <p:sp>
         <p:nvSpPr>
-          <p:cNvPr id="5" name="页脚占位符 4">
-            <a:extLst>
-              <a:ext uri="{FF2B5EF4-FFF2-40B4-BE49-F238E27FC236}">
-                <a16:creationId xmlns:a16="http://schemas.microsoft.com/office/drawing/2014/main" id="{DD07EDDB-AE12-4982-96C8-956CEA76A889}"/>
-              </a:ext>
-            </a:extLst>
-          </p:cNvPr>
+          <p:cNvPr id="5" name="页脚占位符 4"/>
           <p:cNvSpPr>
             <a:spLocks noGrp="1"/>
           </p:cNvSpPr>
@@ -295,13 +268,7 @@
       </p:sp>
       <p:sp>
         <p:nvSpPr>
-          <p:cNvPr id="6" name="灯片编号占位符 5">
-            <a:extLst>
-              <a:ext uri="{FF2B5EF4-FFF2-40B4-BE49-F238E27FC236}">
-                <a16:creationId xmlns:a16="http://schemas.microsoft.com/office/drawing/2014/main" id="{242FE383-9CE7-4B43-92C2-CB7A24371C00}"/>
-              </a:ext>
-            </a:extLst>
-          </p:cNvPr>
+          <p:cNvPr id="6" name="灯片编号占位符 5"/>
           <p:cNvSpPr>
             <a:spLocks noGrp="1"/>
           </p:cNvSpPr>
@@ -316,18 +283,12 @@
           <a:p>
             <a:fld id="{A747F067-E567-4CA6-A66C-353F0A712855}" type="slidenum">
               <a:rPr lang="zh-CN" altLang="en-US" smtClean="0"/>
-              <a:t>‹#›</a:t>
             </a:fld>
             <a:endParaRPr lang="zh-CN" altLang="en-US"/>
           </a:p>
         </p:txBody>
       </p:sp>
     </p:spTree>
-    <p:extLst>
-      <p:ext uri="{BB962C8B-B14F-4D97-AF65-F5344CB8AC3E}">
-        <p14:creationId xmlns:p14="http://schemas.microsoft.com/office/powerpoint/2010/main" val="2123920900"/>
-      </p:ext>
-    </p:extLst>
   </p:cSld>
   <p:clrMapOvr>
     <a:masterClrMapping/>
@@ -354,13 +315,7 @@
       </p:grpSpPr>
       <p:sp>
         <p:nvSpPr>
-          <p:cNvPr id="2" name="标题 1">
-            <a:extLst>
-              <a:ext uri="{FF2B5EF4-FFF2-40B4-BE49-F238E27FC236}">
-                <a16:creationId xmlns:a16="http://schemas.microsoft.com/office/drawing/2014/main" id="{1525CA94-09D3-40C1-9A1B-2E38216E4759}"/>
-              </a:ext>
-            </a:extLst>
-          </p:cNvPr>
+          <p:cNvPr id="2" name="标题 1"/>
           <p:cNvSpPr>
             <a:spLocks noGrp="1"/>
           </p:cNvSpPr>
@@ -377,23 +332,18 @@
               <a:rPr lang="zh-CN" altLang="en-US"/>
               <a:t>单击此处编辑母版标题样式</a:t>
             </a:r>
-          </a:p>
-        </p:txBody>
-      </p:sp>
-      <p:sp>
-        <p:nvSpPr>
-          <p:cNvPr id="3" name="竖排文字占位符 2">
-            <a:extLst>
-              <a:ext uri="{FF2B5EF4-FFF2-40B4-BE49-F238E27FC236}">
-                <a16:creationId xmlns:a16="http://schemas.microsoft.com/office/drawing/2014/main" id="{A17FEFBF-A875-4DD9-AE02-924F1DF64F6B}"/>
-              </a:ext>
-            </a:extLst>
-          </p:cNvPr>
+            <a:endParaRPr lang="zh-CN" altLang="en-US"/>
+          </a:p>
+        </p:txBody>
+      </p:sp>
+      <p:sp>
+        <p:nvSpPr>
+          <p:cNvPr id="3" name="竖排文字占位符 2"/>
           <p:cNvSpPr>
             <a:spLocks noGrp="1"/>
           </p:cNvSpPr>
           <p:nvPr>
-            <p:ph type="body" orient="vert" idx="1"/>
+            <p:ph type="body" orient="vert" idx="1" hasCustomPrompt="1"/>
           </p:nvPr>
         </p:nvSpPr>
         <p:spPr/>
@@ -406,6 +356,7 @@
               <a:rPr lang="zh-CN" altLang="en-US"/>
               <a:t>编辑母版文本样式</a:t>
             </a:r>
+            <a:endParaRPr lang="zh-CN" altLang="en-US"/>
           </a:p>
           <a:p>
             <a:pPr lvl="1"/>
@@ -413,6 +364,7 @@
               <a:rPr lang="zh-CN" altLang="en-US"/>
               <a:t>第二级</a:t>
             </a:r>
+            <a:endParaRPr lang="zh-CN" altLang="en-US"/>
           </a:p>
           <a:p>
             <a:pPr lvl="2"/>
@@ -420,6 +372,7 @@
               <a:rPr lang="zh-CN" altLang="en-US"/>
               <a:t>第三级</a:t>
             </a:r>
+            <a:endParaRPr lang="zh-CN" altLang="en-US"/>
           </a:p>
           <a:p>
             <a:pPr lvl="3"/>
@@ -427,6 +380,7 @@
               <a:rPr lang="zh-CN" altLang="en-US"/>
               <a:t>第四级</a:t>
             </a:r>
+            <a:endParaRPr lang="zh-CN" altLang="en-US"/>
           </a:p>
           <a:p>
             <a:pPr lvl="4"/>
@@ -434,18 +388,13 @@
               <a:rPr lang="zh-CN" altLang="en-US"/>
               <a:t>第五级</a:t>
             </a:r>
-          </a:p>
-        </p:txBody>
-      </p:sp>
-      <p:sp>
-        <p:nvSpPr>
-          <p:cNvPr id="4" name="日期占位符 3">
-            <a:extLst>
-              <a:ext uri="{FF2B5EF4-FFF2-40B4-BE49-F238E27FC236}">
-                <a16:creationId xmlns:a16="http://schemas.microsoft.com/office/drawing/2014/main" id="{3A486C17-4919-464E-A4FF-2DF7D2FE23DB}"/>
-              </a:ext>
-            </a:extLst>
-          </p:cNvPr>
+            <a:endParaRPr lang="zh-CN" altLang="en-US"/>
+          </a:p>
+        </p:txBody>
+      </p:sp>
+      <p:sp>
+        <p:nvSpPr>
+          <p:cNvPr id="4" name="日期占位符 3"/>
           <p:cNvSpPr>
             <a:spLocks noGrp="1"/>
           </p:cNvSpPr>
@@ -460,7 +409,6 @@
           <a:p>
             <a:fld id="{5766EBB9-EB3C-4C36-8249-BBD17AF098C4}" type="datetimeFigureOut">
               <a:rPr lang="zh-CN" altLang="en-US" smtClean="0"/>
-              <a:t>2021/2/20</a:t>
             </a:fld>
             <a:endParaRPr lang="zh-CN" altLang="en-US"/>
           </a:p>
@@ -468,13 +416,7 @@
       </p:sp>
       <p:sp>
         <p:nvSpPr>
-          <p:cNvPr id="5" name="页脚占位符 4">
-            <a:extLst>
-              <a:ext uri="{FF2B5EF4-FFF2-40B4-BE49-F238E27FC236}">
-                <a16:creationId xmlns:a16="http://schemas.microsoft.com/office/drawing/2014/main" id="{62568D78-2526-4305-9B0B-3E675F457A6C}"/>
-              </a:ext>
-            </a:extLst>
-          </p:cNvPr>
+          <p:cNvPr id="5" name="页脚占位符 4"/>
           <p:cNvSpPr>
             <a:spLocks noGrp="1"/>
           </p:cNvSpPr>
@@ -493,13 +435,7 @@
       </p:sp>
       <p:sp>
         <p:nvSpPr>
-          <p:cNvPr id="6" name="灯片编号占位符 5">
-            <a:extLst>
-              <a:ext uri="{FF2B5EF4-FFF2-40B4-BE49-F238E27FC236}">
-                <a16:creationId xmlns:a16="http://schemas.microsoft.com/office/drawing/2014/main" id="{68078934-9D64-45C0-BD7F-573E97279C6F}"/>
-              </a:ext>
-            </a:extLst>
-          </p:cNvPr>
+          <p:cNvPr id="6" name="灯片编号占位符 5"/>
           <p:cNvSpPr>
             <a:spLocks noGrp="1"/>
           </p:cNvSpPr>
@@ -514,18 +450,12 @@
           <a:p>
             <a:fld id="{A747F067-E567-4CA6-A66C-353F0A712855}" type="slidenum">
               <a:rPr lang="zh-CN" altLang="en-US" smtClean="0"/>
-              <a:t>‹#›</a:t>
             </a:fld>
             <a:endParaRPr lang="zh-CN" altLang="en-US"/>
           </a:p>
         </p:txBody>
       </p:sp>
     </p:spTree>
-    <p:extLst>
-      <p:ext uri="{BB962C8B-B14F-4D97-AF65-F5344CB8AC3E}">
-        <p14:creationId xmlns:p14="http://schemas.microsoft.com/office/powerpoint/2010/main" val="3639029908"/>
-      </p:ext>
-    </p:extLst>
   </p:cSld>
   <p:clrMapOvr>
     <a:masterClrMapping/>
@@ -552,13 +482,7 @@
       </p:grpSpPr>
       <p:sp>
         <p:nvSpPr>
-          <p:cNvPr id="2" name="竖排标题 1">
-            <a:extLst>
-              <a:ext uri="{FF2B5EF4-FFF2-40B4-BE49-F238E27FC236}">
-                <a16:creationId xmlns:a16="http://schemas.microsoft.com/office/drawing/2014/main" id="{7BB10331-933D-4651-B735-AAA78053992F}"/>
-              </a:ext>
-            </a:extLst>
-          </p:cNvPr>
+          <p:cNvPr id="2" name="竖排标题 1"/>
           <p:cNvSpPr>
             <a:spLocks noGrp="1"/>
           </p:cNvSpPr>
@@ -580,23 +504,18 @@
               <a:rPr lang="zh-CN" altLang="en-US"/>
               <a:t>单击此处编辑母版标题样式</a:t>
             </a:r>
-          </a:p>
-        </p:txBody>
-      </p:sp>
-      <p:sp>
-        <p:nvSpPr>
-          <p:cNvPr id="3" name="竖排文字占位符 2">
-            <a:extLst>
-              <a:ext uri="{FF2B5EF4-FFF2-40B4-BE49-F238E27FC236}">
-                <a16:creationId xmlns:a16="http://schemas.microsoft.com/office/drawing/2014/main" id="{052C8D1F-EB54-4ADB-8040-D34BA0F18D3A}"/>
-              </a:ext>
-            </a:extLst>
-          </p:cNvPr>
+            <a:endParaRPr lang="zh-CN" altLang="en-US"/>
+          </a:p>
+        </p:txBody>
+      </p:sp>
+      <p:sp>
+        <p:nvSpPr>
+          <p:cNvPr id="3" name="竖排文字占位符 2"/>
           <p:cNvSpPr>
             <a:spLocks noGrp="1"/>
           </p:cNvSpPr>
           <p:nvPr>
-            <p:ph type="body" orient="vert" idx="1"/>
+            <p:ph type="body" orient="vert" idx="1" hasCustomPrompt="1"/>
           </p:nvPr>
         </p:nvSpPr>
         <p:spPr>
@@ -614,6 +533,7 @@
               <a:rPr lang="zh-CN" altLang="en-US"/>
               <a:t>编辑母版文本样式</a:t>
             </a:r>
+            <a:endParaRPr lang="zh-CN" altLang="en-US"/>
           </a:p>
           <a:p>
             <a:pPr lvl="1"/>
@@ -621,6 +541,7 @@
               <a:rPr lang="zh-CN" altLang="en-US"/>
               <a:t>第二级</a:t>
             </a:r>
+            <a:endParaRPr lang="zh-CN" altLang="en-US"/>
           </a:p>
           <a:p>
             <a:pPr lvl="2"/>
@@ -628,6 +549,7 @@
               <a:rPr lang="zh-CN" altLang="en-US"/>
               <a:t>第三级</a:t>
             </a:r>
+            <a:endParaRPr lang="zh-CN" altLang="en-US"/>
           </a:p>
           <a:p>
             <a:pPr lvl="3"/>
@@ -635,6 +557,7 @@
               <a:rPr lang="zh-CN" altLang="en-US"/>
               <a:t>第四级</a:t>
             </a:r>
+            <a:endParaRPr lang="zh-CN" altLang="en-US"/>
           </a:p>
           <a:p>
             <a:pPr lvl="4"/>
@@ -642,18 +565,13 @@
               <a:rPr lang="zh-CN" altLang="en-US"/>
               <a:t>第五级</a:t>
             </a:r>
-          </a:p>
-        </p:txBody>
-      </p:sp>
-      <p:sp>
-        <p:nvSpPr>
-          <p:cNvPr id="4" name="日期占位符 3">
-            <a:extLst>
-              <a:ext uri="{FF2B5EF4-FFF2-40B4-BE49-F238E27FC236}">
-                <a16:creationId xmlns:a16="http://schemas.microsoft.com/office/drawing/2014/main" id="{2398A8A9-7E8F-4931-BFDF-55A48F09F2D4}"/>
-              </a:ext>
-            </a:extLst>
-          </p:cNvPr>
+            <a:endParaRPr lang="zh-CN" altLang="en-US"/>
+          </a:p>
+        </p:txBody>
+      </p:sp>
+      <p:sp>
+        <p:nvSpPr>
+          <p:cNvPr id="4" name="日期占位符 3"/>
           <p:cNvSpPr>
             <a:spLocks noGrp="1"/>
           </p:cNvSpPr>
@@ -668,7 +586,6 @@
           <a:p>
             <a:fld id="{5766EBB9-EB3C-4C36-8249-BBD17AF098C4}" type="datetimeFigureOut">
               <a:rPr lang="zh-CN" altLang="en-US" smtClean="0"/>
-              <a:t>2021/2/20</a:t>
             </a:fld>
             <a:endParaRPr lang="zh-CN" altLang="en-US"/>
           </a:p>
@@ -676,13 +593,7 @@
       </p:sp>
       <p:sp>
         <p:nvSpPr>
-          <p:cNvPr id="5" name="页脚占位符 4">
-            <a:extLst>
-              <a:ext uri="{FF2B5EF4-FFF2-40B4-BE49-F238E27FC236}">
-                <a16:creationId xmlns:a16="http://schemas.microsoft.com/office/drawing/2014/main" id="{416B2719-7BB5-4205-9009-9F56654C1EDA}"/>
-              </a:ext>
-            </a:extLst>
-          </p:cNvPr>
+          <p:cNvPr id="5" name="页脚占位符 4"/>
           <p:cNvSpPr>
             <a:spLocks noGrp="1"/>
           </p:cNvSpPr>
@@ -701,13 +612,7 @@
       </p:sp>
       <p:sp>
         <p:nvSpPr>
-          <p:cNvPr id="6" name="灯片编号占位符 5">
-            <a:extLst>
-              <a:ext uri="{FF2B5EF4-FFF2-40B4-BE49-F238E27FC236}">
-                <a16:creationId xmlns:a16="http://schemas.microsoft.com/office/drawing/2014/main" id="{F12C33A2-B440-4D65-8503-6AC5919A13CD}"/>
-              </a:ext>
-            </a:extLst>
-          </p:cNvPr>
+          <p:cNvPr id="6" name="灯片编号占位符 5"/>
           <p:cNvSpPr>
             <a:spLocks noGrp="1"/>
           </p:cNvSpPr>
@@ -722,18 +627,12 @@
           <a:p>
             <a:fld id="{A747F067-E567-4CA6-A66C-353F0A712855}" type="slidenum">
               <a:rPr lang="zh-CN" altLang="en-US" smtClean="0"/>
-              <a:t>‹#›</a:t>
             </a:fld>
             <a:endParaRPr lang="zh-CN" altLang="en-US"/>
           </a:p>
         </p:txBody>
       </p:sp>
     </p:spTree>
-    <p:extLst>
-      <p:ext uri="{BB962C8B-B14F-4D97-AF65-F5344CB8AC3E}">
-        <p14:creationId xmlns:p14="http://schemas.microsoft.com/office/powerpoint/2010/main" val="2956067278"/>
-      </p:ext>
-    </p:extLst>
   </p:cSld>
   <p:clrMapOvr>
     <a:masterClrMapping/>
@@ -760,13 +659,7 @@
       </p:grpSpPr>
       <p:sp>
         <p:nvSpPr>
-          <p:cNvPr id="2" name="标题 1">
-            <a:extLst>
-              <a:ext uri="{FF2B5EF4-FFF2-40B4-BE49-F238E27FC236}">
-                <a16:creationId xmlns:a16="http://schemas.microsoft.com/office/drawing/2014/main" id="{A097205C-CFE3-482C-B7AF-FF55218B9CC4}"/>
-              </a:ext>
-            </a:extLst>
-          </p:cNvPr>
+          <p:cNvPr id="2" name="标题 1"/>
           <p:cNvSpPr>
             <a:spLocks noGrp="1"/>
           </p:cNvSpPr>
@@ -783,23 +676,18 @@
               <a:rPr lang="zh-CN" altLang="en-US"/>
               <a:t>单击此处编辑母版标题样式</a:t>
             </a:r>
-          </a:p>
-        </p:txBody>
-      </p:sp>
-      <p:sp>
-        <p:nvSpPr>
-          <p:cNvPr id="3" name="内容占位符 2">
-            <a:extLst>
-              <a:ext uri="{FF2B5EF4-FFF2-40B4-BE49-F238E27FC236}">
-                <a16:creationId xmlns:a16="http://schemas.microsoft.com/office/drawing/2014/main" id="{65890E7B-D51A-4373-BC95-0C532DD34B75}"/>
-              </a:ext>
-            </a:extLst>
-          </p:cNvPr>
+            <a:endParaRPr lang="zh-CN" altLang="en-US"/>
+          </a:p>
+        </p:txBody>
+      </p:sp>
+      <p:sp>
+        <p:nvSpPr>
+          <p:cNvPr id="3" name="内容占位符 2"/>
           <p:cNvSpPr>
             <a:spLocks noGrp="1"/>
           </p:cNvSpPr>
           <p:nvPr>
-            <p:ph idx="1"/>
+            <p:ph idx="1" hasCustomPrompt="1"/>
           </p:nvPr>
         </p:nvSpPr>
         <p:spPr/>
@@ -812,6 +700,7 @@
               <a:rPr lang="zh-CN" altLang="en-US"/>
               <a:t>编辑母版文本样式</a:t>
             </a:r>
+            <a:endParaRPr lang="zh-CN" altLang="en-US"/>
           </a:p>
           <a:p>
             <a:pPr lvl="1"/>
@@ -819,6 +708,7 @@
               <a:rPr lang="zh-CN" altLang="en-US"/>
               <a:t>第二级</a:t>
             </a:r>
+            <a:endParaRPr lang="zh-CN" altLang="en-US"/>
           </a:p>
           <a:p>
             <a:pPr lvl="2"/>
@@ -826,6 +716,7 @@
               <a:rPr lang="zh-CN" altLang="en-US"/>
               <a:t>第三级</a:t>
             </a:r>
+            <a:endParaRPr lang="zh-CN" altLang="en-US"/>
           </a:p>
           <a:p>
             <a:pPr lvl="3"/>
@@ -833,6 +724,7 @@
               <a:rPr lang="zh-CN" altLang="en-US"/>
               <a:t>第四级</a:t>
             </a:r>
+            <a:endParaRPr lang="zh-CN" altLang="en-US"/>
           </a:p>
           <a:p>
             <a:pPr lvl="4"/>
@@ -840,18 +732,13 @@
               <a:rPr lang="zh-CN" altLang="en-US"/>
               <a:t>第五级</a:t>
             </a:r>
-          </a:p>
-        </p:txBody>
-      </p:sp>
-      <p:sp>
-        <p:nvSpPr>
-          <p:cNvPr id="4" name="日期占位符 3">
-            <a:extLst>
-              <a:ext uri="{FF2B5EF4-FFF2-40B4-BE49-F238E27FC236}">
-                <a16:creationId xmlns:a16="http://schemas.microsoft.com/office/drawing/2014/main" id="{B5ADB5A6-DB22-4821-A34A-84070D54CB9E}"/>
-              </a:ext>
-            </a:extLst>
-          </p:cNvPr>
+            <a:endParaRPr lang="zh-CN" altLang="en-US"/>
+          </a:p>
+        </p:txBody>
+      </p:sp>
+      <p:sp>
+        <p:nvSpPr>
+          <p:cNvPr id="4" name="日期占位符 3"/>
           <p:cNvSpPr>
             <a:spLocks noGrp="1"/>
           </p:cNvSpPr>
@@ -866,7 +753,6 @@
           <a:p>
             <a:fld id="{5766EBB9-EB3C-4C36-8249-BBD17AF098C4}" type="datetimeFigureOut">
               <a:rPr lang="zh-CN" altLang="en-US" smtClean="0"/>
-              <a:t>2021/2/20</a:t>
             </a:fld>
             <a:endParaRPr lang="zh-CN" altLang="en-US"/>
           </a:p>
@@ -874,13 +760,7 @@
       </p:sp>
       <p:sp>
         <p:nvSpPr>
-          <p:cNvPr id="5" name="页脚占位符 4">
-            <a:extLst>
-              <a:ext uri="{FF2B5EF4-FFF2-40B4-BE49-F238E27FC236}">
-                <a16:creationId xmlns:a16="http://schemas.microsoft.com/office/drawing/2014/main" id="{9374875C-778E-44BC-B411-353C28AA47C8}"/>
-              </a:ext>
-            </a:extLst>
-          </p:cNvPr>
+          <p:cNvPr id="5" name="页脚占位符 4"/>
           <p:cNvSpPr>
             <a:spLocks noGrp="1"/>
           </p:cNvSpPr>
@@ -899,13 +779,7 @@
       </p:sp>
       <p:sp>
         <p:nvSpPr>
-          <p:cNvPr id="6" name="灯片编号占位符 5">
-            <a:extLst>
-              <a:ext uri="{FF2B5EF4-FFF2-40B4-BE49-F238E27FC236}">
-                <a16:creationId xmlns:a16="http://schemas.microsoft.com/office/drawing/2014/main" id="{024D9D76-3AA6-4290-A946-17ACA373EF8B}"/>
-              </a:ext>
-            </a:extLst>
-          </p:cNvPr>
+          <p:cNvPr id="6" name="灯片编号占位符 5"/>
           <p:cNvSpPr>
             <a:spLocks noGrp="1"/>
           </p:cNvSpPr>
@@ -920,18 +794,12 @@
           <a:p>
             <a:fld id="{A747F067-E567-4CA6-A66C-353F0A712855}" type="slidenum">
               <a:rPr lang="zh-CN" altLang="en-US" smtClean="0"/>
-              <a:t>‹#›</a:t>
             </a:fld>
             <a:endParaRPr lang="zh-CN" altLang="en-US"/>
           </a:p>
         </p:txBody>
       </p:sp>
     </p:spTree>
-    <p:extLst>
-      <p:ext uri="{BB962C8B-B14F-4D97-AF65-F5344CB8AC3E}">
-        <p14:creationId xmlns:p14="http://schemas.microsoft.com/office/powerpoint/2010/main" val="1413755904"/>
-      </p:ext>
-    </p:extLst>
   </p:cSld>
   <p:clrMapOvr>
     <a:masterClrMapping/>
@@ -958,13 +826,7 @@
       </p:grpSpPr>
       <p:sp>
         <p:nvSpPr>
-          <p:cNvPr id="2" name="标题 1">
-            <a:extLst>
-              <a:ext uri="{FF2B5EF4-FFF2-40B4-BE49-F238E27FC236}">
-                <a16:creationId xmlns:a16="http://schemas.microsoft.com/office/drawing/2014/main" id="{73A36C49-56FE-45A0-9900-3E18F75F2D73}"/>
-              </a:ext>
-            </a:extLst>
-          </p:cNvPr>
+          <p:cNvPr id="2" name="标题 1"/>
           <p:cNvSpPr>
             <a:spLocks noGrp="1"/>
           </p:cNvSpPr>
@@ -990,23 +852,18 @@
               <a:rPr lang="zh-CN" altLang="en-US"/>
               <a:t>单击此处编辑母版标题样式</a:t>
             </a:r>
-          </a:p>
-        </p:txBody>
-      </p:sp>
-      <p:sp>
-        <p:nvSpPr>
-          <p:cNvPr id="3" name="文本占位符 2">
-            <a:extLst>
-              <a:ext uri="{FF2B5EF4-FFF2-40B4-BE49-F238E27FC236}">
-                <a16:creationId xmlns:a16="http://schemas.microsoft.com/office/drawing/2014/main" id="{7C2FB3F2-ABA6-4546-A4D1-969E4CC35E7C}"/>
-              </a:ext>
-            </a:extLst>
-          </p:cNvPr>
+            <a:endParaRPr lang="zh-CN" altLang="en-US"/>
+          </a:p>
+        </p:txBody>
+      </p:sp>
+      <p:sp>
+        <p:nvSpPr>
+          <p:cNvPr id="3" name="文本占位符 2"/>
           <p:cNvSpPr>
             <a:spLocks noGrp="1"/>
           </p:cNvSpPr>
           <p:nvPr>
-            <p:ph type="body" idx="1"/>
+            <p:ph type="body" idx="1" hasCustomPrompt="1"/>
           </p:nvPr>
         </p:nvSpPr>
         <p:spPr>
@@ -1115,18 +972,13 @@
               <a:rPr lang="zh-CN" altLang="en-US"/>
               <a:t>编辑母版文本样式</a:t>
             </a:r>
-          </a:p>
-        </p:txBody>
-      </p:sp>
-      <p:sp>
-        <p:nvSpPr>
-          <p:cNvPr id="4" name="日期占位符 3">
-            <a:extLst>
-              <a:ext uri="{FF2B5EF4-FFF2-40B4-BE49-F238E27FC236}">
-                <a16:creationId xmlns:a16="http://schemas.microsoft.com/office/drawing/2014/main" id="{BB5221B5-C88E-4E8C-BEAC-BB2B9A07FF50}"/>
-              </a:ext>
-            </a:extLst>
-          </p:cNvPr>
+            <a:endParaRPr lang="zh-CN" altLang="en-US"/>
+          </a:p>
+        </p:txBody>
+      </p:sp>
+      <p:sp>
+        <p:nvSpPr>
+          <p:cNvPr id="4" name="日期占位符 3"/>
           <p:cNvSpPr>
             <a:spLocks noGrp="1"/>
           </p:cNvSpPr>
@@ -1141,7 +993,6 @@
           <a:p>
             <a:fld id="{5766EBB9-EB3C-4C36-8249-BBD17AF098C4}" type="datetimeFigureOut">
               <a:rPr lang="zh-CN" altLang="en-US" smtClean="0"/>
-              <a:t>2021/2/20</a:t>
             </a:fld>
             <a:endParaRPr lang="zh-CN" altLang="en-US"/>
           </a:p>
@@ -1149,13 +1000,7 @@
       </p:sp>
       <p:sp>
         <p:nvSpPr>
-          <p:cNvPr id="5" name="页脚占位符 4">
-            <a:extLst>
-              <a:ext uri="{FF2B5EF4-FFF2-40B4-BE49-F238E27FC236}">
-                <a16:creationId xmlns:a16="http://schemas.microsoft.com/office/drawing/2014/main" id="{84883949-A1BF-422C-A0EC-2543682783BD}"/>
-              </a:ext>
-            </a:extLst>
-          </p:cNvPr>
+          <p:cNvPr id="5" name="页脚占位符 4"/>
           <p:cNvSpPr>
             <a:spLocks noGrp="1"/>
           </p:cNvSpPr>
@@ -1174,13 +1019,7 @@
       </p:sp>
       <p:sp>
         <p:nvSpPr>
-          <p:cNvPr id="6" name="灯片编号占位符 5">
-            <a:extLst>
-              <a:ext uri="{FF2B5EF4-FFF2-40B4-BE49-F238E27FC236}">
-                <a16:creationId xmlns:a16="http://schemas.microsoft.com/office/drawing/2014/main" id="{8B7379FE-C86F-4210-8F4B-41853F8FAE84}"/>
-              </a:ext>
-            </a:extLst>
-          </p:cNvPr>
+          <p:cNvPr id="6" name="灯片编号占位符 5"/>
           <p:cNvSpPr>
             <a:spLocks noGrp="1"/>
           </p:cNvSpPr>
@@ -1195,18 +1034,12 @@
           <a:p>
             <a:fld id="{A747F067-E567-4CA6-A66C-353F0A712855}" type="slidenum">
               <a:rPr lang="zh-CN" altLang="en-US" smtClean="0"/>
-              <a:t>‹#›</a:t>
             </a:fld>
             <a:endParaRPr lang="zh-CN" altLang="en-US"/>
           </a:p>
         </p:txBody>
       </p:sp>
     </p:spTree>
-    <p:extLst>
-      <p:ext uri="{BB962C8B-B14F-4D97-AF65-F5344CB8AC3E}">
-        <p14:creationId xmlns:p14="http://schemas.microsoft.com/office/powerpoint/2010/main" val="1013186688"/>
-      </p:ext>
-    </p:extLst>
   </p:cSld>
   <p:clrMapOvr>
     <a:masterClrMapping/>
@@ -1233,13 +1066,7 @@
       </p:grpSpPr>
       <p:sp>
         <p:nvSpPr>
-          <p:cNvPr id="2" name="标题 1">
-            <a:extLst>
-              <a:ext uri="{FF2B5EF4-FFF2-40B4-BE49-F238E27FC236}">
-                <a16:creationId xmlns:a16="http://schemas.microsoft.com/office/drawing/2014/main" id="{BE0376F0-F12D-46CB-B052-7B7B90F68F3C}"/>
-              </a:ext>
-            </a:extLst>
-          </p:cNvPr>
+          <p:cNvPr id="2" name="标题 1"/>
           <p:cNvSpPr>
             <a:spLocks noGrp="1"/>
           </p:cNvSpPr>
@@ -1256,23 +1083,18 @@
               <a:rPr lang="zh-CN" altLang="en-US"/>
               <a:t>单击此处编辑母版标题样式</a:t>
             </a:r>
-          </a:p>
-        </p:txBody>
-      </p:sp>
-      <p:sp>
-        <p:nvSpPr>
-          <p:cNvPr id="3" name="内容占位符 2">
-            <a:extLst>
-              <a:ext uri="{FF2B5EF4-FFF2-40B4-BE49-F238E27FC236}">
-                <a16:creationId xmlns:a16="http://schemas.microsoft.com/office/drawing/2014/main" id="{C6F20650-A824-461D-A984-722DB7097DE2}"/>
-              </a:ext>
-            </a:extLst>
-          </p:cNvPr>
+            <a:endParaRPr lang="zh-CN" altLang="en-US"/>
+          </a:p>
+        </p:txBody>
+      </p:sp>
+      <p:sp>
+        <p:nvSpPr>
+          <p:cNvPr id="3" name="内容占位符 2"/>
           <p:cNvSpPr>
             <a:spLocks noGrp="1"/>
           </p:cNvSpPr>
           <p:nvPr>
-            <p:ph sz="half" idx="1"/>
+            <p:ph sz="half" idx="1" hasCustomPrompt="1"/>
           </p:nvPr>
         </p:nvSpPr>
         <p:spPr>
@@ -1290,6 +1112,7 @@
               <a:rPr lang="zh-CN" altLang="en-US"/>
               <a:t>编辑母版文本样式</a:t>
             </a:r>
+            <a:endParaRPr lang="zh-CN" altLang="en-US"/>
           </a:p>
           <a:p>
             <a:pPr lvl="1"/>
@@ -1297,6 +1120,7 @@
               <a:rPr lang="zh-CN" altLang="en-US"/>
               <a:t>第二级</a:t>
             </a:r>
+            <a:endParaRPr lang="zh-CN" altLang="en-US"/>
           </a:p>
           <a:p>
             <a:pPr lvl="2"/>
@@ -1304,6 +1128,7 @@
               <a:rPr lang="zh-CN" altLang="en-US"/>
               <a:t>第三级</a:t>
             </a:r>
+            <a:endParaRPr lang="zh-CN" altLang="en-US"/>
           </a:p>
           <a:p>
             <a:pPr lvl="3"/>
@@ -1311,6 +1136,7 @@
               <a:rPr lang="zh-CN" altLang="en-US"/>
               <a:t>第四级</a:t>
             </a:r>
+            <a:endParaRPr lang="zh-CN" altLang="en-US"/>
           </a:p>
           <a:p>
             <a:pPr lvl="4"/>
@@ -1318,23 +1144,18 @@
               <a:rPr lang="zh-CN" altLang="en-US"/>
               <a:t>第五级</a:t>
             </a:r>
-          </a:p>
-        </p:txBody>
-      </p:sp>
-      <p:sp>
-        <p:nvSpPr>
-          <p:cNvPr id="4" name="内容占位符 3">
-            <a:extLst>
-              <a:ext uri="{FF2B5EF4-FFF2-40B4-BE49-F238E27FC236}">
-                <a16:creationId xmlns:a16="http://schemas.microsoft.com/office/drawing/2014/main" id="{A28A84D3-5B0B-4E85-B25B-35FD5D9E69FA}"/>
-              </a:ext>
-            </a:extLst>
-          </p:cNvPr>
+            <a:endParaRPr lang="zh-CN" altLang="en-US"/>
+          </a:p>
+        </p:txBody>
+      </p:sp>
+      <p:sp>
+        <p:nvSpPr>
+          <p:cNvPr id="4" name="内容占位符 3"/>
           <p:cNvSpPr>
             <a:spLocks noGrp="1"/>
           </p:cNvSpPr>
           <p:nvPr>
-            <p:ph sz="half" idx="2"/>
+            <p:ph sz="half" idx="2" hasCustomPrompt="1"/>
           </p:nvPr>
         </p:nvSpPr>
         <p:spPr>
@@ -1352,6 +1173,7 @@
               <a:rPr lang="zh-CN" altLang="en-US"/>
               <a:t>编辑母版文本样式</a:t>
             </a:r>
+            <a:endParaRPr lang="zh-CN" altLang="en-US"/>
           </a:p>
           <a:p>
             <a:pPr lvl="1"/>
@@ -1359,6 +1181,7 @@
               <a:rPr lang="zh-CN" altLang="en-US"/>
               <a:t>第二级</a:t>
             </a:r>
+            <a:endParaRPr lang="zh-CN" altLang="en-US"/>
           </a:p>
           <a:p>
             <a:pPr lvl="2"/>
@@ -1366,6 +1189,7 @@
               <a:rPr lang="zh-CN" altLang="en-US"/>
               <a:t>第三级</a:t>
             </a:r>
+            <a:endParaRPr lang="zh-CN" altLang="en-US"/>
           </a:p>
           <a:p>
             <a:pPr lvl="3"/>
@@ -1373,6 +1197,7 @@
               <a:rPr lang="zh-CN" altLang="en-US"/>
               <a:t>第四级</a:t>
             </a:r>
+            <a:endParaRPr lang="zh-CN" altLang="en-US"/>
           </a:p>
           <a:p>
             <a:pPr lvl="4"/>
@@ -1380,18 +1205,13 @@
               <a:rPr lang="zh-CN" altLang="en-US"/>
               <a:t>第五级</a:t>
             </a:r>
-          </a:p>
-        </p:txBody>
-      </p:sp>
-      <p:sp>
-        <p:nvSpPr>
-          <p:cNvPr id="5" name="日期占位符 4">
-            <a:extLst>
-              <a:ext uri="{FF2B5EF4-FFF2-40B4-BE49-F238E27FC236}">
-                <a16:creationId xmlns:a16="http://schemas.microsoft.com/office/drawing/2014/main" id="{1FECE869-0768-45C7-BEBF-4592B7F6E9E2}"/>
-              </a:ext>
-            </a:extLst>
-          </p:cNvPr>
+            <a:endParaRPr lang="zh-CN" altLang="en-US"/>
+          </a:p>
+        </p:txBody>
+      </p:sp>
+      <p:sp>
+        <p:nvSpPr>
+          <p:cNvPr id="5" name="日期占位符 4"/>
           <p:cNvSpPr>
             <a:spLocks noGrp="1"/>
           </p:cNvSpPr>
@@ -1406,7 +1226,6 @@
           <a:p>
             <a:fld id="{5766EBB9-EB3C-4C36-8249-BBD17AF098C4}" type="datetimeFigureOut">
               <a:rPr lang="zh-CN" altLang="en-US" smtClean="0"/>
-              <a:t>2021/2/20</a:t>
             </a:fld>
             <a:endParaRPr lang="zh-CN" altLang="en-US"/>
           </a:p>
@@ -1414,13 +1233,7 @@
       </p:sp>
       <p:sp>
         <p:nvSpPr>
-          <p:cNvPr id="6" name="页脚占位符 5">
-            <a:extLst>
-              <a:ext uri="{FF2B5EF4-FFF2-40B4-BE49-F238E27FC236}">
-                <a16:creationId xmlns:a16="http://schemas.microsoft.com/office/drawing/2014/main" id="{C2E710E4-5BEB-414C-AD43-0C59A636E962}"/>
-              </a:ext>
-            </a:extLst>
-          </p:cNvPr>
+          <p:cNvPr id="6" name="页脚占位符 5"/>
           <p:cNvSpPr>
             <a:spLocks noGrp="1"/>
           </p:cNvSpPr>
@@ -1439,13 +1252,7 @@
       </p:sp>
       <p:sp>
         <p:nvSpPr>
-          <p:cNvPr id="7" name="灯片编号占位符 6">
-            <a:extLst>
-              <a:ext uri="{FF2B5EF4-FFF2-40B4-BE49-F238E27FC236}">
-                <a16:creationId xmlns:a16="http://schemas.microsoft.com/office/drawing/2014/main" id="{D5C21037-595E-4317-BACD-3C50343314D2}"/>
-              </a:ext>
-            </a:extLst>
-          </p:cNvPr>
+          <p:cNvPr id="7" name="灯片编号占位符 6"/>
           <p:cNvSpPr>
             <a:spLocks noGrp="1"/>
           </p:cNvSpPr>
@@ -1460,18 +1267,12 @@
           <a:p>
             <a:fld id="{A747F067-E567-4CA6-A66C-353F0A712855}" type="slidenum">
               <a:rPr lang="zh-CN" altLang="en-US" smtClean="0"/>
-              <a:t>‹#›</a:t>
             </a:fld>
             <a:endParaRPr lang="zh-CN" altLang="en-US"/>
           </a:p>
         </p:txBody>
       </p:sp>
     </p:spTree>
-    <p:extLst>
-      <p:ext uri="{BB962C8B-B14F-4D97-AF65-F5344CB8AC3E}">
-        <p14:creationId xmlns:p14="http://schemas.microsoft.com/office/powerpoint/2010/main" val="861463724"/>
-      </p:ext>
-    </p:extLst>
   </p:cSld>
   <p:clrMapOvr>
     <a:masterClrMapping/>
@@ -1498,13 +1299,7 @@
       </p:grpSpPr>
       <p:sp>
         <p:nvSpPr>
-          <p:cNvPr id="2" name="标题 1">
-            <a:extLst>
-              <a:ext uri="{FF2B5EF4-FFF2-40B4-BE49-F238E27FC236}">
-                <a16:creationId xmlns:a16="http://schemas.microsoft.com/office/drawing/2014/main" id="{78C825DD-31A7-4A55-A856-D5E92B84896D}"/>
-              </a:ext>
-            </a:extLst>
-          </p:cNvPr>
+          <p:cNvPr id="2" name="标题 1"/>
           <p:cNvSpPr>
             <a:spLocks noGrp="1"/>
           </p:cNvSpPr>
@@ -1526,23 +1321,18 @@
               <a:rPr lang="zh-CN" altLang="en-US"/>
               <a:t>单击此处编辑母版标题样式</a:t>
             </a:r>
-          </a:p>
-        </p:txBody>
-      </p:sp>
-      <p:sp>
-        <p:nvSpPr>
-          <p:cNvPr id="3" name="文本占位符 2">
-            <a:extLst>
-              <a:ext uri="{FF2B5EF4-FFF2-40B4-BE49-F238E27FC236}">
-                <a16:creationId xmlns:a16="http://schemas.microsoft.com/office/drawing/2014/main" id="{FB8E3998-6360-42AD-8DDF-EA2FE05D718C}"/>
-              </a:ext>
-            </a:extLst>
-          </p:cNvPr>
+            <a:endParaRPr lang="zh-CN" altLang="en-US"/>
+          </a:p>
+        </p:txBody>
+      </p:sp>
+      <p:sp>
+        <p:nvSpPr>
+          <p:cNvPr id="3" name="文本占位符 2"/>
           <p:cNvSpPr>
             <a:spLocks noGrp="1"/>
           </p:cNvSpPr>
           <p:nvPr>
-            <p:ph type="body" idx="1"/>
+            <p:ph type="body" idx="1" hasCustomPrompt="1"/>
           </p:nvPr>
         </p:nvSpPr>
         <p:spPr>
@@ -1597,23 +1387,18 @@
               <a:rPr lang="zh-CN" altLang="en-US"/>
               <a:t>编辑母版文本样式</a:t>
             </a:r>
-          </a:p>
-        </p:txBody>
-      </p:sp>
-      <p:sp>
-        <p:nvSpPr>
-          <p:cNvPr id="4" name="内容占位符 3">
-            <a:extLst>
-              <a:ext uri="{FF2B5EF4-FFF2-40B4-BE49-F238E27FC236}">
-                <a16:creationId xmlns:a16="http://schemas.microsoft.com/office/drawing/2014/main" id="{B0070E65-1E69-479E-B195-E8BC398AC280}"/>
-              </a:ext>
-            </a:extLst>
-          </p:cNvPr>
+            <a:endParaRPr lang="zh-CN" altLang="en-US"/>
+          </a:p>
+        </p:txBody>
+      </p:sp>
+      <p:sp>
+        <p:nvSpPr>
+          <p:cNvPr id="4" name="内容占位符 3"/>
           <p:cNvSpPr>
             <a:spLocks noGrp="1"/>
           </p:cNvSpPr>
           <p:nvPr>
-            <p:ph sz="half" idx="2"/>
+            <p:ph sz="half" idx="2" hasCustomPrompt="1"/>
           </p:nvPr>
         </p:nvSpPr>
         <p:spPr>
@@ -1631,6 +1416,7 @@
               <a:rPr lang="zh-CN" altLang="en-US"/>
               <a:t>编辑母版文本样式</a:t>
             </a:r>
+            <a:endParaRPr lang="zh-CN" altLang="en-US"/>
           </a:p>
           <a:p>
             <a:pPr lvl="1"/>
@@ -1638,6 +1424,7 @@
               <a:rPr lang="zh-CN" altLang="en-US"/>
               <a:t>第二级</a:t>
             </a:r>
+            <a:endParaRPr lang="zh-CN" altLang="en-US"/>
           </a:p>
           <a:p>
             <a:pPr lvl="2"/>
@@ -1645,6 +1432,7 @@
               <a:rPr lang="zh-CN" altLang="en-US"/>
               <a:t>第三级</a:t>
             </a:r>
+            <a:endParaRPr lang="zh-CN" altLang="en-US"/>
           </a:p>
           <a:p>
             <a:pPr lvl="3"/>
@@ -1652,6 +1440,7 @@
               <a:rPr lang="zh-CN" altLang="en-US"/>
               <a:t>第四级</a:t>
             </a:r>
+            <a:endParaRPr lang="zh-CN" altLang="en-US"/>
           </a:p>
           <a:p>
             <a:pPr lvl="4"/>
@@ -1659,23 +1448,18 @@
               <a:rPr lang="zh-CN" altLang="en-US"/>
               <a:t>第五级</a:t>
             </a:r>
-          </a:p>
-        </p:txBody>
-      </p:sp>
-      <p:sp>
-        <p:nvSpPr>
-          <p:cNvPr id="5" name="文本占位符 4">
-            <a:extLst>
-              <a:ext uri="{FF2B5EF4-FFF2-40B4-BE49-F238E27FC236}">
-                <a16:creationId xmlns:a16="http://schemas.microsoft.com/office/drawing/2014/main" id="{17404A84-F009-409D-B622-0F3738D87BE9}"/>
-              </a:ext>
-            </a:extLst>
-          </p:cNvPr>
+            <a:endParaRPr lang="zh-CN" altLang="en-US"/>
+          </a:p>
+        </p:txBody>
+      </p:sp>
+      <p:sp>
+        <p:nvSpPr>
+          <p:cNvPr id="5" name="文本占位符 4"/>
           <p:cNvSpPr>
             <a:spLocks noGrp="1"/>
           </p:cNvSpPr>
           <p:nvPr>
-            <p:ph type="body" sz="quarter" idx="3"/>
+            <p:ph type="body" sz="quarter" idx="3" hasCustomPrompt="1"/>
           </p:nvPr>
         </p:nvSpPr>
         <p:spPr>
@@ -1730,23 +1514,18 @@
               <a:rPr lang="zh-CN" altLang="en-US"/>
               <a:t>编辑母版文本样式</a:t>
             </a:r>
-          </a:p>
-        </p:txBody>
-      </p:sp>
-      <p:sp>
-        <p:nvSpPr>
-          <p:cNvPr id="6" name="内容占位符 5">
-            <a:extLst>
-              <a:ext uri="{FF2B5EF4-FFF2-40B4-BE49-F238E27FC236}">
-                <a16:creationId xmlns:a16="http://schemas.microsoft.com/office/drawing/2014/main" id="{2D317297-6114-4CE2-9D4E-51FD4412CDED}"/>
-              </a:ext>
-            </a:extLst>
-          </p:cNvPr>
+            <a:endParaRPr lang="zh-CN" altLang="en-US"/>
+          </a:p>
+        </p:txBody>
+      </p:sp>
+      <p:sp>
+        <p:nvSpPr>
+          <p:cNvPr id="6" name="内容占位符 5"/>
           <p:cNvSpPr>
             <a:spLocks noGrp="1"/>
           </p:cNvSpPr>
           <p:nvPr>
-            <p:ph sz="quarter" idx="4"/>
+            <p:ph sz="quarter" idx="4" hasCustomPrompt="1"/>
           </p:nvPr>
         </p:nvSpPr>
         <p:spPr>
@@ -1764,6 +1543,7 @@
               <a:rPr lang="zh-CN" altLang="en-US"/>
               <a:t>编辑母版文本样式</a:t>
             </a:r>
+            <a:endParaRPr lang="zh-CN" altLang="en-US"/>
           </a:p>
           <a:p>
             <a:pPr lvl="1"/>
@@ -1771,6 +1551,7 @@
               <a:rPr lang="zh-CN" altLang="en-US"/>
               <a:t>第二级</a:t>
             </a:r>
+            <a:endParaRPr lang="zh-CN" altLang="en-US"/>
           </a:p>
           <a:p>
             <a:pPr lvl="2"/>
@@ -1778,6 +1559,7 @@
               <a:rPr lang="zh-CN" altLang="en-US"/>
               <a:t>第三级</a:t>
             </a:r>
+            <a:endParaRPr lang="zh-CN" altLang="en-US"/>
           </a:p>
           <a:p>
             <a:pPr lvl="3"/>
@@ -1785,6 +1567,7 @@
               <a:rPr lang="zh-CN" altLang="en-US"/>
               <a:t>第四级</a:t>
             </a:r>
+            <a:endParaRPr lang="zh-CN" altLang="en-US"/>
           </a:p>
           <a:p>
             <a:pPr lvl="4"/>
@@ -1792,18 +1575,13 @@
               <a:rPr lang="zh-CN" altLang="en-US"/>
               <a:t>第五级</a:t>
             </a:r>
-          </a:p>
-        </p:txBody>
-      </p:sp>
-      <p:sp>
-        <p:nvSpPr>
-          <p:cNvPr id="7" name="日期占位符 6">
-            <a:extLst>
-              <a:ext uri="{FF2B5EF4-FFF2-40B4-BE49-F238E27FC236}">
-                <a16:creationId xmlns:a16="http://schemas.microsoft.com/office/drawing/2014/main" id="{D921E5DC-C4CC-456F-B962-2F1CC4ECDF0B}"/>
-              </a:ext>
-            </a:extLst>
-          </p:cNvPr>
+            <a:endParaRPr lang="zh-CN" altLang="en-US"/>
+          </a:p>
+        </p:txBody>
+      </p:sp>
+      <p:sp>
+        <p:nvSpPr>
+          <p:cNvPr id="7" name="日期占位符 6"/>
           <p:cNvSpPr>
             <a:spLocks noGrp="1"/>
           </p:cNvSpPr>
@@ -1818,7 +1596,6 @@
           <a:p>
             <a:fld id="{5766EBB9-EB3C-4C36-8249-BBD17AF098C4}" type="datetimeFigureOut">
               <a:rPr lang="zh-CN" altLang="en-US" smtClean="0"/>
-              <a:t>2021/2/20</a:t>
             </a:fld>
             <a:endParaRPr lang="zh-CN" altLang="en-US"/>
           </a:p>
@@ -1826,13 +1603,7 @@
       </p:sp>
       <p:sp>
         <p:nvSpPr>
-          <p:cNvPr id="8" name="页脚占位符 7">
-            <a:extLst>
-              <a:ext uri="{FF2B5EF4-FFF2-40B4-BE49-F238E27FC236}">
-                <a16:creationId xmlns:a16="http://schemas.microsoft.com/office/drawing/2014/main" id="{B96EB640-89F3-4921-9F31-5ACA45831E53}"/>
-              </a:ext>
-            </a:extLst>
-          </p:cNvPr>
+          <p:cNvPr id="8" name="页脚占位符 7"/>
           <p:cNvSpPr>
             <a:spLocks noGrp="1"/>
           </p:cNvSpPr>
@@ -1851,13 +1622,7 @@
       </p:sp>
       <p:sp>
         <p:nvSpPr>
-          <p:cNvPr id="9" name="灯片编号占位符 8">
-            <a:extLst>
-              <a:ext uri="{FF2B5EF4-FFF2-40B4-BE49-F238E27FC236}">
-                <a16:creationId xmlns:a16="http://schemas.microsoft.com/office/drawing/2014/main" id="{4A1D6999-2B5C-4E68-8895-D1EB4739025C}"/>
-              </a:ext>
-            </a:extLst>
-          </p:cNvPr>
+          <p:cNvPr id="9" name="灯片编号占位符 8"/>
           <p:cNvSpPr>
             <a:spLocks noGrp="1"/>
           </p:cNvSpPr>
@@ -1872,18 +1637,12 @@
           <a:p>
             <a:fld id="{A747F067-E567-4CA6-A66C-353F0A712855}" type="slidenum">
               <a:rPr lang="zh-CN" altLang="en-US" smtClean="0"/>
-              <a:t>‹#›</a:t>
             </a:fld>
             <a:endParaRPr lang="zh-CN" altLang="en-US"/>
           </a:p>
         </p:txBody>
       </p:sp>
     </p:spTree>
-    <p:extLst>
-      <p:ext uri="{BB962C8B-B14F-4D97-AF65-F5344CB8AC3E}">
-        <p14:creationId xmlns:p14="http://schemas.microsoft.com/office/powerpoint/2010/main" val="2869107211"/>
-      </p:ext>
-    </p:extLst>
   </p:cSld>
   <p:clrMapOvr>
     <a:masterClrMapping/>
@@ -1910,13 +1669,7 @@
       </p:grpSpPr>
       <p:sp>
         <p:nvSpPr>
-          <p:cNvPr id="2" name="标题 1">
-            <a:extLst>
-              <a:ext uri="{FF2B5EF4-FFF2-40B4-BE49-F238E27FC236}">
-                <a16:creationId xmlns:a16="http://schemas.microsoft.com/office/drawing/2014/main" id="{55E0E005-229F-4C5D-8C78-46AA1B6EB2F8}"/>
-              </a:ext>
-            </a:extLst>
-          </p:cNvPr>
+          <p:cNvPr id="2" name="标题 1"/>
           <p:cNvSpPr>
             <a:spLocks noGrp="1"/>
           </p:cNvSpPr>
@@ -1933,18 +1686,13 @@
               <a:rPr lang="zh-CN" altLang="en-US"/>
               <a:t>单击此处编辑母版标题样式</a:t>
             </a:r>
-          </a:p>
-        </p:txBody>
-      </p:sp>
-      <p:sp>
-        <p:nvSpPr>
-          <p:cNvPr id="3" name="日期占位符 2">
-            <a:extLst>
-              <a:ext uri="{FF2B5EF4-FFF2-40B4-BE49-F238E27FC236}">
-                <a16:creationId xmlns:a16="http://schemas.microsoft.com/office/drawing/2014/main" id="{3B4C2F77-D8E7-4374-AD39-3663965217DC}"/>
-              </a:ext>
-            </a:extLst>
-          </p:cNvPr>
+            <a:endParaRPr lang="zh-CN" altLang="en-US"/>
+          </a:p>
+        </p:txBody>
+      </p:sp>
+      <p:sp>
+        <p:nvSpPr>
+          <p:cNvPr id="3" name="日期占位符 2"/>
           <p:cNvSpPr>
             <a:spLocks noGrp="1"/>
           </p:cNvSpPr>
@@ -1959,7 +1707,6 @@
           <a:p>
             <a:fld id="{5766EBB9-EB3C-4C36-8249-BBD17AF098C4}" type="datetimeFigureOut">
               <a:rPr lang="zh-CN" altLang="en-US" smtClean="0"/>
-              <a:t>2021/2/20</a:t>
             </a:fld>
             <a:endParaRPr lang="zh-CN" altLang="en-US"/>
           </a:p>
@@ -1967,13 +1714,7 @@
       </p:sp>
       <p:sp>
         <p:nvSpPr>
-          <p:cNvPr id="4" name="页脚占位符 3">
-            <a:extLst>
-              <a:ext uri="{FF2B5EF4-FFF2-40B4-BE49-F238E27FC236}">
-                <a16:creationId xmlns:a16="http://schemas.microsoft.com/office/drawing/2014/main" id="{8EFF6692-C60A-475D-92C9-4F17D0CB1305}"/>
-              </a:ext>
-            </a:extLst>
-          </p:cNvPr>
+          <p:cNvPr id="4" name="页脚占位符 3"/>
           <p:cNvSpPr>
             <a:spLocks noGrp="1"/>
           </p:cNvSpPr>
@@ -1992,13 +1733,7 @@
       </p:sp>
       <p:sp>
         <p:nvSpPr>
-          <p:cNvPr id="5" name="灯片编号占位符 4">
-            <a:extLst>
-              <a:ext uri="{FF2B5EF4-FFF2-40B4-BE49-F238E27FC236}">
-                <a16:creationId xmlns:a16="http://schemas.microsoft.com/office/drawing/2014/main" id="{F7DCFF95-C6F2-4209-BCB1-B885B097838A}"/>
-              </a:ext>
-            </a:extLst>
-          </p:cNvPr>
+          <p:cNvPr id="5" name="灯片编号占位符 4"/>
           <p:cNvSpPr>
             <a:spLocks noGrp="1"/>
           </p:cNvSpPr>
@@ -2013,18 +1748,12 @@
           <a:p>
             <a:fld id="{A747F067-E567-4CA6-A66C-353F0A712855}" type="slidenum">
               <a:rPr lang="zh-CN" altLang="en-US" smtClean="0"/>
-              <a:t>‹#›</a:t>
             </a:fld>
             <a:endParaRPr lang="zh-CN" altLang="en-US"/>
           </a:p>
         </p:txBody>
       </p:sp>
     </p:spTree>
-    <p:extLst>
-      <p:ext uri="{BB962C8B-B14F-4D97-AF65-F5344CB8AC3E}">
-        <p14:creationId xmlns:p14="http://schemas.microsoft.com/office/powerpoint/2010/main" val="2915801369"/>
-      </p:ext>
-    </p:extLst>
   </p:cSld>
   <p:clrMapOvr>
     <a:masterClrMapping/>
@@ -2051,13 +1780,7 @@
       </p:grpSpPr>
       <p:sp>
         <p:nvSpPr>
-          <p:cNvPr id="2" name="日期占位符 1">
-            <a:extLst>
-              <a:ext uri="{FF2B5EF4-FFF2-40B4-BE49-F238E27FC236}">
-                <a16:creationId xmlns:a16="http://schemas.microsoft.com/office/drawing/2014/main" id="{24F235C1-ECEB-4FF9-ADC5-A7A07C95B99A}"/>
-              </a:ext>
-            </a:extLst>
-          </p:cNvPr>
+          <p:cNvPr id="2" name="日期占位符 1"/>
           <p:cNvSpPr>
             <a:spLocks noGrp="1"/>
           </p:cNvSpPr>
@@ -2072,7 +1795,6 @@
           <a:p>
             <a:fld id="{5766EBB9-EB3C-4C36-8249-BBD17AF098C4}" type="datetimeFigureOut">
               <a:rPr lang="zh-CN" altLang="en-US" smtClean="0"/>
-              <a:t>2021/2/20</a:t>
             </a:fld>
             <a:endParaRPr lang="zh-CN" altLang="en-US"/>
           </a:p>
@@ -2080,13 +1802,7 @@
       </p:sp>
       <p:sp>
         <p:nvSpPr>
-          <p:cNvPr id="3" name="页脚占位符 2">
-            <a:extLst>
-              <a:ext uri="{FF2B5EF4-FFF2-40B4-BE49-F238E27FC236}">
-                <a16:creationId xmlns:a16="http://schemas.microsoft.com/office/drawing/2014/main" id="{FF8D39D0-A653-4D2A-9EB5-129D6A4EAA48}"/>
-              </a:ext>
-            </a:extLst>
-          </p:cNvPr>
+          <p:cNvPr id="3" name="页脚占位符 2"/>
           <p:cNvSpPr>
             <a:spLocks noGrp="1"/>
           </p:cNvSpPr>
@@ -2105,13 +1821,7 @@
       </p:sp>
       <p:sp>
         <p:nvSpPr>
-          <p:cNvPr id="4" name="灯片编号占位符 3">
-            <a:extLst>
-              <a:ext uri="{FF2B5EF4-FFF2-40B4-BE49-F238E27FC236}">
-                <a16:creationId xmlns:a16="http://schemas.microsoft.com/office/drawing/2014/main" id="{2252A4D0-55BC-4885-8507-E382C52776FF}"/>
-              </a:ext>
-            </a:extLst>
-          </p:cNvPr>
+          <p:cNvPr id="4" name="灯片编号占位符 3"/>
           <p:cNvSpPr>
             <a:spLocks noGrp="1"/>
           </p:cNvSpPr>
@@ -2126,18 +1836,12 @@
           <a:p>
             <a:fld id="{A747F067-E567-4CA6-A66C-353F0A712855}" type="slidenum">
               <a:rPr lang="zh-CN" altLang="en-US" smtClean="0"/>
-              <a:t>‹#›</a:t>
             </a:fld>
             <a:endParaRPr lang="zh-CN" altLang="en-US"/>
           </a:p>
         </p:txBody>
       </p:sp>
     </p:spTree>
-    <p:extLst>
-      <p:ext uri="{BB962C8B-B14F-4D97-AF65-F5344CB8AC3E}">
-        <p14:creationId xmlns:p14="http://schemas.microsoft.com/office/powerpoint/2010/main" val="1198557173"/>
-      </p:ext>
-    </p:extLst>
   </p:cSld>
   <p:clrMapOvr>
     <a:masterClrMapping/>
@@ -2164,13 +1868,7 @@
       </p:grpSpPr>
       <p:sp>
         <p:nvSpPr>
-          <p:cNvPr id="2" name="标题 1">
-            <a:extLst>
-              <a:ext uri="{FF2B5EF4-FFF2-40B4-BE49-F238E27FC236}">
-                <a16:creationId xmlns:a16="http://schemas.microsoft.com/office/drawing/2014/main" id="{C923FDC8-E71C-425E-BCA7-4D6D2654EFC1}"/>
-              </a:ext>
-            </a:extLst>
-          </p:cNvPr>
+          <p:cNvPr id="2" name="标题 1"/>
           <p:cNvSpPr>
             <a:spLocks noGrp="1"/>
           </p:cNvSpPr>
@@ -2196,23 +1894,18 @@
               <a:rPr lang="zh-CN" altLang="en-US"/>
               <a:t>单击此处编辑母版标题样式</a:t>
             </a:r>
-          </a:p>
-        </p:txBody>
-      </p:sp>
-      <p:sp>
-        <p:nvSpPr>
-          <p:cNvPr id="3" name="内容占位符 2">
-            <a:extLst>
-              <a:ext uri="{FF2B5EF4-FFF2-40B4-BE49-F238E27FC236}">
-                <a16:creationId xmlns:a16="http://schemas.microsoft.com/office/drawing/2014/main" id="{963C6D53-F3B3-4206-BB4F-5992E1576F5F}"/>
-              </a:ext>
-            </a:extLst>
-          </p:cNvPr>
+            <a:endParaRPr lang="zh-CN" altLang="en-US"/>
+          </a:p>
+        </p:txBody>
+      </p:sp>
+      <p:sp>
+        <p:nvSpPr>
+          <p:cNvPr id="3" name="内容占位符 2"/>
           <p:cNvSpPr>
             <a:spLocks noGrp="1"/>
           </p:cNvSpPr>
           <p:nvPr>
-            <p:ph idx="1"/>
+            <p:ph idx="1" hasCustomPrompt="1"/>
           </p:nvPr>
         </p:nvSpPr>
         <p:spPr>
@@ -2258,6 +1951,7 @@
               <a:rPr lang="zh-CN" altLang="en-US"/>
               <a:t>编辑母版文本样式</a:t>
             </a:r>
+            <a:endParaRPr lang="zh-CN" altLang="en-US"/>
           </a:p>
           <a:p>
             <a:pPr lvl="1"/>
@@ -2265,6 +1959,7 @@
               <a:rPr lang="zh-CN" altLang="en-US"/>
               <a:t>第二级</a:t>
             </a:r>
+            <a:endParaRPr lang="zh-CN" altLang="en-US"/>
           </a:p>
           <a:p>
             <a:pPr lvl="2"/>
@@ -2272,6 +1967,7 @@
               <a:rPr lang="zh-CN" altLang="en-US"/>
               <a:t>第三级</a:t>
             </a:r>
+            <a:endParaRPr lang="zh-CN" altLang="en-US"/>
           </a:p>
           <a:p>
             <a:pPr lvl="3"/>
@@ -2279,6 +1975,7 @@
               <a:rPr lang="zh-CN" altLang="en-US"/>
               <a:t>第四级</a:t>
             </a:r>
+            <a:endParaRPr lang="zh-CN" altLang="en-US"/>
           </a:p>
           <a:p>
             <a:pPr lvl="4"/>
@@ -2286,23 +1983,18 @@
               <a:rPr lang="zh-CN" altLang="en-US"/>
               <a:t>第五级</a:t>
             </a:r>
-          </a:p>
-        </p:txBody>
-      </p:sp>
-      <p:sp>
-        <p:nvSpPr>
-          <p:cNvPr id="4" name="文本占位符 3">
-            <a:extLst>
-              <a:ext uri="{FF2B5EF4-FFF2-40B4-BE49-F238E27FC236}">
-                <a16:creationId xmlns:a16="http://schemas.microsoft.com/office/drawing/2014/main" id="{F6E717D7-1B1E-4E6D-B06E-58582C2AE2A3}"/>
-              </a:ext>
-            </a:extLst>
-          </p:cNvPr>
+            <a:endParaRPr lang="zh-CN" altLang="en-US"/>
+          </a:p>
+        </p:txBody>
+      </p:sp>
+      <p:sp>
+        <p:nvSpPr>
+          <p:cNvPr id="4" name="文本占位符 3"/>
           <p:cNvSpPr>
             <a:spLocks noGrp="1"/>
           </p:cNvSpPr>
           <p:nvPr>
-            <p:ph type="body" sz="half" idx="2"/>
+            <p:ph type="body" sz="half" idx="2" hasCustomPrompt="1"/>
           </p:nvPr>
         </p:nvSpPr>
         <p:spPr>
@@ -2357,18 +2049,13 @@
               <a:rPr lang="zh-CN" altLang="en-US"/>
               <a:t>编辑母版文本样式</a:t>
             </a:r>
-          </a:p>
-        </p:txBody>
-      </p:sp>
-      <p:sp>
-        <p:nvSpPr>
-          <p:cNvPr id="5" name="日期占位符 4">
-            <a:extLst>
-              <a:ext uri="{FF2B5EF4-FFF2-40B4-BE49-F238E27FC236}">
-                <a16:creationId xmlns:a16="http://schemas.microsoft.com/office/drawing/2014/main" id="{D0634F27-C9A9-404E-9CF8-4E401B8360E6}"/>
-              </a:ext>
-            </a:extLst>
-          </p:cNvPr>
+            <a:endParaRPr lang="zh-CN" altLang="en-US"/>
+          </a:p>
+        </p:txBody>
+      </p:sp>
+      <p:sp>
+        <p:nvSpPr>
+          <p:cNvPr id="5" name="日期占位符 4"/>
           <p:cNvSpPr>
             <a:spLocks noGrp="1"/>
           </p:cNvSpPr>
@@ -2383,7 +2070,6 @@
           <a:p>
             <a:fld id="{5766EBB9-EB3C-4C36-8249-BBD17AF098C4}" type="datetimeFigureOut">
               <a:rPr lang="zh-CN" altLang="en-US" smtClean="0"/>
-              <a:t>2021/2/20</a:t>
             </a:fld>
             <a:endParaRPr lang="zh-CN" altLang="en-US"/>
           </a:p>
@@ -2391,13 +2077,7 @@
       </p:sp>
       <p:sp>
         <p:nvSpPr>
-          <p:cNvPr id="6" name="页脚占位符 5">
-            <a:extLst>
-              <a:ext uri="{FF2B5EF4-FFF2-40B4-BE49-F238E27FC236}">
-                <a16:creationId xmlns:a16="http://schemas.microsoft.com/office/drawing/2014/main" id="{9FAB85E8-50C2-400A-886D-045A05BD6945}"/>
-              </a:ext>
-            </a:extLst>
-          </p:cNvPr>
+          <p:cNvPr id="6" name="页脚占位符 5"/>
           <p:cNvSpPr>
             <a:spLocks noGrp="1"/>
           </p:cNvSpPr>
@@ -2416,13 +2096,7 @@
       </p:sp>
       <p:sp>
         <p:nvSpPr>
-          <p:cNvPr id="7" name="灯片编号占位符 6">
-            <a:extLst>
-              <a:ext uri="{FF2B5EF4-FFF2-40B4-BE49-F238E27FC236}">
-                <a16:creationId xmlns:a16="http://schemas.microsoft.com/office/drawing/2014/main" id="{E8F84B09-694D-4825-9C82-8194EFE24C5D}"/>
-              </a:ext>
-            </a:extLst>
-          </p:cNvPr>
+          <p:cNvPr id="7" name="灯片编号占位符 6"/>
           <p:cNvSpPr>
             <a:spLocks noGrp="1"/>
           </p:cNvSpPr>
@@ -2437,18 +2111,12 @@
           <a:p>
             <a:fld id="{A747F067-E567-4CA6-A66C-353F0A712855}" type="slidenum">
               <a:rPr lang="zh-CN" altLang="en-US" smtClean="0"/>
-              <a:t>‹#›</a:t>
             </a:fld>
             <a:endParaRPr lang="zh-CN" altLang="en-US"/>
           </a:p>
         </p:txBody>
       </p:sp>
     </p:spTree>
-    <p:extLst>
-      <p:ext uri="{BB962C8B-B14F-4D97-AF65-F5344CB8AC3E}">
-        <p14:creationId xmlns:p14="http://schemas.microsoft.com/office/powerpoint/2010/main" val="3787668350"/>
-      </p:ext>
-    </p:extLst>
   </p:cSld>
   <p:clrMapOvr>
     <a:masterClrMapping/>
@@ -2475,13 +2143,7 @@
       </p:grpSpPr>
       <p:sp>
         <p:nvSpPr>
-          <p:cNvPr id="2" name="标题 1">
-            <a:extLst>
-              <a:ext uri="{FF2B5EF4-FFF2-40B4-BE49-F238E27FC236}">
-                <a16:creationId xmlns:a16="http://schemas.microsoft.com/office/drawing/2014/main" id="{9CD4BF10-F37E-4913-9A55-B5103AFBD1A9}"/>
-              </a:ext>
-            </a:extLst>
-          </p:cNvPr>
+          <p:cNvPr id="2" name="标题 1"/>
           <p:cNvSpPr>
             <a:spLocks noGrp="1"/>
           </p:cNvSpPr>
@@ -2507,18 +2169,13 @@
               <a:rPr lang="zh-CN" altLang="en-US"/>
               <a:t>单击此处编辑母版标题样式</a:t>
             </a:r>
-          </a:p>
-        </p:txBody>
-      </p:sp>
-      <p:sp>
-        <p:nvSpPr>
-          <p:cNvPr id="3" name="图片占位符 2">
-            <a:extLst>
-              <a:ext uri="{FF2B5EF4-FFF2-40B4-BE49-F238E27FC236}">
-                <a16:creationId xmlns:a16="http://schemas.microsoft.com/office/drawing/2014/main" id="{2B9792B9-2D0B-4065-AC60-6AEFC6215B46}"/>
-              </a:ext>
-            </a:extLst>
-          </p:cNvPr>
+            <a:endParaRPr lang="zh-CN" altLang="en-US"/>
+          </a:p>
+        </p:txBody>
+      </p:sp>
+      <p:sp>
+        <p:nvSpPr>
+          <p:cNvPr id="3" name="图片占位符 2"/>
           <p:cNvSpPr>
             <a:spLocks noGrp="1"/>
           </p:cNvSpPr>
@@ -2579,18 +2236,12 @@
       </p:sp>
       <p:sp>
         <p:nvSpPr>
-          <p:cNvPr id="4" name="文本占位符 3">
-            <a:extLst>
-              <a:ext uri="{FF2B5EF4-FFF2-40B4-BE49-F238E27FC236}">
-                <a16:creationId xmlns:a16="http://schemas.microsoft.com/office/drawing/2014/main" id="{F238E4DC-15D8-47DF-A267-262CCA55537A}"/>
-              </a:ext>
-            </a:extLst>
-          </p:cNvPr>
+          <p:cNvPr id="4" name="文本占位符 3"/>
           <p:cNvSpPr>
             <a:spLocks noGrp="1"/>
           </p:cNvSpPr>
           <p:nvPr>
-            <p:ph type="body" sz="half" idx="2"/>
+            <p:ph type="body" sz="half" idx="2" hasCustomPrompt="1"/>
           </p:nvPr>
         </p:nvSpPr>
         <p:spPr>
@@ -2645,18 +2296,13 @@
               <a:rPr lang="zh-CN" altLang="en-US"/>
               <a:t>编辑母版文本样式</a:t>
             </a:r>
-          </a:p>
-        </p:txBody>
-      </p:sp>
-      <p:sp>
-        <p:nvSpPr>
-          <p:cNvPr id="5" name="日期占位符 4">
-            <a:extLst>
-              <a:ext uri="{FF2B5EF4-FFF2-40B4-BE49-F238E27FC236}">
-                <a16:creationId xmlns:a16="http://schemas.microsoft.com/office/drawing/2014/main" id="{A805CDDA-A6FA-4A05-A5A3-F3EB6606E236}"/>
-              </a:ext>
-            </a:extLst>
-          </p:cNvPr>
+            <a:endParaRPr lang="zh-CN" altLang="en-US"/>
+          </a:p>
+        </p:txBody>
+      </p:sp>
+      <p:sp>
+        <p:nvSpPr>
+          <p:cNvPr id="5" name="日期占位符 4"/>
           <p:cNvSpPr>
             <a:spLocks noGrp="1"/>
           </p:cNvSpPr>
@@ -2671,7 +2317,6 @@
           <a:p>
             <a:fld id="{5766EBB9-EB3C-4C36-8249-BBD17AF098C4}" type="datetimeFigureOut">
               <a:rPr lang="zh-CN" altLang="en-US" smtClean="0"/>
-              <a:t>2021/2/20</a:t>
             </a:fld>
             <a:endParaRPr lang="zh-CN" altLang="en-US"/>
           </a:p>
@@ -2679,13 +2324,7 @@
       </p:sp>
       <p:sp>
         <p:nvSpPr>
-          <p:cNvPr id="6" name="页脚占位符 5">
-            <a:extLst>
-              <a:ext uri="{FF2B5EF4-FFF2-40B4-BE49-F238E27FC236}">
-                <a16:creationId xmlns:a16="http://schemas.microsoft.com/office/drawing/2014/main" id="{2D708908-B9D9-47E7-8164-C9EC1A809818}"/>
-              </a:ext>
-            </a:extLst>
-          </p:cNvPr>
+          <p:cNvPr id="6" name="页脚占位符 5"/>
           <p:cNvSpPr>
             <a:spLocks noGrp="1"/>
           </p:cNvSpPr>
@@ -2704,13 +2343,7 @@
       </p:sp>
       <p:sp>
         <p:nvSpPr>
-          <p:cNvPr id="7" name="灯片编号占位符 6">
-            <a:extLst>
-              <a:ext uri="{FF2B5EF4-FFF2-40B4-BE49-F238E27FC236}">
-                <a16:creationId xmlns:a16="http://schemas.microsoft.com/office/drawing/2014/main" id="{2F78FDF8-D9B3-4932-BD8A-2241C045FFCF}"/>
-              </a:ext>
-            </a:extLst>
-          </p:cNvPr>
+          <p:cNvPr id="7" name="灯片编号占位符 6"/>
           <p:cNvSpPr>
             <a:spLocks noGrp="1"/>
           </p:cNvSpPr>
@@ -2725,18 +2358,12 @@
           <a:p>
             <a:fld id="{A747F067-E567-4CA6-A66C-353F0A712855}" type="slidenum">
               <a:rPr lang="zh-CN" altLang="en-US" smtClean="0"/>
-              <a:t>‹#›</a:t>
             </a:fld>
             <a:endParaRPr lang="zh-CN" altLang="en-US"/>
           </a:p>
         </p:txBody>
       </p:sp>
     </p:spTree>
-    <p:extLst>
-      <p:ext uri="{BB962C8B-B14F-4D97-AF65-F5344CB8AC3E}">
-        <p14:creationId xmlns:p14="http://schemas.microsoft.com/office/powerpoint/2010/main" val="132509275"/>
-      </p:ext>
-    </p:extLst>
   </p:cSld>
   <p:clrMapOvr>
     <a:masterClrMapping/>
@@ -2768,13 +2395,7 @@
       </p:grpSpPr>
       <p:sp>
         <p:nvSpPr>
-          <p:cNvPr id="2" name="标题占位符 1">
-            <a:extLst>
-              <a:ext uri="{FF2B5EF4-FFF2-40B4-BE49-F238E27FC236}">
-                <a16:creationId xmlns:a16="http://schemas.microsoft.com/office/drawing/2014/main" id="{F99E8601-1CFE-4426-8696-804ADDA997F1}"/>
-              </a:ext>
-            </a:extLst>
-          </p:cNvPr>
+          <p:cNvPr id="2" name="标题占位符 1"/>
           <p:cNvSpPr>
             <a:spLocks noGrp="1"/>
           </p:cNvSpPr>
@@ -2801,18 +2422,13 @@
               <a:rPr lang="zh-CN" altLang="en-US"/>
               <a:t>单击此处编辑母版标题样式</a:t>
             </a:r>
-          </a:p>
-        </p:txBody>
-      </p:sp>
-      <p:sp>
-        <p:nvSpPr>
-          <p:cNvPr id="3" name="文本占位符 2">
-            <a:extLst>
-              <a:ext uri="{FF2B5EF4-FFF2-40B4-BE49-F238E27FC236}">
-                <a16:creationId xmlns:a16="http://schemas.microsoft.com/office/drawing/2014/main" id="{6BAFFD38-CB4F-4EA2-B716-3593DCAEF8ED}"/>
-              </a:ext>
-            </a:extLst>
-          </p:cNvPr>
+            <a:endParaRPr lang="zh-CN" altLang="en-US"/>
+          </a:p>
+        </p:txBody>
+      </p:sp>
+      <p:sp>
+        <p:nvSpPr>
+          <p:cNvPr id="3" name="文本占位符 2"/>
           <p:cNvSpPr>
             <a:spLocks noGrp="1"/>
           </p:cNvSpPr>
@@ -2840,6 +2456,7 @@
               <a:rPr lang="zh-CN" altLang="en-US"/>
               <a:t>编辑母版文本样式</a:t>
             </a:r>
+            <a:endParaRPr lang="zh-CN" altLang="en-US"/>
           </a:p>
           <a:p>
             <a:pPr lvl="1"/>
@@ -2847,6 +2464,7 @@
               <a:rPr lang="zh-CN" altLang="en-US"/>
               <a:t>第二级</a:t>
             </a:r>
+            <a:endParaRPr lang="zh-CN" altLang="en-US"/>
           </a:p>
           <a:p>
             <a:pPr lvl="2"/>
@@ -2854,6 +2472,7 @@
               <a:rPr lang="zh-CN" altLang="en-US"/>
               <a:t>第三级</a:t>
             </a:r>
+            <a:endParaRPr lang="zh-CN" altLang="en-US"/>
           </a:p>
           <a:p>
             <a:pPr lvl="3"/>
@@ -2861,6 +2480,7 @@
               <a:rPr lang="zh-CN" altLang="en-US"/>
               <a:t>第四级</a:t>
             </a:r>
+            <a:endParaRPr lang="zh-CN" altLang="en-US"/>
           </a:p>
           <a:p>
             <a:pPr lvl="4"/>
@@ -2868,18 +2488,13 @@
               <a:rPr lang="zh-CN" altLang="en-US"/>
               <a:t>第五级</a:t>
             </a:r>
-          </a:p>
-        </p:txBody>
-      </p:sp>
-      <p:sp>
-        <p:nvSpPr>
-          <p:cNvPr id="4" name="日期占位符 3">
-            <a:extLst>
-              <a:ext uri="{FF2B5EF4-FFF2-40B4-BE49-F238E27FC236}">
-                <a16:creationId xmlns:a16="http://schemas.microsoft.com/office/drawing/2014/main" id="{36E3509C-B3CD-4A2F-B8F8-38BEFBB0AF6B}"/>
-              </a:ext>
-            </a:extLst>
-          </p:cNvPr>
+            <a:endParaRPr lang="zh-CN" altLang="en-US"/>
+          </a:p>
+        </p:txBody>
+      </p:sp>
+      <p:sp>
+        <p:nvSpPr>
+          <p:cNvPr id="4" name="日期占位符 3"/>
           <p:cNvSpPr>
             <a:spLocks noGrp="1"/>
           </p:cNvSpPr>
@@ -2912,7 +2527,6 @@
           <a:p>
             <a:fld id="{5766EBB9-EB3C-4C36-8249-BBD17AF098C4}" type="datetimeFigureOut">
               <a:rPr lang="zh-CN" altLang="en-US" smtClean="0"/>
-              <a:t>2021/2/20</a:t>
             </a:fld>
             <a:endParaRPr lang="zh-CN" altLang="en-US"/>
           </a:p>
@@ -2920,13 +2534,7 @@
       </p:sp>
       <p:sp>
         <p:nvSpPr>
-          <p:cNvPr id="5" name="页脚占位符 4">
-            <a:extLst>
-              <a:ext uri="{FF2B5EF4-FFF2-40B4-BE49-F238E27FC236}">
-                <a16:creationId xmlns:a16="http://schemas.microsoft.com/office/drawing/2014/main" id="{753B5400-ACA6-41AA-888E-6536E06A604C}"/>
-              </a:ext>
-            </a:extLst>
-          </p:cNvPr>
+          <p:cNvPr id="5" name="页脚占位符 4"/>
           <p:cNvSpPr>
             <a:spLocks noGrp="1"/>
           </p:cNvSpPr>
@@ -2963,13 +2571,7 @@
       </p:sp>
       <p:sp>
         <p:nvSpPr>
-          <p:cNvPr id="6" name="灯片编号占位符 5">
-            <a:extLst>
-              <a:ext uri="{FF2B5EF4-FFF2-40B4-BE49-F238E27FC236}">
-                <a16:creationId xmlns:a16="http://schemas.microsoft.com/office/drawing/2014/main" id="{8482F84C-48DC-4FF7-BA40-A8C5A2DED637}"/>
-              </a:ext>
-            </a:extLst>
-          </p:cNvPr>
+          <p:cNvPr id="6" name="灯片编号占位符 5"/>
           <p:cNvSpPr>
             <a:spLocks noGrp="1"/>
           </p:cNvSpPr>
@@ -3002,18 +2604,12 @@
           <a:p>
             <a:fld id="{A747F067-E567-4CA6-A66C-353F0A712855}" type="slidenum">
               <a:rPr lang="zh-CN" altLang="en-US" smtClean="0"/>
-              <a:t>‹#›</a:t>
             </a:fld>
             <a:endParaRPr lang="zh-CN" altLang="en-US"/>
           </a:p>
         </p:txBody>
       </p:sp>
     </p:spTree>
-    <p:extLst>
-      <p:ext uri="{BB962C8B-B14F-4D97-AF65-F5344CB8AC3E}">
-        <p14:creationId xmlns:p14="http://schemas.microsoft.com/office/powerpoint/2010/main" val="2558788822"/>
-      </p:ext>
-    </p:extLst>
   </p:cSld>
   <p:clrMap bg1="lt1" tx1="dk1" bg2="lt2" tx2="dk2" accent1="accent1" accent2="accent2" accent3="accent3" accent4="accent4" accent5="accent5" accent6="accent6" hlink="hlink" folHlink="folHlink"/>
   <p:sldLayoutIdLst>
@@ -3331,13 +2927,37 @@
       </p:grpSpPr>
       <p:pic>
         <p:nvPicPr>
-          <p:cNvPr id="5" name="图片 4">
+          <p:cNvPr id="5" name="图片 4"/>
+          <p:cNvPicPr>
+            <a:picLocks noChangeAspect="1"/>
+          </p:cNvPicPr>
+          <p:nvPr/>
+        </p:nvPicPr>
+        <p:blipFill>
+          <a:blip r:embed="rId1">
             <a:extLst>
-              <a:ext uri="{FF2B5EF4-FFF2-40B4-BE49-F238E27FC236}">
-                <a16:creationId xmlns:a16="http://schemas.microsoft.com/office/drawing/2014/main" id="{DB79EEA3-5B8A-44EF-8A8C-62935AA04F1F}"/>
+              <a:ext uri="{28A0092B-C50C-407E-A947-70E740481C1C}">
+                <a14:useLocalDpi xmlns:a14="http://schemas.microsoft.com/office/drawing/2010/main" val="0"/>
               </a:ext>
             </a:extLst>
-          </p:cNvPr>
+          </a:blip>
+          <a:stretch>
+            <a:fillRect/>
+          </a:stretch>
+        </p:blipFill>
+        <p:spPr>
+          <a:xfrm>
+            <a:off x="2043404" y="993030"/>
+            <a:ext cx="1219200" cy="1438275"/>
+          </a:xfrm>
+          <a:prstGeom prst="rect">
+            <a:avLst/>
+          </a:prstGeom>
+        </p:spPr>
+      </p:pic>
+      <p:pic>
+        <p:nvPicPr>
+          <p:cNvPr id="7" name="图片 6"/>
           <p:cNvPicPr>
             <a:picLocks noChangeAspect="1"/>
           </p:cNvPicPr>
@@ -3357,8 +2977,8 @@
         </p:blipFill>
         <p:spPr>
           <a:xfrm>
-            <a:off x="2043404" y="993030"/>
-            <a:ext cx="1219200" cy="1438275"/>
+            <a:off x="3750905" y="1102567"/>
+            <a:ext cx="1219200" cy="1219200"/>
           </a:xfrm>
           <a:prstGeom prst="rect">
             <a:avLst/>
@@ -3367,13 +2987,7 @@
       </p:pic>
       <p:pic>
         <p:nvPicPr>
-          <p:cNvPr id="7" name="图片 6">
-            <a:extLst>
-              <a:ext uri="{FF2B5EF4-FFF2-40B4-BE49-F238E27FC236}">
-                <a16:creationId xmlns:a16="http://schemas.microsoft.com/office/drawing/2014/main" id="{55D63A6C-2365-4691-91A4-B75FFC26FB55}"/>
-              </a:ext>
-            </a:extLst>
-          </p:cNvPr>
+          <p:cNvPr id="9" name="图片 8"/>
           <p:cNvPicPr>
             <a:picLocks noChangeAspect="1"/>
           </p:cNvPicPr>
@@ -3393,7 +3007,7 @@
         </p:blipFill>
         <p:spPr>
           <a:xfrm>
-            <a:off x="3750905" y="1102567"/>
+            <a:off x="5654351" y="1102567"/>
             <a:ext cx="1219200" cy="1219200"/>
           </a:xfrm>
           <a:prstGeom prst="rect">
@@ -3403,13 +3017,7 @@
       </p:pic>
       <p:pic>
         <p:nvPicPr>
-          <p:cNvPr id="9" name="图片 8">
-            <a:extLst>
-              <a:ext uri="{FF2B5EF4-FFF2-40B4-BE49-F238E27FC236}">
-                <a16:creationId xmlns:a16="http://schemas.microsoft.com/office/drawing/2014/main" id="{9D052664-D07F-45E4-9E24-C5086E3776DF}"/>
-              </a:ext>
-            </a:extLst>
-          </p:cNvPr>
+          <p:cNvPr id="11" name="图片 10"/>
           <p:cNvPicPr>
             <a:picLocks noChangeAspect="1"/>
           </p:cNvPicPr>
@@ -3429,42 +3037,6 @@
         </p:blipFill>
         <p:spPr>
           <a:xfrm>
-            <a:off x="5654351" y="1102567"/>
-            <a:ext cx="1219200" cy="1219200"/>
-          </a:xfrm>
-          <a:prstGeom prst="rect">
-            <a:avLst/>
-          </a:prstGeom>
-        </p:spPr>
-      </p:pic>
-      <p:pic>
-        <p:nvPicPr>
-          <p:cNvPr id="11" name="图片 10">
-            <a:extLst>
-              <a:ext uri="{FF2B5EF4-FFF2-40B4-BE49-F238E27FC236}">
-                <a16:creationId xmlns:a16="http://schemas.microsoft.com/office/drawing/2014/main" id="{9BABE30B-450E-47CA-BE22-BB051538357A}"/>
-              </a:ext>
-            </a:extLst>
-          </p:cNvPr>
-          <p:cNvPicPr>
-            <a:picLocks noChangeAspect="1"/>
-          </p:cNvPicPr>
-          <p:nvPr/>
-        </p:nvPicPr>
-        <p:blipFill>
-          <a:blip r:embed="rId5">
-            <a:extLst>
-              <a:ext uri="{28A0092B-C50C-407E-A947-70E740481C1C}">
-                <a14:useLocalDpi xmlns:a14="http://schemas.microsoft.com/office/drawing/2010/main" val="0"/>
-              </a:ext>
-            </a:extLst>
-          </a:blip>
-          <a:stretch>
-            <a:fillRect/>
-          </a:stretch>
-        </p:blipFill>
-        <p:spPr>
-          <a:xfrm>
             <a:off x="7361853" y="993030"/>
             <a:ext cx="1107232" cy="1470543"/>
           </a:xfrm>
@@ -3475,13 +3047,7 @@
       </p:pic>
       <p:sp>
         <p:nvSpPr>
-          <p:cNvPr id="13" name="文本框 12">
-            <a:extLst>
-              <a:ext uri="{FF2B5EF4-FFF2-40B4-BE49-F238E27FC236}">
-                <a16:creationId xmlns:a16="http://schemas.microsoft.com/office/drawing/2014/main" id="{3D4EB158-651E-4EAD-BDA5-968947E4C4EA}"/>
-              </a:ext>
-            </a:extLst>
-          </p:cNvPr>
+          <p:cNvPr id="13" name="文本框 12"/>
           <p:cNvSpPr txBox="1"/>
           <p:nvPr/>
         </p:nvSpPr>
@@ -3509,18 +3075,17 @@
               </a:rPr>
               <a:t>火</a:t>
             </a:r>
-          </a:p>
-        </p:txBody>
-      </p:sp>
-      <p:sp>
-        <p:nvSpPr>
-          <p:cNvPr id="14" name="文本框 13">
-            <a:extLst>
-              <a:ext uri="{FF2B5EF4-FFF2-40B4-BE49-F238E27FC236}">
-                <a16:creationId xmlns:a16="http://schemas.microsoft.com/office/drawing/2014/main" id="{E51C73D2-53F0-4652-8A46-2F895F075743}"/>
-              </a:ext>
-            </a:extLst>
-          </p:cNvPr>
+            <a:endParaRPr lang="zh-CN" altLang="en-US" sz="3600" b="1" dirty="0">
+              <a:solidFill>
+                <a:srgbClr val="FF0000"/>
+              </a:solidFill>
+            </a:endParaRPr>
+          </a:p>
+        </p:txBody>
+      </p:sp>
+      <p:sp>
+        <p:nvSpPr>
+          <p:cNvPr id="14" name="文本框 13"/>
           <p:cNvSpPr txBox="1"/>
           <p:nvPr/>
         </p:nvSpPr>
@@ -3548,18 +3113,17 @@
               </a:rPr>
               <a:t>水</a:t>
             </a:r>
-          </a:p>
-        </p:txBody>
-      </p:sp>
-      <p:sp>
-        <p:nvSpPr>
-          <p:cNvPr id="15" name="文本框 14">
-            <a:extLst>
-              <a:ext uri="{FF2B5EF4-FFF2-40B4-BE49-F238E27FC236}">
-                <a16:creationId xmlns:a16="http://schemas.microsoft.com/office/drawing/2014/main" id="{DC40690F-3F75-45A5-9268-A6BEBF25FD6B}"/>
-              </a:ext>
-            </a:extLst>
-          </p:cNvPr>
+            <a:endParaRPr lang="zh-CN" altLang="en-US" sz="3600" b="1" dirty="0">
+              <a:solidFill>
+                <a:srgbClr val="5BC1EB"/>
+              </a:solidFill>
+            </a:endParaRPr>
+          </a:p>
+        </p:txBody>
+      </p:sp>
+      <p:sp>
+        <p:nvSpPr>
+          <p:cNvPr id="15" name="文本框 14"/>
           <p:cNvSpPr txBox="1"/>
           <p:nvPr/>
         </p:nvSpPr>
@@ -3587,18 +3151,17 @@
               </a:rPr>
               <a:t>风</a:t>
             </a:r>
-          </a:p>
-        </p:txBody>
-      </p:sp>
-      <p:sp>
-        <p:nvSpPr>
-          <p:cNvPr id="16" name="文本框 15">
-            <a:extLst>
-              <a:ext uri="{FF2B5EF4-FFF2-40B4-BE49-F238E27FC236}">
-                <a16:creationId xmlns:a16="http://schemas.microsoft.com/office/drawing/2014/main" id="{003E6866-04C6-4FD3-8196-3B39D571A580}"/>
-              </a:ext>
-            </a:extLst>
-          </p:cNvPr>
+            <a:endParaRPr lang="zh-CN" altLang="en-US" sz="3600" b="1" dirty="0">
+              <a:solidFill>
+                <a:srgbClr val="6FE872"/>
+              </a:solidFill>
+            </a:endParaRPr>
+          </a:p>
+        </p:txBody>
+      </p:sp>
+      <p:sp>
+        <p:nvSpPr>
+          <p:cNvPr id="16" name="文本框 15"/>
           <p:cNvSpPr txBox="1"/>
           <p:nvPr/>
         </p:nvSpPr>
@@ -3626,15 +3189,15 @@
               </a:rPr>
               <a:t>电</a:t>
             </a:r>
+            <a:endParaRPr lang="zh-CN" altLang="en-US" sz="3600" b="1" dirty="0">
+              <a:solidFill>
+                <a:srgbClr val="7030A0"/>
+              </a:solidFill>
+            </a:endParaRPr>
           </a:p>
         </p:txBody>
       </p:sp>
     </p:spTree>
-    <p:extLst>
-      <p:ext uri="{BB962C8B-B14F-4D97-AF65-F5344CB8AC3E}">
-        <p14:creationId xmlns:p14="http://schemas.microsoft.com/office/powerpoint/2010/main" val="111512416"/>
-      </p:ext>
-    </p:extLst>
   </p:cSld>
   <p:clrMapOvr>
     <a:masterClrMapping/>
@@ -3661,13 +3224,31 @@
       </p:grpSpPr>
       <p:pic>
         <p:nvPicPr>
-          <p:cNvPr id="4" name="图片 3">
-            <a:extLst>
-              <a:ext uri="{FF2B5EF4-FFF2-40B4-BE49-F238E27FC236}">
-                <a16:creationId xmlns:a16="http://schemas.microsoft.com/office/drawing/2014/main" id="{784D817F-9BC3-4F7F-9B6C-7BA16D11FEB7}"/>
-              </a:ext>
-            </a:extLst>
-          </p:cNvPr>
+          <p:cNvPr id="4" name="图片 3"/>
+          <p:cNvPicPr>
+            <a:picLocks noChangeAspect="1"/>
+          </p:cNvPicPr>
+          <p:nvPr/>
+        </p:nvPicPr>
+        <p:blipFill>
+          <a:blip r:embed="rId1"/>
+          <a:stretch>
+            <a:fillRect/>
+          </a:stretch>
+        </p:blipFill>
+        <p:spPr>
+          <a:xfrm>
+            <a:off x="818369" y="586273"/>
+            <a:ext cx="845976" cy="845976"/>
+          </a:xfrm>
+          <a:prstGeom prst="rect">
+            <a:avLst/>
+          </a:prstGeom>
+        </p:spPr>
+      </p:pic>
+      <p:pic>
+        <p:nvPicPr>
+          <p:cNvPr id="5" name="图片 4"/>
           <p:cNvPicPr>
             <a:picLocks noChangeAspect="1"/>
           </p:cNvPicPr>
@@ -3681,36 +3262,6 @@
         </p:blipFill>
         <p:spPr>
           <a:xfrm>
-            <a:off x="818369" y="586273"/>
-            <a:ext cx="845976" cy="845976"/>
-          </a:xfrm>
-          <a:prstGeom prst="rect">
-            <a:avLst/>
-          </a:prstGeom>
-        </p:spPr>
-      </p:pic>
-      <p:pic>
-        <p:nvPicPr>
-          <p:cNvPr id="5" name="图片 4">
-            <a:extLst>
-              <a:ext uri="{FF2B5EF4-FFF2-40B4-BE49-F238E27FC236}">
-                <a16:creationId xmlns:a16="http://schemas.microsoft.com/office/drawing/2014/main" id="{37701E5E-CE9C-4DD5-8B8B-A4DE299ED24C}"/>
-              </a:ext>
-            </a:extLst>
-          </p:cNvPr>
-          <p:cNvPicPr>
-            <a:picLocks noChangeAspect="1"/>
-          </p:cNvPicPr>
-          <p:nvPr/>
-        </p:nvPicPr>
-        <p:blipFill>
-          <a:blip r:embed="rId3"/>
-          <a:stretch>
-            <a:fillRect/>
-          </a:stretch>
-        </p:blipFill>
-        <p:spPr>
-          <a:xfrm>
             <a:off x="4939899" y="-190249"/>
             <a:ext cx="845976" cy="845976"/>
           </a:xfrm>
@@ -3721,13 +3272,7 @@
       </p:pic>
       <p:sp>
         <p:nvSpPr>
-          <p:cNvPr id="6" name="文本框 5">
-            <a:extLst>
-              <a:ext uri="{FF2B5EF4-FFF2-40B4-BE49-F238E27FC236}">
-                <a16:creationId xmlns:a16="http://schemas.microsoft.com/office/drawing/2014/main" id="{F0755CA8-6EB4-43E5-A926-F4E6694C0C37}"/>
-              </a:ext>
-            </a:extLst>
-          </p:cNvPr>
+          <p:cNvPr id="6" name="文本框 5"/>
           <p:cNvSpPr txBox="1"/>
           <p:nvPr/>
         </p:nvSpPr>
@@ -3782,13 +3327,7 @@
       </p:sp>
       <p:sp>
         <p:nvSpPr>
-          <p:cNvPr id="7" name="文本框 6">
-            <a:extLst>
-              <a:ext uri="{FF2B5EF4-FFF2-40B4-BE49-F238E27FC236}">
-                <a16:creationId xmlns:a16="http://schemas.microsoft.com/office/drawing/2014/main" id="{117C54B1-B5B7-4A49-9E2E-7799E717FEFB}"/>
-              </a:ext>
-            </a:extLst>
-          </p:cNvPr>
+          <p:cNvPr id="7" name="文本框 6"/>
           <p:cNvSpPr txBox="1"/>
           <p:nvPr/>
         </p:nvSpPr>
@@ -3842,13 +3381,7 @@
       </p:sp>
       <p:sp>
         <p:nvSpPr>
-          <p:cNvPr id="8" name="文本框 7">
-            <a:extLst>
-              <a:ext uri="{FF2B5EF4-FFF2-40B4-BE49-F238E27FC236}">
-                <a16:creationId xmlns:a16="http://schemas.microsoft.com/office/drawing/2014/main" id="{ECA458C8-96C6-449D-9D20-EB97613140A7}"/>
-              </a:ext>
-            </a:extLst>
-          </p:cNvPr>
+          <p:cNvPr id="8" name="文本框 7"/>
           <p:cNvSpPr txBox="1"/>
           <p:nvPr/>
         </p:nvSpPr>
@@ -3873,18 +3406,13 @@
               <a:rPr lang="zh-CN" altLang="en-US" sz="2000" b="1" dirty="0"/>
               <a:t>攻击次数</a:t>
             </a:r>
-          </a:p>
-        </p:txBody>
-      </p:sp>
-      <p:sp>
-        <p:nvSpPr>
-          <p:cNvPr id="9" name="文本框 8">
-            <a:extLst>
-              <a:ext uri="{FF2B5EF4-FFF2-40B4-BE49-F238E27FC236}">
-                <a16:creationId xmlns:a16="http://schemas.microsoft.com/office/drawing/2014/main" id="{B81C4849-7E3F-4919-97E5-2023EE5810A8}"/>
-              </a:ext>
-            </a:extLst>
-          </p:cNvPr>
+            <a:endParaRPr lang="zh-CN" altLang="en-US" sz="2000" b="1" dirty="0"/>
+          </a:p>
+        </p:txBody>
+      </p:sp>
+      <p:sp>
+        <p:nvSpPr>
+          <p:cNvPr id="9" name="文本框 8"/>
           <p:cNvSpPr txBox="1"/>
           <p:nvPr/>
         </p:nvSpPr>
@@ -3915,13 +3443,7 @@
       </p:sp>
       <p:sp>
         <p:nvSpPr>
-          <p:cNvPr id="10" name="文本框 9">
-            <a:extLst>
-              <a:ext uri="{FF2B5EF4-FFF2-40B4-BE49-F238E27FC236}">
-                <a16:creationId xmlns:a16="http://schemas.microsoft.com/office/drawing/2014/main" id="{0365BE69-8859-44BF-A40F-2243A08169EE}"/>
-              </a:ext>
-            </a:extLst>
-          </p:cNvPr>
+          <p:cNvPr id="10" name="文本框 9"/>
           <p:cNvSpPr txBox="1"/>
           <p:nvPr/>
         </p:nvSpPr>
@@ -3968,13 +3490,7 @@
       </p:sp>
       <p:sp>
         <p:nvSpPr>
-          <p:cNvPr id="11" name="文本框 10">
-            <a:extLst>
-              <a:ext uri="{FF2B5EF4-FFF2-40B4-BE49-F238E27FC236}">
-                <a16:creationId xmlns:a16="http://schemas.microsoft.com/office/drawing/2014/main" id="{117B7551-A9FA-4A3C-B3C3-8F80AD720E5F}"/>
-              </a:ext>
-            </a:extLst>
-          </p:cNvPr>
+          <p:cNvPr id="11" name="文本框 10"/>
           <p:cNvSpPr txBox="1"/>
           <p:nvPr/>
         </p:nvSpPr>
@@ -4020,13 +3536,7 @@
       </p:sp>
       <p:sp>
         <p:nvSpPr>
-          <p:cNvPr id="12" name="文本框 11">
-            <a:extLst>
-              <a:ext uri="{FF2B5EF4-FFF2-40B4-BE49-F238E27FC236}">
-                <a16:creationId xmlns:a16="http://schemas.microsoft.com/office/drawing/2014/main" id="{9ECF2AB4-3897-4666-81BE-38C045D2FD6A}"/>
-              </a:ext>
-            </a:extLst>
-          </p:cNvPr>
+          <p:cNvPr id="12" name="文本框 11"/>
           <p:cNvSpPr txBox="1"/>
           <p:nvPr/>
         </p:nvSpPr>
@@ -4057,13 +3567,7 @@
       </p:sp>
       <p:sp>
         <p:nvSpPr>
-          <p:cNvPr id="13" name="文本框 12">
-            <a:extLst>
-              <a:ext uri="{FF2B5EF4-FFF2-40B4-BE49-F238E27FC236}">
-                <a16:creationId xmlns:a16="http://schemas.microsoft.com/office/drawing/2014/main" id="{509E864C-0C76-4905-8A0F-773AD73C7E99}"/>
-              </a:ext>
-            </a:extLst>
-          </p:cNvPr>
+          <p:cNvPr id="13" name="文本框 12"/>
           <p:cNvSpPr txBox="1"/>
           <p:nvPr/>
         </p:nvSpPr>
@@ -4102,13 +3606,7 @@
       </p:sp>
       <p:sp>
         <p:nvSpPr>
-          <p:cNvPr id="14" name="文本框 13">
-            <a:extLst>
-              <a:ext uri="{FF2B5EF4-FFF2-40B4-BE49-F238E27FC236}">
-                <a16:creationId xmlns:a16="http://schemas.microsoft.com/office/drawing/2014/main" id="{BEC65A62-BBE7-41D1-BB70-A16108A0AD3E}"/>
-              </a:ext>
-            </a:extLst>
-          </p:cNvPr>
+          <p:cNvPr id="14" name="文本框 13"/>
           <p:cNvSpPr txBox="1"/>
           <p:nvPr/>
         </p:nvSpPr>
@@ -4147,13 +3645,7 @@
       </p:sp>
       <p:sp>
         <p:nvSpPr>
-          <p:cNvPr id="15" name="文本框 14">
-            <a:extLst>
-              <a:ext uri="{FF2B5EF4-FFF2-40B4-BE49-F238E27FC236}">
-                <a16:creationId xmlns:a16="http://schemas.microsoft.com/office/drawing/2014/main" id="{C7CB68FE-F317-41DA-A437-DCD37EFA797D}"/>
-              </a:ext>
-            </a:extLst>
-          </p:cNvPr>
+          <p:cNvPr id="15" name="文本框 14"/>
           <p:cNvSpPr txBox="1"/>
           <p:nvPr/>
         </p:nvSpPr>
@@ -4184,13 +3676,7 @@
       </p:sp>
       <p:sp>
         <p:nvSpPr>
-          <p:cNvPr id="20" name="文本框 19">
-            <a:extLst>
-              <a:ext uri="{FF2B5EF4-FFF2-40B4-BE49-F238E27FC236}">
-                <a16:creationId xmlns:a16="http://schemas.microsoft.com/office/drawing/2014/main" id="{D0F55A49-0418-4F7B-A470-8DFD1BC57D77}"/>
-              </a:ext>
-            </a:extLst>
-          </p:cNvPr>
+          <p:cNvPr id="20" name="文本框 19"/>
           <p:cNvSpPr txBox="1"/>
           <p:nvPr/>
         </p:nvSpPr>
@@ -4218,18 +3704,17 @@
               </a:rPr>
               <a:t>必定暴击</a:t>
             </a:r>
-          </a:p>
-        </p:txBody>
-      </p:sp>
-      <p:sp>
-        <p:nvSpPr>
-          <p:cNvPr id="21" name="文本框 20">
-            <a:extLst>
-              <a:ext uri="{FF2B5EF4-FFF2-40B4-BE49-F238E27FC236}">
-                <a16:creationId xmlns:a16="http://schemas.microsoft.com/office/drawing/2014/main" id="{9C709787-B6BC-407E-8B3F-801CDD93AC4E}"/>
-              </a:ext>
-            </a:extLst>
-          </p:cNvPr>
+            <a:endParaRPr lang="zh-CN" altLang="en-US" sz="1600" b="1" dirty="0">
+              <a:solidFill>
+                <a:srgbClr val="C00000"/>
+              </a:solidFill>
+            </a:endParaRPr>
+          </a:p>
+        </p:txBody>
+      </p:sp>
+      <p:sp>
+        <p:nvSpPr>
+          <p:cNvPr id="21" name="文本框 20"/>
           <p:cNvSpPr txBox="1"/>
           <p:nvPr/>
         </p:nvSpPr>
@@ -4260,13 +3745,7 @@
       </p:sp>
       <p:sp>
         <p:nvSpPr>
-          <p:cNvPr id="22" name="文本框 21">
-            <a:extLst>
-              <a:ext uri="{FF2B5EF4-FFF2-40B4-BE49-F238E27FC236}">
-                <a16:creationId xmlns:a16="http://schemas.microsoft.com/office/drawing/2014/main" id="{973579C0-B2FA-47A2-83F9-B1DC266052D6}"/>
-              </a:ext>
-            </a:extLst>
-          </p:cNvPr>
+          <p:cNvPr id="22" name="文本框 21"/>
           <p:cNvSpPr txBox="1"/>
           <p:nvPr/>
         </p:nvSpPr>
@@ -4305,637 +3784,7 @@
       </p:sp>
       <p:pic>
         <p:nvPicPr>
-          <p:cNvPr id="23" name="图片 22">
-            <a:extLst>
-              <a:ext uri="{FF2B5EF4-FFF2-40B4-BE49-F238E27FC236}">
-                <a16:creationId xmlns:a16="http://schemas.microsoft.com/office/drawing/2014/main" id="{5DFDD4E4-689C-4969-A4D6-B2F319022B77}"/>
-              </a:ext>
-            </a:extLst>
-          </p:cNvPr>
-          <p:cNvPicPr>
-            <a:picLocks noChangeAspect="1"/>
-          </p:cNvPicPr>
-          <p:nvPr/>
-        </p:nvPicPr>
-        <p:blipFill>
-          <a:blip r:embed="rId3"/>
-          <a:stretch>
-            <a:fillRect/>
-          </a:stretch>
-        </p:blipFill>
-        <p:spPr>
-          <a:xfrm>
-            <a:off x="1028983" y="3527581"/>
-            <a:ext cx="845976" cy="845976"/>
-          </a:xfrm>
-          <a:prstGeom prst="rect">
-            <a:avLst/>
-          </a:prstGeom>
-        </p:spPr>
-      </p:pic>
-      <p:sp>
-        <p:nvSpPr>
-          <p:cNvPr id="33" name="文本框 32">
-            <a:extLst>
-              <a:ext uri="{FF2B5EF4-FFF2-40B4-BE49-F238E27FC236}">
-                <a16:creationId xmlns:a16="http://schemas.microsoft.com/office/drawing/2014/main" id="{1D973255-769F-42F2-9981-5AF3B1269C96}"/>
-              </a:ext>
-            </a:extLst>
-          </p:cNvPr>
-          <p:cNvSpPr txBox="1"/>
-          <p:nvPr/>
-        </p:nvSpPr>
-        <p:spPr>
-          <a:xfrm>
-            <a:off x="1009228" y="2849253"/>
-            <a:ext cx="1107996" cy="461665"/>
-          </a:xfrm>
-          <a:prstGeom prst="rect">
-            <a:avLst/>
-          </a:prstGeom>
-          <a:noFill/>
-        </p:spPr>
-        <p:txBody>
-          <a:bodyPr wrap="none" rtlCol="0">
-            <a:spAutoFit/>
-          </a:bodyPr>
-          <a:lstStyle/>
-          <a:p>
-            <a:pPr algn="ctr"/>
-            <a:r>
-              <a:rPr lang="zh-CN" altLang="en-US" sz="2400" b="1" dirty="0">
-                <a:solidFill>
-                  <a:srgbClr val="0070C0"/>
-                </a:solidFill>
-              </a:rPr>
-              <a:t>真随机</a:t>
-            </a:r>
-            <a:endParaRPr lang="en-US" altLang="zh-CN" sz="2400" b="1" dirty="0">
-              <a:solidFill>
-                <a:srgbClr val="0070C0"/>
-              </a:solidFill>
-            </a:endParaRPr>
-          </a:p>
-        </p:txBody>
-      </p:sp>
-      <p:pic>
-        <p:nvPicPr>
-          <p:cNvPr id="42" name="图片 41">
-            <a:extLst>
-              <a:ext uri="{FF2B5EF4-FFF2-40B4-BE49-F238E27FC236}">
-                <a16:creationId xmlns:a16="http://schemas.microsoft.com/office/drawing/2014/main" id="{AAA730A7-10E5-4F5A-A044-B33A56ACE508}"/>
-              </a:ext>
-            </a:extLst>
-          </p:cNvPr>
-          <p:cNvPicPr>
-            <a:picLocks noChangeAspect="1"/>
-          </p:cNvPicPr>
-          <p:nvPr/>
-        </p:nvPicPr>
-        <p:blipFill>
-          <a:blip r:embed="rId3"/>
-          <a:stretch>
-            <a:fillRect/>
-          </a:stretch>
-        </p:blipFill>
-        <p:spPr>
-          <a:xfrm>
-            <a:off x="1982725" y="3527581"/>
-            <a:ext cx="845976" cy="845976"/>
-          </a:xfrm>
-          <a:prstGeom prst="rect">
-            <a:avLst/>
-          </a:prstGeom>
-        </p:spPr>
-      </p:pic>
-      <p:pic>
-        <p:nvPicPr>
-          <p:cNvPr id="44" name="图片 43">
-            <a:extLst>
-              <a:ext uri="{FF2B5EF4-FFF2-40B4-BE49-F238E27FC236}">
-                <a16:creationId xmlns:a16="http://schemas.microsoft.com/office/drawing/2014/main" id="{AC7F971C-2676-4ECF-84E0-1D72C3730B4D}"/>
-              </a:ext>
-            </a:extLst>
-          </p:cNvPr>
-          <p:cNvPicPr>
-            <a:picLocks noChangeAspect="1"/>
-          </p:cNvPicPr>
-          <p:nvPr/>
-        </p:nvPicPr>
-        <p:blipFill>
-          <a:blip r:embed="rId3"/>
-          <a:stretch>
-            <a:fillRect/>
-          </a:stretch>
-        </p:blipFill>
-        <p:spPr>
-          <a:xfrm>
-            <a:off x="2926703" y="3527581"/>
-            <a:ext cx="845976" cy="845976"/>
-          </a:xfrm>
-          <a:prstGeom prst="rect">
-            <a:avLst/>
-          </a:prstGeom>
-        </p:spPr>
-      </p:pic>
-      <p:pic>
-        <p:nvPicPr>
-          <p:cNvPr id="46" name="图片 45">
-            <a:extLst>
-              <a:ext uri="{FF2B5EF4-FFF2-40B4-BE49-F238E27FC236}">
-                <a16:creationId xmlns:a16="http://schemas.microsoft.com/office/drawing/2014/main" id="{33C7CAD3-392C-47E2-882F-93ECD1C5F84C}"/>
-              </a:ext>
-            </a:extLst>
-          </p:cNvPr>
-          <p:cNvPicPr>
-            <a:picLocks noChangeAspect="1"/>
-          </p:cNvPicPr>
-          <p:nvPr/>
-        </p:nvPicPr>
-        <p:blipFill>
-          <a:blip r:embed="rId3"/>
-          <a:stretch>
-            <a:fillRect/>
-          </a:stretch>
-        </p:blipFill>
-        <p:spPr>
-          <a:xfrm>
-            <a:off x="3880445" y="3527581"/>
-            <a:ext cx="845976" cy="845976"/>
-          </a:xfrm>
-          <a:prstGeom prst="rect">
-            <a:avLst/>
-          </a:prstGeom>
-        </p:spPr>
-      </p:pic>
-      <p:pic>
-        <p:nvPicPr>
-          <p:cNvPr id="48" name="图片 47">
-            <a:extLst>
-              <a:ext uri="{FF2B5EF4-FFF2-40B4-BE49-F238E27FC236}">
-                <a16:creationId xmlns:a16="http://schemas.microsoft.com/office/drawing/2014/main" id="{9957893B-D438-4358-AF89-794BB53A35D2}"/>
-              </a:ext>
-            </a:extLst>
-          </p:cNvPr>
-          <p:cNvPicPr>
-            <a:picLocks noChangeAspect="1"/>
-          </p:cNvPicPr>
-          <p:nvPr/>
-        </p:nvPicPr>
-        <p:blipFill>
-          <a:blip r:embed="rId3"/>
-          <a:stretch>
-            <a:fillRect/>
-          </a:stretch>
-        </p:blipFill>
-        <p:spPr>
-          <a:xfrm>
-            <a:off x="4834187" y="3527581"/>
-            <a:ext cx="845976" cy="845976"/>
-          </a:xfrm>
-          <a:prstGeom prst="rect">
-            <a:avLst/>
-          </a:prstGeom>
-        </p:spPr>
-      </p:pic>
-      <p:pic>
-        <p:nvPicPr>
-          <p:cNvPr id="50" name="图片 49">
-            <a:extLst>
-              <a:ext uri="{FF2B5EF4-FFF2-40B4-BE49-F238E27FC236}">
-                <a16:creationId xmlns:a16="http://schemas.microsoft.com/office/drawing/2014/main" id="{F801614B-A090-41D4-AC3B-93D1429AF940}"/>
-              </a:ext>
-            </a:extLst>
-          </p:cNvPr>
-          <p:cNvPicPr>
-            <a:picLocks noChangeAspect="1"/>
-          </p:cNvPicPr>
-          <p:nvPr/>
-        </p:nvPicPr>
-        <p:blipFill>
-          <a:blip r:embed="rId3"/>
-          <a:stretch>
-            <a:fillRect/>
-          </a:stretch>
-        </p:blipFill>
-        <p:spPr>
-          <a:xfrm>
-            <a:off x="5787929" y="3527581"/>
-            <a:ext cx="845976" cy="845976"/>
-          </a:xfrm>
-          <a:prstGeom prst="rect">
-            <a:avLst/>
-          </a:prstGeom>
-        </p:spPr>
-      </p:pic>
-      <p:pic>
-        <p:nvPicPr>
-          <p:cNvPr id="52" name="图片 51">
-            <a:extLst>
-              <a:ext uri="{FF2B5EF4-FFF2-40B4-BE49-F238E27FC236}">
-                <a16:creationId xmlns:a16="http://schemas.microsoft.com/office/drawing/2014/main" id="{9E182231-306C-4296-84A0-5491AFE596DE}"/>
-              </a:ext>
-            </a:extLst>
-          </p:cNvPr>
-          <p:cNvPicPr>
-            <a:picLocks noChangeAspect="1"/>
-          </p:cNvPicPr>
-          <p:nvPr/>
-        </p:nvPicPr>
-        <p:blipFill>
-          <a:blip r:embed="rId3"/>
-          <a:stretch>
-            <a:fillRect/>
-          </a:stretch>
-        </p:blipFill>
-        <p:spPr>
-          <a:xfrm>
-            <a:off x="6731907" y="3527581"/>
-            <a:ext cx="845976" cy="845976"/>
-          </a:xfrm>
-          <a:prstGeom prst="rect">
-            <a:avLst/>
-          </a:prstGeom>
-        </p:spPr>
-      </p:pic>
-      <p:pic>
-        <p:nvPicPr>
-          <p:cNvPr id="54" name="图片 53">
-            <a:extLst>
-              <a:ext uri="{FF2B5EF4-FFF2-40B4-BE49-F238E27FC236}">
-                <a16:creationId xmlns:a16="http://schemas.microsoft.com/office/drawing/2014/main" id="{903F2011-1B47-45B6-9439-CA3E6D6C1142}"/>
-              </a:ext>
-            </a:extLst>
-          </p:cNvPr>
-          <p:cNvPicPr>
-            <a:picLocks noChangeAspect="1"/>
-          </p:cNvPicPr>
-          <p:nvPr/>
-        </p:nvPicPr>
-        <p:blipFill>
-          <a:blip r:embed="rId3"/>
-          <a:stretch>
-            <a:fillRect/>
-          </a:stretch>
-        </p:blipFill>
-        <p:spPr>
-          <a:xfrm>
-            <a:off x="7685649" y="3527581"/>
-            <a:ext cx="845976" cy="845976"/>
-          </a:xfrm>
-          <a:prstGeom prst="rect">
-            <a:avLst/>
-          </a:prstGeom>
-        </p:spPr>
-      </p:pic>
-      <p:pic>
-        <p:nvPicPr>
-          <p:cNvPr id="56" name="图片 55">
-            <a:extLst>
-              <a:ext uri="{FF2B5EF4-FFF2-40B4-BE49-F238E27FC236}">
-                <a16:creationId xmlns:a16="http://schemas.microsoft.com/office/drawing/2014/main" id="{380514EC-13EA-4F62-9F5B-795A1F63D303}"/>
-              </a:ext>
-            </a:extLst>
-          </p:cNvPr>
-          <p:cNvPicPr>
-            <a:picLocks noChangeAspect="1"/>
-          </p:cNvPicPr>
-          <p:nvPr/>
-        </p:nvPicPr>
-        <p:blipFill>
-          <a:blip r:embed="rId3"/>
-          <a:stretch>
-            <a:fillRect/>
-          </a:stretch>
-        </p:blipFill>
-        <p:spPr>
-          <a:xfrm>
-            <a:off x="8639391" y="3527581"/>
-            <a:ext cx="845976" cy="845976"/>
-          </a:xfrm>
-          <a:prstGeom prst="rect">
-            <a:avLst/>
-          </a:prstGeom>
-        </p:spPr>
-      </p:pic>
-      <p:pic>
-        <p:nvPicPr>
-          <p:cNvPr id="58" name="图片 57">
-            <a:extLst>
-              <a:ext uri="{FF2B5EF4-FFF2-40B4-BE49-F238E27FC236}">
-                <a16:creationId xmlns:a16="http://schemas.microsoft.com/office/drawing/2014/main" id="{FD7153F7-6B43-4188-806E-BA17669E4EDB}"/>
-              </a:ext>
-            </a:extLst>
-          </p:cNvPr>
-          <p:cNvPicPr>
-            <a:picLocks noChangeAspect="1"/>
-          </p:cNvPicPr>
-          <p:nvPr/>
-        </p:nvPicPr>
-        <p:blipFill>
-          <a:blip r:embed="rId3"/>
-          <a:stretch>
-            <a:fillRect/>
-          </a:stretch>
-        </p:blipFill>
-        <p:spPr>
-          <a:xfrm>
-            <a:off x="9593133" y="3527581"/>
-            <a:ext cx="845976" cy="845976"/>
-          </a:xfrm>
-          <a:prstGeom prst="rect">
-            <a:avLst/>
-          </a:prstGeom>
-        </p:spPr>
-      </p:pic>
-      <p:sp>
-        <p:nvSpPr>
-          <p:cNvPr id="28" name="文本框 27">
-            <a:extLst>
-              <a:ext uri="{FF2B5EF4-FFF2-40B4-BE49-F238E27FC236}">
-                <a16:creationId xmlns:a16="http://schemas.microsoft.com/office/drawing/2014/main" id="{E67EEC3B-882C-4E20-AFC5-E6F5B932E2E4}"/>
-              </a:ext>
-            </a:extLst>
-          </p:cNvPr>
-          <p:cNvSpPr txBox="1"/>
-          <p:nvPr/>
-        </p:nvSpPr>
-        <p:spPr>
-          <a:xfrm>
-            <a:off x="3999648" y="4796456"/>
-            <a:ext cx="651140" cy="338554"/>
-          </a:xfrm>
-          <a:prstGeom prst="rect">
-            <a:avLst/>
-          </a:prstGeom>
-          <a:noFill/>
-        </p:spPr>
-        <p:txBody>
-          <a:bodyPr wrap="none" rtlCol="0">
-            <a:spAutoFit/>
-          </a:bodyPr>
-          <a:lstStyle/>
-          <a:p>
-            <a:r>
-              <a:rPr lang="zh-CN" altLang="en-US" sz="1600" b="1" dirty="0">
-                <a:solidFill>
-                  <a:srgbClr val="C00000"/>
-                </a:solidFill>
-              </a:rPr>
-              <a:t>暴击 </a:t>
-            </a:r>
-            <a:endParaRPr lang="en-US" altLang="zh-CN" sz="1600" b="1" dirty="0">
-              <a:solidFill>
-                <a:srgbClr val="C00000"/>
-              </a:solidFill>
-            </a:endParaRPr>
-          </a:p>
-        </p:txBody>
-      </p:sp>
-      <p:sp>
-        <p:nvSpPr>
-          <p:cNvPr id="31" name="文本框 30">
-            <a:extLst>
-              <a:ext uri="{FF2B5EF4-FFF2-40B4-BE49-F238E27FC236}">
-                <a16:creationId xmlns:a16="http://schemas.microsoft.com/office/drawing/2014/main" id="{F2BA981C-C826-44AC-B54F-761A16BDD267}"/>
-              </a:ext>
-            </a:extLst>
-          </p:cNvPr>
-          <p:cNvSpPr txBox="1"/>
-          <p:nvPr/>
-        </p:nvSpPr>
-        <p:spPr>
-          <a:xfrm>
-            <a:off x="998312" y="4590220"/>
-            <a:ext cx="1107996" cy="461665"/>
-          </a:xfrm>
-          <a:prstGeom prst="rect">
-            <a:avLst/>
-          </a:prstGeom>
-          <a:noFill/>
-        </p:spPr>
-        <p:txBody>
-          <a:bodyPr wrap="none" rtlCol="0">
-            <a:spAutoFit/>
-          </a:bodyPr>
-          <a:lstStyle/>
-          <a:p>
-            <a:pPr algn="ctr"/>
-            <a:r>
-              <a:rPr lang="zh-CN" altLang="en-US" sz="2400" b="1" dirty="0">
-                <a:solidFill>
-                  <a:srgbClr val="FF0000"/>
-                </a:solidFill>
-              </a:rPr>
-              <a:t>伪随机</a:t>
-            </a:r>
-            <a:endParaRPr lang="en-US" altLang="zh-CN" sz="2400" b="1" dirty="0">
-              <a:solidFill>
-                <a:srgbClr val="FF0000"/>
-              </a:solidFill>
-            </a:endParaRPr>
-          </a:p>
-        </p:txBody>
-      </p:sp>
-      <p:sp>
-        <p:nvSpPr>
-          <p:cNvPr id="32" name="文本框 31">
-            <a:extLst>
-              <a:ext uri="{FF2B5EF4-FFF2-40B4-BE49-F238E27FC236}">
-                <a16:creationId xmlns:a16="http://schemas.microsoft.com/office/drawing/2014/main" id="{4F8A89AB-7518-4FDC-A8E8-004A24F2D217}"/>
-              </a:ext>
-            </a:extLst>
-          </p:cNvPr>
-          <p:cNvSpPr txBox="1"/>
-          <p:nvPr/>
-        </p:nvSpPr>
-        <p:spPr>
-          <a:xfrm>
-            <a:off x="4650788" y="3031779"/>
-            <a:ext cx="1903085" cy="369332"/>
-          </a:xfrm>
-          <a:prstGeom prst="rect">
-            <a:avLst/>
-          </a:prstGeom>
-          <a:noFill/>
-        </p:spPr>
-        <p:txBody>
-          <a:bodyPr wrap="none" rtlCol="0">
-            <a:spAutoFit/>
-          </a:bodyPr>
-          <a:lstStyle/>
-          <a:p>
-            <a:pPr algn="ctr"/>
-            <a:r>
-              <a:rPr lang="zh-CN" altLang="en-US" b="1" dirty="0">
-                <a:solidFill>
-                  <a:srgbClr val="0070C0"/>
-                </a:solidFill>
-              </a:rPr>
-              <a:t>攻击 </a:t>
-            </a:r>
-            <a:r>
-              <a:rPr lang="en-US" altLang="zh-CN" b="1" dirty="0">
-                <a:solidFill>
-                  <a:srgbClr val="0070C0"/>
-                </a:solidFill>
-              </a:rPr>
-              <a:t>x 10 </a:t>
-            </a:r>
-            <a:r>
-              <a:rPr lang="zh-CN" altLang="en-US" b="1" dirty="0">
-                <a:solidFill>
-                  <a:srgbClr val="0070C0"/>
-                </a:solidFill>
-              </a:rPr>
-              <a:t>无暴击</a:t>
-            </a:r>
-            <a:endParaRPr lang="en-US" altLang="zh-CN" b="1" dirty="0">
-              <a:solidFill>
-                <a:srgbClr val="0070C0"/>
-              </a:solidFill>
-            </a:endParaRPr>
-          </a:p>
-        </p:txBody>
-      </p:sp>
-      <p:pic>
-        <p:nvPicPr>
-          <p:cNvPr id="34" name="图片 33">
-            <a:extLst>
-              <a:ext uri="{FF2B5EF4-FFF2-40B4-BE49-F238E27FC236}">
-                <a16:creationId xmlns:a16="http://schemas.microsoft.com/office/drawing/2014/main" id="{B1EF861F-0C74-4B5F-A678-F1636C312848}"/>
-              </a:ext>
-            </a:extLst>
-          </p:cNvPr>
-          <p:cNvPicPr>
-            <a:picLocks noChangeAspect="1"/>
-          </p:cNvPicPr>
-          <p:nvPr/>
-        </p:nvPicPr>
-        <p:blipFill>
-          <a:blip r:embed="rId3"/>
-          <a:stretch>
-            <a:fillRect/>
-          </a:stretch>
-        </p:blipFill>
-        <p:spPr>
-          <a:xfrm>
-            <a:off x="1028983" y="5189588"/>
-            <a:ext cx="845976" cy="845976"/>
-          </a:xfrm>
-          <a:prstGeom prst="rect">
-            <a:avLst/>
-          </a:prstGeom>
-        </p:spPr>
-      </p:pic>
-      <p:pic>
-        <p:nvPicPr>
-          <p:cNvPr id="35" name="图片 34">
-            <a:extLst>
-              <a:ext uri="{FF2B5EF4-FFF2-40B4-BE49-F238E27FC236}">
-                <a16:creationId xmlns:a16="http://schemas.microsoft.com/office/drawing/2014/main" id="{A570BD0E-0F5A-44D0-988A-5B1DD297DC13}"/>
-              </a:ext>
-            </a:extLst>
-          </p:cNvPr>
-          <p:cNvPicPr>
-            <a:picLocks noChangeAspect="1"/>
-          </p:cNvPicPr>
-          <p:nvPr/>
-        </p:nvPicPr>
-        <p:blipFill>
-          <a:blip r:embed="rId3"/>
-          <a:stretch>
-            <a:fillRect/>
-          </a:stretch>
-        </p:blipFill>
-        <p:spPr>
-          <a:xfrm>
-            <a:off x="1982725" y="5189588"/>
-            <a:ext cx="845976" cy="845976"/>
-          </a:xfrm>
-          <a:prstGeom prst="rect">
-            <a:avLst/>
-          </a:prstGeom>
-        </p:spPr>
-      </p:pic>
-      <p:pic>
-        <p:nvPicPr>
-          <p:cNvPr id="36" name="图片 35">
-            <a:extLst>
-              <a:ext uri="{FF2B5EF4-FFF2-40B4-BE49-F238E27FC236}">
-                <a16:creationId xmlns:a16="http://schemas.microsoft.com/office/drawing/2014/main" id="{766C4BA0-4D46-4F3B-8A5C-F7B180CBEB23}"/>
-              </a:ext>
-            </a:extLst>
-          </p:cNvPr>
-          <p:cNvPicPr>
-            <a:picLocks noChangeAspect="1"/>
-          </p:cNvPicPr>
-          <p:nvPr/>
-        </p:nvPicPr>
-        <p:blipFill>
-          <a:blip r:embed="rId3"/>
-          <a:stretch>
-            <a:fillRect/>
-          </a:stretch>
-        </p:blipFill>
-        <p:spPr>
-          <a:xfrm>
-            <a:off x="2926703" y="5189588"/>
-            <a:ext cx="845976" cy="845976"/>
-          </a:xfrm>
-          <a:prstGeom prst="rect">
-            <a:avLst/>
-          </a:prstGeom>
-        </p:spPr>
-      </p:pic>
-      <p:sp>
-        <p:nvSpPr>
-          <p:cNvPr id="2" name="矩形 1">
-            <a:extLst>
-              <a:ext uri="{FF2B5EF4-FFF2-40B4-BE49-F238E27FC236}">
-                <a16:creationId xmlns:a16="http://schemas.microsoft.com/office/drawing/2014/main" id="{FDB10074-E7A2-41FA-A546-9091DFC794D3}"/>
-              </a:ext>
-            </a:extLst>
-          </p:cNvPr>
-          <p:cNvSpPr/>
-          <p:nvPr/>
-        </p:nvSpPr>
-        <p:spPr>
-          <a:xfrm>
-            <a:off x="4525832" y="2488484"/>
-            <a:ext cx="1938351" cy="523220"/>
-          </a:xfrm>
-          <a:prstGeom prst="rect">
-            <a:avLst/>
-          </a:prstGeom>
-        </p:spPr>
-        <p:txBody>
-          <a:bodyPr wrap="none">
-            <a:spAutoFit/>
-          </a:bodyPr>
-          <a:lstStyle/>
-          <a:p>
-            <a:r>
-              <a:rPr lang="zh-CN" altLang="en-US" sz="2800" b="1" dirty="0"/>
-              <a:t>暴击率 </a:t>
-            </a:r>
-            <a:r>
-              <a:rPr lang="en-US" altLang="zh-CN" sz="2800" b="1" dirty="0"/>
-              <a:t>50%</a:t>
-            </a:r>
-            <a:endParaRPr lang="zh-CN" altLang="en-US" sz="2800" dirty="0"/>
-          </a:p>
-        </p:txBody>
-      </p:sp>
-      <p:pic>
-        <p:nvPicPr>
-          <p:cNvPr id="37" name="图片 36">
-            <a:extLst>
-              <a:ext uri="{FF2B5EF4-FFF2-40B4-BE49-F238E27FC236}">
-                <a16:creationId xmlns:a16="http://schemas.microsoft.com/office/drawing/2014/main" id="{00F5454A-B3FE-45BD-9638-B9AF17E1A324}"/>
-              </a:ext>
-            </a:extLst>
-          </p:cNvPr>
+          <p:cNvPr id="23" name="图片 22"/>
           <p:cNvPicPr>
             <a:picLocks noChangeAspect="1"/>
           </p:cNvPicPr>
@@ -4949,6 +3798,522 @@
         </p:blipFill>
         <p:spPr>
           <a:xfrm>
+            <a:off x="1028983" y="3527581"/>
+            <a:ext cx="845976" cy="845976"/>
+          </a:xfrm>
+          <a:prstGeom prst="rect">
+            <a:avLst/>
+          </a:prstGeom>
+        </p:spPr>
+      </p:pic>
+      <p:sp>
+        <p:nvSpPr>
+          <p:cNvPr id="33" name="文本框 32"/>
+          <p:cNvSpPr txBox="1"/>
+          <p:nvPr/>
+        </p:nvSpPr>
+        <p:spPr>
+          <a:xfrm>
+            <a:off x="1009228" y="2849253"/>
+            <a:ext cx="1107996" cy="461665"/>
+          </a:xfrm>
+          <a:prstGeom prst="rect">
+            <a:avLst/>
+          </a:prstGeom>
+          <a:noFill/>
+        </p:spPr>
+        <p:txBody>
+          <a:bodyPr wrap="none" rtlCol="0">
+            <a:spAutoFit/>
+          </a:bodyPr>
+          <a:lstStyle/>
+          <a:p>
+            <a:pPr algn="ctr"/>
+            <a:r>
+              <a:rPr lang="zh-CN" altLang="en-US" sz="2400" b="1" dirty="0">
+                <a:solidFill>
+                  <a:srgbClr val="0070C0"/>
+                </a:solidFill>
+              </a:rPr>
+              <a:t>真随机</a:t>
+            </a:r>
+            <a:endParaRPr lang="en-US" altLang="zh-CN" sz="2400" b="1" dirty="0">
+              <a:solidFill>
+                <a:srgbClr val="0070C0"/>
+              </a:solidFill>
+            </a:endParaRPr>
+          </a:p>
+        </p:txBody>
+      </p:sp>
+      <p:pic>
+        <p:nvPicPr>
+          <p:cNvPr id="42" name="图片 41"/>
+          <p:cNvPicPr>
+            <a:picLocks noChangeAspect="1"/>
+          </p:cNvPicPr>
+          <p:nvPr/>
+        </p:nvPicPr>
+        <p:blipFill>
+          <a:blip r:embed="rId2"/>
+          <a:stretch>
+            <a:fillRect/>
+          </a:stretch>
+        </p:blipFill>
+        <p:spPr>
+          <a:xfrm>
+            <a:off x="1982725" y="3527581"/>
+            <a:ext cx="845976" cy="845976"/>
+          </a:xfrm>
+          <a:prstGeom prst="rect">
+            <a:avLst/>
+          </a:prstGeom>
+        </p:spPr>
+      </p:pic>
+      <p:pic>
+        <p:nvPicPr>
+          <p:cNvPr id="44" name="图片 43"/>
+          <p:cNvPicPr>
+            <a:picLocks noChangeAspect="1"/>
+          </p:cNvPicPr>
+          <p:nvPr/>
+        </p:nvPicPr>
+        <p:blipFill>
+          <a:blip r:embed="rId2"/>
+          <a:stretch>
+            <a:fillRect/>
+          </a:stretch>
+        </p:blipFill>
+        <p:spPr>
+          <a:xfrm>
+            <a:off x="2926703" y="3527581"/>
+            <a:ext cx="845976" cy="845976"/>
+          </a:xfrm>
+          <a:prstGeom prst="rect">
+            <a:avLst/>
+          </a:prstGeom>
+        </p:spPr>
+      </p:pic>
+      <p:pic>
+        <p:nvPicPr>
+          <p:cNvPr id="46" name="图片 45"/>
+          <p:cNvPicPr>
+            <a:picLocks noChangeAspect="1"/>
+          </p:cNvPicPr>
+          <p:nvPr/>
+        </p:nvPicPr>
+        <p:blipFill>
+          <a:blip r:embed="rId2"/>
+          <a:stretch>
+            <a:fillRect/>
+          </a:stretch>
+        </p:blipFill>
+        <p:spPr>
+          <a:xfrm>
+            <a:off x="3880445" y="3527581"/>
+            <a:ext cx="845976" cy="845976"/>
+          </a:xfrm>
+          <a:prstGeom prst="rect">
+            <a:avLst/>
+          </a:prstGeom>
+        </p:spPr>
+      </p:pic>
+      <p:pic>
+        <p:nvPicPr>
+          <p:cNvPr id="48" name="图片 47"/>
+          <p:cNvPicPr>
+            <a:picLocks noChangeAspect="1"/>
+          </p:cNvPicPr>
+          <p:nvPr/>
+        </p:nvPicPr>
+        <p:blipFill>
+          <a:blip r:embed="rId2"/>
+          <a:stretch>
+            <a:fillRect/>
+          </a:stretch>
+        </p:blipFill>
+        <p:spPr>
+          <a:xfrm>
+            <a:off x="4834187" y="3527581"/>
+            <a:ext cx="845976" cy="845976"/>
+          </a:xfrm>
+          <a:prstGeom prst="rect">
+            <a:avLst/>
+          </a:prstGeom>
+        </p:spPr>
+      </p:pic>
+      <p:pic>
+        <p:nvPicPr>
+          <p:cNvPr id="50" name="图片 49"/>
+          <p:cNvPicPr>
+            <a:picLocks noChangeAspect="1"/>
+          </p:cNvPicPr>
+          <p:nvPr/>
+        </p:nvPicPr>
+        <p:blipFill>
+          <a:blip r:embed="rId2"/>
+          <a:stretch>
+            <a:fillRect/>
+          </a:stretch>
+        </p:blipFill>
+        <p:spPr>
+          <a:xfrm>
+            <a:off x="5787929" y="3527581"/>
+            <a:ext cx="845976" cy="845976"/>
+          </a:xfrm>
+          <a:prstGeom prst="rect">
+            <a:avLst/>
+          </a:prstGeom>
+        </p:spPr>
+      </p:pic>
+      <p:pic>
+        <p:nvPicPr>
+          <p:cNvPr id="52" name="图片 51"/>
+          <p:cNvPicPr>
+            <a:picLocks noChangeAspect="1"/>
+          </p:cNvPicPr>
+          <p:nvPr/>
+        </p:nvPicPr>
+        <p:blipFill>
+          <a:blip r:embed="rId2"/>
+          <a:stretch>
+            <a:fillRect/>
+          </a:stretch>
+        </p:blipFill>
+        <p:spPr>
+          <a:xfrm>
+            <a:off x="6731907" y="3527581"/>
+            <a:ext cx="845976" cy="845976"/>
+          </a:xfrm>
+          <a:prstGeom prst="rect">
+            <a:avLst/>
+          </a:prstGeom>
+        </p:spPr>
+      </p:pic>
+      <p:pic>
+        <p:nvPicPr>
+          <p:cNvPr id="54" name="图片 53"/>
+          <p:cNvPicPr>
+            <a:picLocks noChangeAspect="1"/>
+          </p:cNvPicPr>
+          <p:nvPr/>
+        </p:nvPicPr>
+        <p:blipFill>
+          <a:blip r:embed="rId2"/>
+          <a:stretch>
+            <a:fillRect/>
+          </a:stretch>
+        </p:blipFill>
+        <p:spPr>
+          <a:xfrm>
+            <a:off x="7685649" y="3527581"/>
+            <a:ext cx="845976" cy="845976"/>
+          </a:xfrm>
+          <a:prstGeom prst="rect">
+            <a:avLst/>
+          </a:prstGeom>
+        </p:spPr>
+      </p:pic>
+      <p:pic>
+        <p:nvPicPr>
+          <p:cNvPr id="56" name="图片 55"/>
+          <p:cNvPicPr>
+            <a:picLocks noChangeAspect="1"/>
+          </p:cNvPicPr>
+          <p:nvPr/>
+        </p:nvPicPr>
+        <p:blipFill>
+          <a:blip r:embed="rId2"/>
+          <a:stretch>
+            <a:fillRect/>
+          </a:stretch>
+        </p:blipFill>
+        <p:spPr>
+          <a:xfrm>
+            <a:off x="8639391" y="3527581"/>
+            <a:ext cx="845976" cy="845976"/>
+          </a:xfrm>
+          <a:prstGeom prst="rect">
+            <a:avLst/>
+          </a:prstGeom>
+        </p:spPr>
+      </p:pic>
+      <p:pic>
+        <p:nvPicPr>
+          <p:cNvPr id="58" name="图片 57"/>
+          <p:cNvPicPr>
+            <a:picLocks noChangeAspect="1"/>
+          </p:cNvPicPr>
+          <p:nvPr/>
+        </p:nvPicPr>
+        <p:blipFill>
+          <a:blip r:embed="rId2"/>
+          <a:stretch>
+            <a:fillRect/>
+          </a:stretch>
+        </p:blipFill>
+        <p:spPr>
+          <a:xfrm>
+            <a:off x="9593133" y="3527581"/>
+            <a:ext cx="845976" cy="845976"/>
+          </a:xfrm>
+          <a:prstGeom prst="rect">
+            <a:avLst/>
+          </a:prstGeom>
+        </p:spPr>
+      </p:pic>
+      <p:sp>
+        <p:nvSpPr>
+          <p:cNvPr id="28" name="文本框 27"/>
+          <p:cNvSpPr txBox="1"/>
+          <p:nvPr/>
+        </p:nvSpPr>
+        <p:spPr>
+          <a:xfrm>
+            <a:off x="3999648" y="4796456"/>
+            <a:ext cx="651140" cy="338554"/>
+          </a:xfrm>
+          <a:prstGeom prst="rect">
+            <a:avLst/>
+          </a:prstGeom>
+          <a:noFill/>
+        </p:spPr>
+        <p:txBody>
+          <a:bodyPr wrap="none" rtlCol="0">
+            <a:spAutoFit/>
+          </a:bodyPr>
+          <a:lstStyle/>
+          <a:p>
+            <a:r>
+              <a:rPr lang="zh-CN" altLang="en-US" sz="1600" b="1" dirty="0">
+                <a:solidFill>
+                  <a:srgbClr val="C00000"/>
+                </a:solidFill>
+              </a:rPr>
+              <a:t>暴击 </a:t>
+            </a:r>
+            <a:endParaRPr lang="en-US" altLang="zh-CN" sz="1600" b="1" dirty="0">
+              <a:solidFill>
+                <a:srgbClr val="C00000"/>
+              </a:solidFill>
+            </a:endParaRPr>
+          </a:p>
+        </p:txBody>
+      </p:sp>
+      <p:sp>
+        <p:nvSpPr>
+          <p:cNvPr id="31" name="文本框 30"/>
+          <p:cNvSpPr txBox="1"/>
+          <p:nvPr/>
+        </p:nvSpPr>
+        <p:spPr>
+          <a:xfrm>
+            <a:off x="998312" y="4590220"/>
+            <a:ext cx="1107996" cy="461665"/>
+          </a:xfrm>
+          <a:prstGeom prst="rect">
+            <a:avLst/>
+          </a:prstGeom>
+          <a:noFill/>
+        </p:spPr>
+        <p:txBody>
+          <a:bodyPr wrap="none" rtlCol="0">
+            <a:spAutoFit/>
+          </a:bodyPr>
+          <a:lstStyle/>
+          <a:p>
+            <a:pPr algn="ctr"/>
+            <a:r>
+              <a:rPr lang="zh-CN" altLang="en-US" sz="2400" b="1" dirty="0">
+                <a:solidFill>
+                  <a:srgbClr val="FF0000"/>
+                </a:solidFill>
+              </a:rPr>
+              <a:t>伪随机</a:t>
+            </a:r>
+            <a:endParaRPr lang="en-US" altLang="zh-CN" sz="2400" b="1" dirty="0">
+              <a:solidFill>
+                <a:srgbClr val="FF0000"/>
+              </a:solidFill>
+            </a:endParaRPr>
+          </a:p>
+        </p:txBody>
+      </p:sp>
+      <p:sp>
+        <p:nvSpPr>
+          <p:cNvPr id="32" name="文本框 31"/>
+          <p:cNvSpPr txBox="1"/>
+          <p:nvPr/>
+        </p:nvSpPr>
+        <p:spPr>
+          <a:xfrm>
+            <a:off x="4650788" y="3031779"/>
+            <a:ext cx="1903085" cy="369332"/>
+          </a:xfrm>
+          <a:prstGeom prst="rect">
+            <a:avLst/>
+          </a:prstGeom>
+          <a:noFill/>
+        </p:spPr>
+        <p:txBody>
+          <a:bodyPr wrap="none" rtlCol="0">
+            <a:spAutoFit/>
+          </a:bodyPr>
+          <a:lstStyle/>
+          <a:p>
+            <a:pPr algn="ctr"/>
+            <a:r>
+              <a:rPr lang="zh-CN" altLang="en-US" b="1" dirty="0">
+                <a:solidFill>
+                  <a:srgbClr val="0070C0"/>
+                </a:solidFill>
+              </a:rPr>
+              <a:t>攻击 </a:t>
+            </a:r>
+            <a:r>
+              <a:rPr lang="en-US" altLang="zh-CN" b="1" dirty="0">
+                <a:solidFill>
+                  <a:srgbClr val="0070C0"/>
+                </a:solidFill>
+              </a:rPr>
+              <a:t>x 10 </a:t>
+            </a:r>
+            <a:r>
+              <a:rPr lang="zh-CN" altLang="en-US" b="1" dirty="0">
+                <a:solidFill>
+                  <a:srgbClr val="0070C0"/>
+                </a:solidFill>
+              </a:rPr>
+              <a:t>无暴击</a:t>
+            </a:r>
+            <a:endParaRPr lang="en-US" altLang="zh-CN" b="1" dirty="0">
+              <a:solidFill>
+                <a:srgbClr val="0070C0"/>
+              </a:solidFill>
+            </a:endParaRPr>
+          </a:p>
+        </p:txBody>
+      </p:sp>
+      <p:pic>
+        <p:nvPicPr>
+          <p:cNvPr id="34" name="图片 33"/>
+          <p:cNvPicPr>
+            <a:picLocks noChangeAspect="1"/>
+          </p:cNvPicPr>
+          <p:nvPr/>
+        </p:nvPicPr>
+        <p:blipFill>
+          <a:blip r:embed="rId2"/>
+          <a:stretch>
+            <a:fillRect/>
+          </a:stretch>
+        </p:blipFill>
+        <p:spPr>
+          <a:xfrm>
+            <a:off x="1028983" y="5189588"/>
+            <a:ext cx="845976" cy="845976"/>
+          </a:xfrm>
+          <a:prstGeom prst="rect">
+            <a:avLst/>
+          </a:prstGeom>
+        </p:spPr>
+      </p:pic>
+      <p:pic>
+        <p:nvPicPr>
+          <p:cNvPr id="35" name="图片 34"/>
+          <p:cNvPicPr>
+            <a:picLocks noChangeAspect="1"/>
+          </p:cNvPicPr>
+          <p:nvPr/>
+        </p:nvPicPr>
+        <p:blipFill>
+          <a:blip r:embed="rId2"/>
+          <a:stretch>
+            <a:fillRect/>
+          </a:stretch>
+        </p:blipFill>
+        <p:spPr>
+          <a:xfrm>
+            <a:off x="1982725" y="5189588"/>
+            <a:ext cx="845976" cy="845976"/>
+          </a:xfrm>
+          <a:prstGeom prst="rect">
+            <a:avLst/>
+          </a:prstGeom>
+        </p:spPr>
+      </p:pic>
+      <p:pic>
+        <p:nvPicPr>
+          <p:cNvPr id="36" name="图片 35"/>
+          <p:cNvPicPr>
+            <a:picLocks noChangeAspect="1"/>
+          </p:cNvPicPr>
+          <p:nvPr/>
+        </p:nvPicPr>
+        <p:blipFill>
+          <a:blip r:embed="rId2"/>
+          <a:stretch>
+            <a:fillRect/>
+          </a:stretch>
+        </p:blipFill>
+        <p:spPr>
+          <a:xfrm>
+            <a:off x="2926703" y="5189588"/>
+            <a:ext cx="845976" cy="845976"/>
+          </a:xfrm>
+          <a:prstGeom prst="rect">
+            <a:avLst/>
+          </a:prstGeom>
+        </p:spPr>
+      </p:pic>
+      <p:sp>
+        <p:nvSpPr>
+          <p:cNvPr id="2" name="矩形 1"/>
+          <p:cNvSpPr/>
+          <p:nvPr/>
+        </p:nvSpPr>
+        <p:spPr>
+          <a:xfrm>
+            <a:off x="4525832" y="2488484"/>
+            <a:ext cx="1938351" cy="523220"/>
+          </a:xfrm>
+          <a:prstGeom prst="rect">
+            <a:avLst/>
+          </a:prstGeom>
+        </p:spPr>
+        <p:txBody>
+          <a:bodyPr wrap="none">
+            <a:spAutoFit/>
+          </a:bodyPr>
+          <a:lstStyle/>
+          <a:p>
+            <a:r>
+              <a:rPr lang="zh-CN" altLang="en-US" sz="2800" b="1" dirty="0"/>
+              <a:t>暴击率 </a:t>
+            </a:r>
+            <a:r>
+              <a:rPr lang="en-US" altLang="zh-CN" sz="2800" b="1" dirty="0"/>
+              <a:t>50%</a:t>
+            </a:r>
+            <a:endParaRPr lang="zh-CN" altLang="en-US" sz="2800" dirty="0"/>
+          </a:p>
+        </p:txBody>
+      </p:sp>
+      <p:pic>
+        <p:nvPicPr>
+          <p:cNvPr id="37" name="图片 36"/>
+          <p:cNvPicPr>
+            <a:picLocks noChangeAspect="1"/>
+          </p:cNvPicPr>
+          <p:nvPr/>
+        </p:nvPicPr>
+        <p:blipFill>
+          <a:blip r:embed="rId1"/>
+          <a:stretch>
+            <a:fillRect/>
+          </a:stretch>
+        </p:blipFill>
+        <p:spPr>
+          <a:xfrm>
             <a:off x="3880445" y="5189588"/>
             <a:ext cx="845976" cy="845976"/>
           </a:xfrm>
@@ -4958,11 +4323,6 @@
         </p:spPr>
       </p:pic>
     </p:spTree>
-    <p:extLst>
-      <p:ext uri="{BB962C8B-B14F-4D97-AF65-F5344CB8AC3E}">
-        <p14:creationId xmlns:p14="http://schemas.microsoft.com/office/powerpoint/2010/main" val="2845990086"/>
-      </p:ext>
-    </p:extLst>
   </p:cSld>
   <p:clrMapOvr>
     <a:masterClrMapping/>
@@ -4989,13 +4349,523 @@
       </p:grpSpPr>
       <p:pic>
         <p:nvPicPr>
-          <p:cNvPr id="7" name="图片 6">
-            <a:extLst>
-              <a:ext uri="{FF2B5EF4-FFF2-40B4-BE49-F238E27FC236}">
-                <a16:creationId xmlns:a16="http://schemas.microsoft.com/office/drawing/2014/main" id="{EE195C17-565B-422C-B71F-0DBF4A9D8FFF}"/>
-              </a:ext>
-            </a:extLst>
-          </p:cNvPr>
+          <p:cNvPr id="7" name="图片 6"/>
+          <p:cNvPicPr>
+            <a:picLocks noChangeAspect="1"/>
+          </p:cNvPicPr>
+          <p:nvPr/>
+        </p:nvPicPr>
+        <p:blipFill>
+          <a:blip r:embed="rId1"/>
+          <a:stretch>
+            <a:fillRect/>
+          </a:stretch>
+        </p:blipFill>
+        <p:spPr>
+          <a:xfrm>
+            <a:off x="1112958" y="1997360"/>
+            <a:ext cx="845976" cy="845976"/>
+          </a:xfrm>
+          <a:prstGeom prst="rect">
+            <a:avLst/>
+          </a:prstGeom>
+        </p:spPr>
+      </p:pic>
+      <p:sp>
+        <p:nvSpPr>
+          <p:cNvPr id="8" name="文本框 7"/>
+          <p:cNvSpPr txBox="1"/>
+          <p:nvPr/>
+        </p:nvSpPr>
+        <p:spPr>
+          <a:xfrm>
+            <a:off x="5177402" y="1419058"/>
+            <a:ext cx="1107996" cy="461665"/>
+          </a:xfrm>
+          <a:prstGeom prst="rect">
+            <a:avLst/>
+          </a:prstGeom>
+          <a:noFill/>
+        </p:spPr>
+        <p:txBody>
+          <a:bodyPr wrap="none" rtlCol="0">
+            <a:spAutoFit/>
+          </a:bodyPr>
+          <a:lstStyle/>
+          <a:p>
+            <a:pPr algn="ctr"/>
+            <a:r>
+              <a:rPr lang="zh-CN" altLang="en-US" sz="2400" b="1" dirty="0">
+                <a:solidFill>
+                  <a:srgbClr val="0070C0"/>
+                </a:solidFill>
+              </a:rPr>
+              <a:t>真随机</a:t>
+            </a:r>
+            <a:endParaRPr lang="en-US" altLang="zh-CN" sz="2400" b="1" dirty="0">
+              <a:solidFill>
+                <a:srgbClr val="0070C0"/>
+              </a:solidFill>
+            </a:endParaRPr>
+          </a:p>
+        </p:txBody>
+      </p:sp>
+      <p:pic>
+        <p:nvPicPr>
+          <p:cNvPr id="9" name="图片 8"/>
+          <p:cNvPicPr>
+            <a:picLocks noChangeAspect="1"/>
+          </p:cNvPicPr>
+          <p:nvPr/>
+        </p:nvPicPr>
+        <p:blipFill>
+          <a:blip r:embed="rId1"/>
+          <a:stretch>
+            <a:fillRect/>
+          </a:stretch>
+        </p:blipFill>
+        <p:spPr>
+          <a:xfrm>
+            <a:off x="2066700" y="1997360"/>
+            <a:ext cx="845976" cy="845976"/>
+          </a:xfrm>
+          <a:prstGeom prst="rect">
+            <a:avLst/>
+          </a:prstGeom>
+        </p:spPr>
+      </p:pic>
+      <p:pic>
+        <p:nvPicPr>
+          <p:cNvPr id="10" name="图片 9"/>
+          <p:cNvPicPr>
+            <a:picLocks noChangeAspect="1"/>
+          </p:cNvPicPr>
+          <p:nvPr/>
+        </p:nvPicPr>
+        <p:blipFill>
+          <a:blip r:embed="rId1"/>
+          <a:stretch>
+            <a:fillRect/>
+          </a:stretch>
+        </p:blipFill>
+        <p:spPr>
+          <a:xfrm>
+            <a:off x="3010678" y="1997360"/>
+            <a:ext cx="845976" cy="845976"/>
+          </a:xfrm>
+          <a:prstGeom prst="rect">
+            <a:avLst/>
+          </a:prstGeom>
+        </p:spPr>
+      </p:pic>
+      <p:pic>
+        <p:nvPicPr>
+          <p:cNvPr id="11" name="图片 10"/>
+          <p:cNvPicPr>
+            <a:picLocks noChangeAspect="1"/>
+          </p:cNvPicPr>
+          <p:nvPr/>
+        </p:nvPicPr>
+        <p:blipFill>
+          <a:blip r:embed="rId1"/>
+          <a:stretch>
+            <a:fillRect/>
+          </a:stretch>
+        </p:blipFill>
+        <p:spPr>
+          <a:xfrm>
+            <a:off x="3964420" y="1997360"/>
+            <a:ext cx="845976" cy="845976"/>
+          </a:xfrm>
+          <a:prstGeom prst="rect">
+            <a:avLst/>
+          </a:prstGeom>
+        </p:spPr>
+      </p:pic>
+      <p:pic>
+        <p:nvPicPr>
+          <p:cNvPr id="12" name="图片 11"/>
+          <p:cNvPicPr>
+            <a:picLocks noChangeAspect="1"/>
+          </p:cNvPicPr>
+          <p:nvPr/>
+        </p:nvPicPr>
+        <p:blipFill>
+          <a:blip r:embed="rId1"/>
+          <a:stretch>
+            <a:fillRect/>
+          </a:stretch>
+        </p:blipFill>
+        <p:spPr>
+          <a:xfrm>
+            <a:off x="4918162" y="1997360"/>
+            <a:ext cx="845976" cy="845976"/>
+          </a:xfrm>
+          <a:prstGeom prst="rect">
+            <a:avLst/>
+          </a:prstGeom>
+        </p:spPr>
+      </p:pic>
+      <p:pic>
+        <p:nvPicPr>
+          <p:cNvPr id="13" name="图片 12"/>
+          <p:cNvPicPr>
+            <a:picLocks noChangeAspect="1"/>
+          </p:cNvPicPr>
+          <p:nvPr/>
+        </p:nvPicPr>
+        <p:blipFill>
+          <a:blip r:embed="rId1"/>
+          <a:stretch>
+            <a:fillRect/>
+          </a:stretch>
+        </p:blipFill>
+        <p:spPr>
+          <a:xfrm>
+            <a:off x="5871904" y="1997360"/>
+            <a:ext cx="845976" cy="845976"/>
+          </a:xfrm>
+          <a:prstGeom prst="rect">
+            <a:avLst/>
+          </a:prstGeom>
+        </p:spPr>
+      </p:pic>
+      <p:pic>
+        <p:nvPicPr>
+          <p:cNvPr id="14" name="图片 13"/>
+          <p:cNvPicPr>
+            <a:picLocks noChangeAspect="1"/>
+          </p:cNvPicPr>
+          <p:nvPr/>
+        </p:nvPicPr>
+        <p:blipFill>
+          <a:blip r:embed="rId1"/>
+          <a:stretch>
+            <a:fillRect/>
+          </a:stretch>
+        </p:blipFill>
+        <p:spPr>
+          <a:xfrm>
+            <a:off x="6815882" y="1997360"/>
+            <a:ext cx="845976" cy="845976"/>
+          </a:xfrm>
+          <a:prstGeom prst="rect">
+            <a:avLst/>
+          </a:prstGeom>
+        </p:spPr>
+      </p:pic>
+      <p:pic>
+        <p:nvPicPr>
+          <p:cNvPr id="15" name="图片 14"/>
+          <p:cNvPicPr>
+            <a:picLocks noChangeAspect="1"/>
+          </p:cNvPicPr>
+          <p:nvPr/>
+        </p:nvPicPr>
+        <p:blipFill>
+          <a:blip r:embed="rId1"/>
+          <a:stretch>
+            <a:fillRect/>
+          </a:stretch>
+        </p:blipFill>
+        <p:spPr>
+          <a:xfrm>
+            <a:off x="7769624" y="1997360"/>
+            <a:ext cx="845976" cy="845976"/>
+          </a:xfrm>
+          <a:prstGeom prst="rect">
+            <a:avLst/>
+          </a:prstGeom>
+        </p:spPr>
+      </p:pic>
+      <p:pic>
+        <p:nvPicPr>
+          <p:cNvPr id="16" name="图片 15"/>
+          <p:cNvPicPr>
+            <a:picLocks noChangeAspect="1"/>
+          </p:cNvPicPr>
+          <p:nvPr/>
+        </p:nvPicPr>
+        <p:blipFill>
+          <a:blip r:embed="rId1"/>
+          <a:stretch>
+            <a:fillRect/>
+          </a:stretch>
+        </p:blipFill>
+        <p:spPr>
+          <a:xfrm>
+            <a:off x="8723366" y="1997360"/>
+            <a:ext cx="845976" cy="845976"/>
+          </a:xfrm>
+          <a:prstGeom prst="rect">
+            <a:avLst/>
+          </a:prstGeom>
+        </p:spPr>
+      </p:pic>
+      <p:pic>
+        <p:nvPicPr>
+          <p:cNvPr id="17" name="图片 16"/>
+          <p:cNvPicPr>
+            <a:picLocks noChangeAspect="1"/>
+          </p:cNvPicPr>
+          <p:nvPr/>
+        </p:nvPicPr>
+        <p:blipFill>
+          <a:blip r:embed="rId1"/>
+          <a:stretch>
+            <a:fillRect/>
+          </a:stretch>
+        </p:blipFill>
+        <p:spPr>
+          <a:xfrm>
+            <a:off x="9677108" y="1997360"/>
+            <a:ext cx="845976" cy="845976"/>
+          </a:xfrm>
+          <a:prstGeom prst="rect">
+            <a:avLst/>
+          </a:prstGeom>
+        </p:spPr>
+      </p:pic>
+      <p:sp>
+        <p:nvSpPr>
+          <p:cNvPr id="18" name="文本框 17"/>
+          <p:cNvSpPr txBox="1"/>
+          <p:nvPr/>
+        </p:nvSpPr>
+        <p:spPr>
+          <a:xfrm>
+            <a:off x="8658471" y="5549463"/>
+            <a:ext cx="1864613" cy="369332"/>
+          </a:xfrm>
+          <a:prstGeom prst="rect">
+            <a:avLst/>
+          </a:prstGeom>
+          <a:noFill/>
+        </p:spPr>
+        <p:txBody>
+          <a:bodyPr wrap="none" rtlCol="0">
+            <a:spAutoFit/>
+          </a:bodyPr>
+          <a:lstStyle/>
+          <a:p>
+            <a:r>
+              <a:rPr lang="zh-CN" altLang="en-US" b="1" dirty="0">
+                <a:solidFill>
+                  <a:srgbClr val="C00000"/>
+                </a:solidFill>
+              </a:rPr>
+              <a:t>下一次必定暴击 </a:t>
+            </a:r>
+            <a:endParaRPr lang="en-US" altLang="zh-CN" b="1" dirty="0">
+              <a:solidFill>
+                <a:srgbClr val="C00000"/>
+              </a:solidFill>
+            </a:endParaRPr>
+          </a:p>
+        </p:txBody>
+      </p:sp>
+      <p:sp>
+        <p:nvSpPr>
+          <p:cNvPr id="19" name="文本框 18"/>
+          <p:cNvSpPr txBox="1"/>
+          <p:nvPr/>
+        </p:nvSpPr>
+        <p:spPr>
+          <a:xfrm>
+            <a:off x="5360777" y="3912537"/>
+            <a:ext cx="1107996" cy="461665"/>
+          </a:xfrm>
+          <a:prstGeom prst="rect">
+            <a:avLst/>
+          </a:prstGeom>
+          <a:noFill/>
+        </p:spPr>
+        <p:txBody>
+          <a:bodyPr wrap="none" rtlCol="0">
+            <a:spAutoFit/>
+          </a:bodyPr>
+          <a:lstStyle/>
+          <a:p>
+            <a:pPr algn="ctr"/>
+            <a:r>
+              <a:rPr lang="zh-CN" altLang="en-US" sz="2400" b="1" dirty="0">
+                <a:solidFill>
+                  <a:srgbClr val="FF0000"/>
+                </a:solidFill>
+              </a:rPr>
+              <a:t>伪随机</a:t>
+            </a:r>
+            <a:endParaRPr lang="en-US" altLang="zh-CN" sz="2400" b="1" dirty="0">
+              <a:solidFill>
+                <a:srgbClr val="FF0000"/>
+              </a:solidFill>
+            </a:endParaRPr>
+          </a:p>
+        </p:txBody>
+      </p:sp>
+      <p:sp>
+        <p:nvSpPr>
+          <p:cNvPr id="20" name="文本框 19"/>
+          <p:cNvSpPr txBox="1"/>
+          <p:nvPr/>
+        </p:nvSpPr>
+        <p:spPr>
+          <a:xfrm>
+            <a:off x="4930737" y="3276798"/>
+            <a:ext cx="1903085" cy="369332"/>
+          </a:xfrm>
+          <a:prstGeom prst="rect">
+            <a:avLst/>
+          </a:prstGeom>
+          <a:noFill/>
+        </p:spPr>
+        <p:txBody>
+          <a:bodyPr wrap="none" rtlCol="0">
+            <a:spAutoFit/>
+          </a:bodyPr>
+          <a:lstStyle/>
+          <a:p>
+            <a:pPr algn="ctr"/>
+            <a:r>
+              <a:rPr lang="zh-CN" altLang="en-US" b="1" dirty="0">
+                <a:solidFill>
+                  <a:srgbClr val="0070C0"/>
+                </a:solidFill>
+              </a:rPr>
+              <a:t>攻击 </a:t>
+            </a:r>
+            <a:r>
+              <a:rPr lang="en-US" altLang="zh-CN" b="1" dirty="0">
+                <a:solidFill>
+                  <a:srgbClr val="0070C0"/>
+                </a:solidFill>
+              </a:rPr>
+              <a:t>x 10 </a:t>
+            </a:r>
+            <a:r>
+              <a:rPr lang="zh-CN" altLang="en-US" b="1" dirty="0">
+                <a:solidFill>
+                  <a:srgbClr val="0070C0"/>
+                </a:solidFill>
+              </a:rPr>
+              <a:t>无暴击</a:t>
+            </a:r>
+            <a:endParaRPr lang="en-US" altLang="zh-CN" b="1" dirty="0">
+              <a:solidFill>
+                <a:srgbClr val="0070C0"/>
+              </a:solidFill>
+            </a:endParaRPr>
+          </a:p>
+        </p:txBody>
+      </p:sp>
+      <p:pic>
+        <p:nvPicPr>
+          <p:cNvPr id="21" name="图片 20"/>
+          <p:cNvPicPr>
+            <a:picLocks noChangeAspect="1"/>
+          </p:cNvPicPr>
+          <p:nvPr/>
+        </p:nvPicPr>
+        <p:blipFill>
+          <a:blip r:embed="rId1"/>
+          <a:stretch>
+            <a:fillRect/>
+          </a:stretch>
+        </p:blipFill>
+        <p:spPr>
+          <a:xfrm>
+            <a:off x="4115057" y="4564698"/>
+            <a:ext cx="845976" cy="845976"/>
+          </a:xfrm>
+          <a:prstGeom prst="rect">
+            <a:avLst/>
+          </a:prstGeom>
+        </p:spPr>
+      </p:pic>
+      <p:pic>
+        <p:nvPicPr>
+          <p:cNvPr id="22" name="图片 21"/>
+          <p:cNvPicPr>
+            <a:picLocks noChangeAspect="1"/>
+          </p:cNvPicPr>
+          <p:nvPr/>
+        </p:nvPicPr>
+        <p:blipFill>
+          <a:blip r:embed="rId1"/>
+          <a:stretch>
+            <a:fillRect/>
+          </a:stretch>
+        </p:blipFill>
+        <p:spPr>
+          <a:xfrm>
+            <a:off x="5068799" y="4564698"/>
+            <a:ext cx="845976" cy="845976"/>
+          </a:xfrm>
+          <a:prstGeom prst="rect">
+            <a:avLst/>
+          </a:prstGeom>
+        </p:spPr>
+      </p:pic>
+      <p:pic>
+        <p:nvPicPr>
+          <p:cNvPr id="23" name="图片 22"/>
+          <p:cNvPicPr>
+            <a:picLocks noChangeAspect="1"/>
+          </p:cNvPicPr>
+          <p:nvPr/>
+        </p:nvPicPr>
+        <p:blipFill>
+          <a:blip r:embed="rId1"/>
+          <a:stretch>
+            <a:fillRect/>
+          </a:stretch>
+        </p:blipFill>
+        <p:spPr>
+          <a:xfrm>
+            <a:off x="6012777" y="4564698"/>
+            <a:ext cx="845976" cy="845976"/>
+          </a:xfrm>
+          <a:prstGeom prst="rect">
+            <a:avLst/>
+          </a:prstGeom>
+        </p:spPr>
+      </p:pic>
+      <p:sp>
+        <p:nvSpPr>
+          <p:cNvPr id="24" name="矩形 23"/>
+          <p:cNvSpPr/>
+          <p:nvPr/>
+        </p:nvSpPr>
+        <p:spPr>
+          <a:xfrm>
+            <a:off x="4767883" y="526233"/>
+            <a:ext cx="1938351" cy="523220"/>
+          </a:xfrm>
+          <a:prstGeom prst="rect">
+            <a:avLst/>
+          </a:prstGeom>
+        </p:spPr>
+        <p:txBody>
+          <a:bodyPr wrap="none">
+            <a:spAutoFit/>
+          </a:bodyPr>
+          <a:lstStyle/>
+          <a:p>
+            <a:r>
+              <a:rPr lang="zh-CN" altLang="en-US" sz="2800" b="1" dirty="0"/>
+              <a:t>暴击率 </a:t>
+            </a:r>
+            <a:r>
+              <a:rPr lang="en-US" altLang="zh-CN" sz="2800" b="1" dirty="0"/>
+              <a:t>50%</a:t>
+            </a:r>
+            <a:endParaRPr lang="zh-CN" altLang="en-US" sz="2800" dirty="0"/>
+          </a:p>
+        </p:txBody>
+      </p:sp>
+      <p:pic>
+        <p:nvPicPr>
+          <p:cNvPr id="25" name="图片 24"/>
           <p:cNvPicPr>
             <a:picLocks noChangeAspect="1"/>
           </p:cNvPicPr>
@@ -5009,630 +4879,6 @@
         </p:blipFill>
         <p:spPr>
           <a:xfrm>
-            <a:off x="1112958" y="1997360"/>
-            <a:ext cx="845976" cy="845976"/>
-          </a:xfrm>
-          <a:prstGeom prst="rect">
-            <a:avLst/>
-          </a:prstGeom>
-        </p:spPr>
-      </p:pic>
-      <p:sp>
-        <p:nvSpPr>
-          <p:cNvPr id="8" name="文本框 7">
-            <a:extLst>
-              <a:ext uri="{FF2B5EF4-FFF2-40B4-BE49-F238E27FC236}">
-                <a16:creationId xmlns:a16="http://schemas.microsoft.com/office/drawing/2014/main" id="{C99A3F59-62A9-4774-B05E-B7F9AF343451}"/>
-              </a:ext>
-            </a:extLst>
-          </p:cNvPr>
-          <p:cNvSpPr txBox="1"/>
-          <p:nvPr/>
-        </p:nvSpPr>
-        <p:spPr>
-          <a:xfrm>
-            <a:off x="5177402" y="1419058"/>
-            <a:ext cx="1107996" cy="461665"/>
-          </a:xfrm>
-          <a:prstGeom prst="rect">
-            <a:avLst/>
-          </a:prstGeom>
-          <a:noFill/>
-        </p:spPr>
-        <p:txBody>
-          <a:bodyPr wrap="none" rtlCol="0">
-            <a:spAutoFit/>
-          </a:bodyPr>
-          <a:lstStyle/>
-          <a:p>
-            <a:pPr algn="ctr"/>
-            <a:r>
-              <a:rPr lang="zh-CN" altLang="en-US" sz="2400" b="1" dirty="0">
-                <a:solidFill>
-                  <a:srgbClr val="0070C0"/>
-                </a:solidFill>
-              </a:rPr>
-              <a:t>真随机</a:t>
-            </a:r>
-            <a:endParaRPr lang="en-US" altLang="zh-CN" sz="2400" b="1" dirty="0">
-              <a:solidFill>
-                <a:srgbClr val="0070C0"/>
-              </a:solidFill>
-            </a:endParaRPr>
-          </a:p>
-        </p:txBody>
-      </p:sp>
-      <p:pic>
-        <p:nvPicPr>
-          <p:cNvPr id="9" name="图片 8">
-            <a:extLst>
-              <a:ext uri="{FF2B5EF4-FFF2-40B4-BE49-F238E27FC236}">
-                <a16:creationId xmlns:a16="http://schemas.microsoft.com/office/drawing/2014/main" id="{05D04FA8-0061-41C5-AAD0-F7B2A6B94EDA}"/>
-              </a:ext>
-            </a:extLst>
-          </p:cNvPr>
-          <p:cNvPicPr>
-            <a:picLocks noChangeAspect="1"/>
-          </p:cNvPicPr>
-          <p:nvPr/>
-        </p:nvPicPr>
-        <p:blipFill>
-          <a:blip r:embed="rId2"/>
-          <a:stretch>
-            <a:fillRect/>
-          </a:stretch>
-        </p:blipFill>
-        <p:spPr>
-          <a:xfrm>
-            <a:off x="2066700" y="1997360"/>
-            <a:ext cx="845976" cy="845976"/>
-          </a:xfrm>
-          <a:prstGeom prst="rect">
-            <a:avLst/>
-          </a:prstGeom>
-        </p:spPr>
-      </p:pic>
-      <p:pic>
-        <p:nvPicPr>
-          <p:cNvPr id="10" name="图片 9">
-            <a:extLst>
-              <a:ext uri="{FF2B5EF4-FFF2-40B4-BE49-F238E27FC236}">
-                <a16:creationId xmlns:a16="http://schemas.microsoft.com/office/drawing/2014/main" id="{3A703CDD-4FAF-43C8-8C57-E57C256C46A0}"/>
-              </a:ext>
-            </a:extLst>
-          </p:cNvPr>
-          <p:cNvPicPr>
-            <a:picLocks noChangeAspect="1"/>
-          </p:cNvPicPr>
-          <p:nvPr/>
-        </p:nvPicPr>
-        <p:blipFill>
-          <a:blip r:embed="rId2"/>
-          <a:stretch>
-            <a:fillRect/>
-          </a:stretch>
-        </p:blipFill>
-        <p:spPr>
-          <a:xfrm>
-            <a:off x="3010678" y="1997360"/>
-            <a:ext cx="845976" cy="845976"/>
-          </a:xfrm>
-          <a:prstGeom prst="rect">
-            <a:avLst/>
-          </a:prstGeom>
-        </p:spPr>
-      </p:pic>
-      <p:pic>
-        <p:nvPicPr>
-          <p:cNvPr id="11" name="图片 10">
-            <a:extLst>
-              <a:ext uri="{FF2B5EF4-FFF2-40B4-BE49-F238E27FC236}">
-                <a16:creationId xmlns:a16="http://schemas.microsoft.com/office/drawing/2014/main" id="{BC636F81-0C39-4C2D-8812-FF586469A2BA}"/>
-              </a:ext>
-            </a:extLst>
-          </p:cNvPr>
-          <p:cNvPicPr>
-            <a:picLocks noChangeAspect="1"/>
-          </p:cNvPicPr>
-          <p:nvPr/>
-        </p:nvPicPr>
-        <p:blipFill>
-          <a:blip r:embed="rId2"/>
-          <a:stretch>
-            <a:fillRect/>
-          </a:stretch>
-        </p:blipFill>
-        <p:spPr>
-          <a:xfrm>
-            <a:off x="3964420" y="1997360"/>
-            <a:ext cx="845976" cy="845976"/>
-          </a:xfrm>
-          <a:prstGeom prst="rect">
-            <a:avLst/>
-          </a:prstGeom>
-        </p:spPr>
-      </p:pic>
-      <p:pic>
-        <p:nvPicPr>
-          <p:cNvPr id="12" name="图片 11">
-            <a:extLst>
-              <a:ext uri="{FF2B5EF4-FFF2-40B4-BE49-F238E27FC236}">
-                <a16:creationId xmlns:a16="http://schemas.microsoft.com/office/drawing/2014/main" id="{098ED93A-B02C-42A1-9F19-C17758601FA2}"/>
-              </a:ext>
-            </a:extLst>
-          </p:cNvPr>
-          <p:cNvPicPr>
-            <a:picLocks noChangeAspect="1"/>
-          </p:cNvPicPr>
-          <p:nvPr/>
-        </p:nvPicPr>
-        <p:blipFill>
-          <a:blip r:embed="rId2"/>
-          <a:stretch>
-            <a:fillRect/>
-          </a:stretch>
-        </p:blipFill>
-        <p:spPr>
-          <a:xfrm>
-            <a:off x="4918162" y="1997360"/>
-            <a:ext cx="845976" cy="845976"/>
-          </a:xfrm>
-          <a:prstGeom prst="rect">
-            <a:avLst/>
-          </a:prstGeom>
-        </p:spPr>
-      </p:pic>
-      <p:pic>
-        <p:nvPicPr>
-          <p:cNvPr id="13" name="图片 12">
-            <a:extLst>
-              <a:ext uri="{FF2B5EF4-FFF2-40B4-BE49-F238E27FC236}">
-                <a16:creationId xmlns:a16="http://schemas.microsoft.com/office/drawing/2014/main" id="{2E6B55D2-354B-4459-86F8-57297A219049}"/>
-              </a:ext>
-            </a:extLst>
-          </p:cNvPr>
-          <p:cNvPicPr>
-            <a:picLocks noChangeAspect="1"/>
-          </p:cNvPicPr>
-          <p:nvPr/>
-        </p:nvPicPr>
-        <p:blipFill>
-          <a:blip r:embed="rId2"/>
-          <a:stretch>
-            <a:fillRect/>
-          </a:stretch>
-        </p:blipFill>
-        <p:spPr>
-          <a:xfrm>
-            <a:off x="5871904" y="1997360"/>
-            <a:ext cx="845976" cy="845976"/>
-          </a:xfrm>
-          <a:prstGeom prst="rect">
-            <a:avLst/>
-          </a:prstGeom>
-        </p:spPr>
-      </p:pic>
-      <p:pic>
-        <p:nvPicPr>
-          <p:cNvPr id="14" name="图片 13">
-            <a:extLst>
-              <a:ext uri="{FF2B5EF4-FFF2-40B4-BE49-F238E27FC236}">
-                <a16:creationId xmlns:a16="http://schemas.microsoft.com/office/drawing/2014/main" id="{73938B45-45F0-4798-AD17-64862971E04F}"/>
-              </a:ext>
-            </a:extLst>
-          </p:cNvPr>
-          <p:cNvPicPr>
-            <a:picLocks noChangeAspect="1"/>
-          </p:cNvPicPr>
-          <p:nvPr/>
-        </p:nvPicPr>
-        <p:blipFill>
-          <a:blip r:embed="rId2"/>
-          <a:stretch>
-            <a:fillRect/>
-          </a:stretch>
-        </p:blipFill>
-        <p:spPr>
-          <a:xfrm>
-            <a:off x="6815882" y="1997360"/>
-            <a:ext cx="845976" cy="845976"/>
-          </a:xfrm>
-          <a:prstGeom prst="rect">
-            <a:avLst/>
-          </a:prstGeom>
-        </p:spPr>
-      </p:pic>
-      <p:pic>
-        <p:nvPicPr>
-          <p:cNvPr id="15" name="图片 14">
-            <a:extLst>
-              <a:ext uri="{FF2B5EF4-FFF2-40B4-BE49-F238E27FC236}">
-                <a16:creationId xmlns:a16="http://schemas.microsoft.com/office/drawing/2014/main" id="{09E08718-A2CA-4A42-923C-D0B0F7680BDE}"/>
-              </a:ext>
-            </a:extLst>
-          </p:cNvPr>
-          <p:cNvPicPr>
-            <a:picLocks noChangeAspect="1"/>
-          </p:cNvPicPr>
-          <p:nvPr/>
-        </p:nvPicPr>
-        <p:blipFill>
-          <a:blip r:embed="rId2"/>
-          <a:stretch>
-            <a:fillRect/>
-          </a:stretch>
-        </p:blipFill>
-        <p:spPr>
-          <a:xfrm>
-            <a:off x="7769624" y="1997360"/>
-            <a:ext cx="845976" cy="845976"/>
-          </a:xfrm>
-          <a:prstGeom prst="rect">
-            <a:avLst/>
-          </a:prstGeom>
-        </p:spPr>
-      </p:pic>
-      <p:pic>
-        <p:nvPicPr>
-          <p:cNvPr id="16" name="图片 15">
-            <a:extLst>
-              <a:ext uri="{FF2B5EF4-FFF2-40B4-BE49-F238E27FC236}">
-                <a16:creationId xmlns:a16="http://schemas.microsoft.com/office/drawing/2014/main" id="{5E3085F3-D42A-406C-82BC-144BAF4CD924}"/>
-              </a:ext>
-            </a:extLst>
-          </p:cNvPr>
-          <p:cNvPicPr>
-            <a:picLocks noChangeAspect="1"/>
-          </p:cNvPicPr>
-          <p:nvPr/>
-        </p:nvPicPr>
-        <p:blipFill>
-          <a:blip r:embed="rId2"/>
-          <a:stretch>
-            <a:fillRect/>
-          </a:stretch>
-        </p:blipFill>
-        <p:spPr>
-          <a:xfrm>
-            <a:off x="8723366" y="1997360"/>
-            <a:ext cx="845976" cy="845976"/>
-          </a:xfrm>
-          <a:prstGeom prst="rect">
-            <a:avLst/>
-          </a:prstGeom>
-        </p:spPr>
-      </p:pic>
-      <p:pic>
-        <p:nvPicPr>
-          <p:cNvPr id="17" name="图片 16">
-            <a:extLst>
-              <a:ext uri="{FF2B5EF4-FFF2-40B4-BE49-F238E27FC236}">
-                <a16:creationId xmlns:a16="http://schemas.microsoft.com/office/drawing/2014/main" id="{4C23103C-85A2-45EB-B730-94D7090085EA}"/>
-              </a:ext>
-            </a:extLst>
-          </p:cNvPr>
-          <p:cNvPicPr>
-            <a:picLocks noChangeAspect="1"/>
-          </p:cNvPicPr>
-          <p:nvPr/>
-        </p:nvPicPr>
-        <p:blipFill>
-          <a:blip r:embed="rId2"/>
-          <a:stretch>
-            <a:fillRect/>
-          </a:stretch>
-        </p:blipFill>
-        <p:spPr>
-          <a:xfrm>
-            <a:off x="9677108" y="1997360"/>
-            <a:ext cx="845976" cy="845976"/>
-          </a:xfrm>
-          <a:prstGeom prst="rect">
-            <a:avLst/>
-          </a:prstGeom>
-        </p:spPr>
-      </p:pic>
-      <p:sp>
-        <p:nvSpPr>
-          <p:cNvPr id="18" name="文本框 17">
-            <a:extLst>
-              <a:ext uri="{FF2B5EF4-FFF2-40B4-BE49-F238E27FC236}">
-                <a16:creationId xmlns:a16="http://schemas.microsoft.com/office/drawing/2014/main" id="{CB66EF99-E37B-48FA-9213-D059FED97D89}"/>
-              </a:ext>
-            </a:extLst>
-          </p:cNvPr>
-          <p:cNvSpPr txBox="1"/>
-          <p:nvPr/>
-        </p:nvSpPr>
-        <p:spPr>
-          <a:xfrm>
-            <a:off x="8658471" y="5549463"/>
-            <a:ext cx="1864613" cy="369332"/>
-          </a:xfrm>
-          <a:prstGeom prst="rect">
-            <a:avLst/>
-          </a:prstGeom>
-          <a:noFill/>
-        </p:spPr>
-        <p:txBody>
-          <a:bodyPr wrap="none" rtlCol="0">
-            <a:spAutoFit/>
-          </a:bodyPr>
-          <a:lstStyle/>
-          <a:p>
-            <a:r>
-              <a:rPr lang="zh-CN" altLang="en-US" b="1" dirty="0">
-                <a:solidFill>
-                  <a:srgbClr val="C00000"/>
-                </a:solidFill>
-              </a:rPr>
-              <a:t>下一次必定暴击 </a:t>
-            </a:r>
-            <a:endParaRPr lang="en-US" altLang="zh-CN" b="1" dirty="0">
-              <a:solidFill>
-                <a:srgbClr val="C00000"/>
-              </a:solidFill>
-            </a:endParaRPr>
-          </a:p>
-        </p:txBody>
-      </p:sp>
-      <p:sp>
-        <p:nvSpPr>
-          <p:cNvPr id="19" name="文本框 18">
-            <a:extLst>
-              <a:ext uri="{FF2B5EF4-FFF2-40B4-BE49-F238E27FC236}">
-                <a16:creationId xmlns:a16="http://schemas.microsoft.com/office/drawing/2014/main" id="{352B7194-4B62-491E-B8DF-626F46DDB7B2}"/>
-              </a:ext>
-            </a:extLst>
-          </p:cNvPr>
-          <p:cNvSpPr txBox="1"/>
-          <p:nvPr/>
-        </p:nvSpPr>
-        <p:spPr>
-          <a:xfrm>
-            <a:off x="5360777" y="3912537"/>
-            <a:ext cx="1107996" cy="461665"/>
-          </a:xfrm>
-          <a:prstGeom prst="rect">
-            <a:avLst/>
-          </a:prstGeom>
-          <a:noFill/>
-        </p:spPr>
-        <p:txBody>
-          <a:bodyPr wrap="none" rtlCol="0">
-            <a:spAutoFit/>
-          </a:bodyPr>
-          <a:lstStyle/>
-          <a:p>
-            <a:pPr algn="ctr"/>
-            <a:r>
-              <a:rPr lang="zh-CN" altLang="en-US" sz="2400" b="1" dirty="0">
-                <a:solidFill>
-                  <a:srgbClr val="FF0000"/>
-                </a:solidFill>
-              </a:rPr>
-              <a:t>伪随机</a:t>
-            </a:r>
-            <a:endParaRPr lang="en-US" altLang="zh-CN" sz="2400" b="1" dirty="0">
-              <a:solidFill>
-                <a:srgbClr val="FF0000"/>
-              </a:solidFill>
-            </a:endParaRPr>
-          </a:p>
-        </p:txBody>
-      </p:sp>
-      <p:sp>
-        <p:nvSpPr>
-          <p:cNvPr id="20" name="文本框 19">
-            <a:extLst>
-              <a:ext uri="{FF2B5EF4-FFF2-40B4-BE49-F238E27FC236}">
-                <a16:creationId xmlns:a16="http://schemas.microsoft.com/office/drawing/2014/main" id="{7FADC15F-813F-4AB9-B7DE-D1CEE91AB9E2}"/>
-              </a:ext>
-            </a:extLst>
-          </p:cNvPr>
-          <p:cNvSpPr txBox="1"/>
-          <p:nvPr/>
-        </p:nvSpPr>
-        <p:spPr>
-          <a:xfrm>
-            <a:off x="4930737" y="3276798"/>
-            <a:ext cx="1903085" cy="369332"/>
-          </a:xfrm>
-          <a:prstGeom prst="rect">
-            <a:avLst/>
-          </a:prstGeom>
-          <a:noFill/>
-        </p:spPr>
-        <p:txBody>
-          <a:bodyPr wrap="none" rtlCol="0">
-            <a:spAutoFit/>
-          </a:bodyPr>
-          <a:lstStyle/>
-          <a:p>
-            <a:pPr algn="ctr"/>
-            <a:r>
-              <a:rPr lang="zh-CN" altLang="en-US" b="1" dirty="0">
-                <a:solidFill>
-                  <a:srgbClr val="0070C0"/>
-                </a:solidFill>
-              </a:rPr>
-              <a:t>攻击 </a:t>
-            </a:r>
-            <a:r>
-              <a:rPr lang="en-US" altLang="zh-CN" b="1" dirty="0">
-                <a:solidFill>
-                  <a:srgbClr val="0070C0"/>
-                </a:solidFill>
-              </a:rPr>
-              <a:t>x 10 </a:t>
-            </a:r>
-            <a:r>
-              <a:rPr lang="zh-CN" altLang="en-US" b="1" dirty="0">
-                <a:solidFill>
-                  <a:srgbClr val="0070C0"/>
-                </a:solidFill>
-              </a:rPr>
-              <a:t>无暴击</a:t>
-            </a:r>
-            <a:endParaRPr lang="en-US" altLang="zh-CN" b="1" dirty="0">
-              <a:solidFill>
-                <a:srgbClr val="0070C0"/>
-              </a:solidFill>
-            </a:endParaRPr>
-          </a:p>
-        </p:txBody>
-      </p:sp>
-      <p:pic>
-        <p:nvPicPr>
-          <p:cNvPr id="21" name="图片 20">
-            <a:extLst>
-              <a:ext uri="{FF2B5EF4-FFF2-40B4-BE49-F238E27FC236}">
-                <a16:creationId xmlns:a16="http://schemas.microsoft.com/office/drawing/2014/main" id="{448B0C2E-0BAB-4B82-ACE1-50F43B6DD84C}"/>
-              </a:ext>
-            </a:extLst>
-          </p:cNvPr>
-          <p:cNvPicPr>
-            <a:picLocks noChangeAspect="1"/>
-          </p:cNvPicPr>
-          <p:nvPr/>
-        </p:nvPicPr>
-        <p:blipFill>
-          <a:blip r:embed="rId2"/>
-          <a:stretch>
-            <a:fillRect/>
-          </a:stretch>
-        </p:blipFill>
-        <p:spPr>
-          <a:xfrm>
-            <a:off x="4115057" y="4564698"/>
-            <a:ext cx="845976" cy="845976"/>
-          </a:xfrm>
-          <a:prstGeom prst="rect">
-            <a:avLst/>
-          </a:prstGeom>
-        </p:spPr>
-      </p:pic>
-      <p:pic>
-        <p:nvPicPr>
-          <p:cNvPr id="22" name="图片 21">
-            <a:extLst>
-              <a:ext uri="{FF2B5EF4-FFF2-40B4-BE49-F238E27FC236}">
-                <a16:creationId xmlns:a16="http://schemas.microsoft.com/office/drawing/2014/main" id="{7C35E13C-94EF-42C9-8D44-BD315AC39C31}"/>
-              </a:ext>
-            </a:extLst>
-          </p:cNvPr>
-          <p:cNvPicPr>
-            <a:picLocks noChangeAspect="1"/>
-          </p:cNvPicPr>
-          <p:nvPr/>
-        </p:nvPicPr>
-        <p:blipFill>
-          <a:blip r:embed="rId2"/>
-          <a:stretch>
-            <a:fillRect/>
-          </a:stretch>
-        </p:blipFill>
-        <p:spPr>
-          <a:xfrm>
-            <a:off x="5068799" y="4564698"/>
-            <a:ext cx="845976" cy="845976"/>
-          </a:xfrm>
-          <a:prstGeom prst="rect">
-            <a:avLst/>
-          </a:prstGeom>
-        </p:spPr>
-      </p:pic>
-      <p:pic>
-        <p:nvPicPr>
-          <p:cNvPr id="23" name="图片 22">
-            <a:extLst>
-              <a:ext uri="{FF2B5EF4-FFF2-40B4-BE49-F238E27FC236}">
-                <a16:creationId xmlns:a16="http://schemas.microsoft.com/office/drawing/2014/main" id="{CB638FF5-68B5-4C2D-AC79-837DA7F2C4EE}"/>
-              </a:ext>
-            </a:extLst>
-          </p:cNvPr>
-          <p:cNvPicPr>
-            <a:picLocks noChangeAspect="1"/>
-          </p:cNvPicPr>
-          <p:nvPr/>
-        </p:nvPicPr>
-        <p:blipFill>
-          <a:blip r:embed="rId2"/>
-          <a:stretch>
-            <a:fillRect/>
-          </a:stretch>
-        </p:blipFill>
-        <p:spPr>
-          <a:xfrm>
-            <a:off x="6012777" y="4564698"/>
-            <a:ext cx="845976" cy="845976"/>
-          </a:xfrm>
-          <a:prstGeom prst="rect">
-            <a:avLst/>
-          </a:prstGeom>
-        </p:spPr>
-      </p:pic>
-      <p:sp>
-        <p:nvSpPr>
-          <p:cNvPr id="24" name="矩形 23">
-            <a:extLst>
-              <a:ext uri="{FF2B5EF4-FFF2-40B4-BE49-F238E27FC236}">
-                <a16:creationId xmlns:a16="http://schemas.microsoft.com/office/drawing/2014/main" id="{F36BE61B-0428-4F32-8BC4-EAD9ACA7070D}"/>
-              </a:ext>
-            </a:extLst>
-          </p:cNvPr>
-          <p:cNvSpPr/>
-          <p:nvPr/>
-        </p:nvSpPr>
-        <p:spPr>
-          <a:xfrm>
-            <a:off x="4767883" y="526233"/>
-            <a:ext cx="1938351" cy="523220"/>
-          </a:xfrm>
-          <a:prstGeom prst="rect">
-            <a:avLst/>
-          </a:prstGeom>
-        </p:spPr>
-        <p:txBody>
-          <a:bodyPr wrap="none">
-            <a:spAutoFit/>
-          </a:bodyPr>
-          <a:lstStyle/>
-          <a:p>
-            <a:r>
-              <a:rPr lang="zh-CN" altLang="en-US" sz="2800" b="1" dirty="0"/>
-              <a:t>暴击率 </a:t>
-            </a:r>
-            <a:r>
-              <a:rPr lang="en-US" altLang="zh-CN" sz="2800" b="1" dirty="0"/>
-              <a:t>50%</a:t>
-            </a:r>
-            <a:endParaRPr lang="zh-CN" altLang="en-US" sz="2800" dirty="0"/>
-          </a:p>
-        </p:txBody>
-      </p:sp>
-      <p:pic>
-        <p:nvPicPr>
-          <p:cNvPr id="25" name="图片 24">
-            <a:extLst>
-              <a:ext uri="{FF2B5EF4-FFF2-40B4-BE49-F238E27FC236}">
-                <a16:creationId xmlns:a16="http://schemas.microsoft.com/office/drawing/2014/main" id="{1C3B6597-2FAA-48D2-9673-C00AAE577920}"/>
-              </a:ext>
-            </a:extLst>
-          </p:cNvPr>
-          <p:cNvPicPr>
-            <a:picLocks noChangeAspect="1"/>
-          </p:cNvPicPr>
-          <p:nvPr/>
-        </p:nvPicPr>
-        <p:blipFill>
-          <a:blip r:embed="rId3"/>
-          <a:stretch>
-            <a:fillRect/>
-          </a:stretch>
-        </p:blipFill>
-        <p:spPr>
-          <a:xfrm>
             <a:off x="6966519" y="4564698"/>
             <a:ext cx="845976" cy="845976"/>
           </a:xfrm>
@@ -5643,13 +4889,7 @@
       </p:pic>
       <p:sp>
         <p:nvSpPr>
-          <p:cNvPr id="26" name="左大括号 25">
-            <a:extLst>
-              <a:ext uri="{FF2B5EF4-FFF2-40B4-BE49-F238E27FC236}">
-                <a16:creationId xmlns:a16="http://schemas.microsoft.com/office/drawing/2014/main" id="{71CC60E1-9981-40A5-BD15-978189FC3ABB}"/>
-              </a:ext>
-            </a:extLst>
-          </p:cNvPr>
+          <p:cNvPr id="26" name="左大括号 25"/>
           <p:cNvSpPr/>
           <p:nvPr/>
         </p:nvSpPr>
@@ -5691,13 +4931,7 @@
       </p:sp>
       <p:sp>
         <p:nvSpPr>
-          <p:cNvPr id="27" name="文本框 26">
-            <a:extLst>
-              <a:ext uri="{FF2B5EF4-FFF2-40B4-BE49-F238E27FC236}">
-                <a16:creationId xmlns:a16="http://schemas.microsoft.com/office/drawing/2014/main" id="{8C0D82E1-7781-47DE-96F3-0D8897C81C53}"/>
-              </a:ext>
-            </a:extLst>
-          </p:cNvPr>
+          <p:cNvPr id="27" name="文本框 26"/>
           <p:cNvSpPr txBox="1"/>
           <p:nvPr/>
         </p:nvSpPr>
@@ -5752,16 +4986,8 @@
       </p:sp>
       <p:cxnSp>
         <p:nvCxnSpPr>
-          <p:cNvPr id="29" name="直接箭头连接符 28">
-            <a:extLst>
-              <a:ext uri="{FF2B5EF4-FFF2-40B4-BE49-F238E27FC236}">
-                <a16:creationId xmlns:a16="http://schemas.microsoft.com/office/drawing/2014/main" id="{6FA8BE66-081C-4133-AA72-DB2E5296A0A4}"/>
-              </a:ext>
-            </a:extLst>
-          </p:cNvPr>
-          <p:cNvCxnSpPr>
-            <a:cxnSpLocks/>
-          </p:cNvCxnSpPr>
+          <p:cNvPr id="29" name="直接箭头连接符 28"/>
+          <p:cNvCxnSpPr/>
           <p:nvPr/>
         </p:nvCxnSpPr>
         <p:spPr>
@@ -5796,13 +5022,7 @@
       </p:cxnSp>
       <p:sp>
         <p:nvSpPr>
-          <p:cNvPr id="30" name="左大括号 29">
-            <a:extLst>
-              <a:ext uri="{FF2B5EF4-FFF2-40B4-BE49-F238E27FC236}">
-                <a16:creationId xmlns:a16="http://schemas.microsoft.com/office/drawing/2014/main" id="{10091724-E570-42CA-8271-08D8B18F02D7}"/>
-              </a:ext>
-            </a:extLst>
-          </p:cNvPr>
+          <p:cNvPr id="30" name="左大括号 29"/>
           <p:cNvSpPr/>
           <p:nvPr/>
         </p:nvSpPr>
@@ -5843,11 +5063,6 @@
         </p:txBody>
       </p:sp>
     </p:spTree>
-    <p:extLst>
-      <p:ext uri="{BB962C8B-B14F-4D97-AF65-F5344CB8AC3E}">
-        <p14:creationId xmlns:p14="http://schemas.microsoft.com/office/powerpoint/2010/main" val="605095122"/>
-      </p:ext>
-    </p:extLst>
   </p:cSld>
   <p:clrMapOvr>
     <a:masterClrMapping/>
@@ -5874,13 +5089,7 @@
       </p:grpSpPr>
       <p:sp>
         <p:nvSpPr>
-          <p:cNvPr id="8" name="文本框 7">
-            <a:extLst>
-              <a:ext uri="{FF2B5EF4-FFF2-40B4-BE49-F238E27FC236}">
-                <a16:creationId xmlns:a16="http://schemas.microsoft.com/office/drawing/2014/main" id="{C99A3F59-62A9-4774-B05E-B7F9AF343451}"/>
-              </a:ext>
-            </a:extLst>
-          </p:cNvPr>
+          <p:cNvPr id="8" name="文本框 7"/>
           <p:cNvSpPr txBox="1"/>
           <p:nvPr/>
         </p:nvSpPr>
@@ -5919,13 +5128,316 @@
       </p:sp>
       <p:pic>
         <p:nvPicPr>
-          <p:cNvPr id="13" name="图片 12">
-            <a:extLst>
-              <a:ext uri="{FF2B5EF4-FFF2-40B4-BE49-F238E27FC236}">
-                <a16:creationId xmlns:a16="http://schemas.microsoft.com/office/drawing/2014/main" id="{2E6B55D2-354B-4459-86F8-57297A219049}"/>
-              </a:ext>
-            </a:extLst>
-          </p:cNvPr>
+          <p:cNvPr id="13" name="图片 12"/>
+          <p:cNvPicPr>
+            <a:picLocks noChangeAspect="1"/>
+          </p:cNvPicPr>
+          <p:nvPr/>
+        </p:nvPicPr>
+        <p:blipFill>
+          <a:blip r:embed="rId1"/>
+          <a:stretch>
+            <a:fillRect/>
+          </a:stretch>
+        </p:blipFill>
+        <p:spPr>
+          <a:xfrm>
+            <a:off x="5871904" y="1997360"/>
+            <a:ext cx="845976" cy="845976"/>
+          </a:xfrm>
+          <a:prstGeom prst="rect">
+            <a:avLst/>
+          </a:prstGeom>
+        </p:spPr>
+      </p:pic>
+      <p:pic>
+        <p:nvPicPr>
+          <p:cNvPr id="14" name="图片 13"/>
+          <p:cNvPicPr>
+            <a:picLocks noChangeAspect="1"/>
+          </p:cNvPicPr>
+          <p:nvPr/>
+        </p:nvPicPr>
+        <p:blipFill>
+          <a:blip r:embed="rId1"/>
+          <a:stretch>
+            <a:fillRect/>
+          </a:stretch>
+        </p:blipFill>
+        <p:spPr>
+          <a:xfrm>
+            <a:off x="6815882" y="1997360"/>
+            <a:ext cx="845976" cy="845976"/>
+          </a:xfrm>
+          <a:prstGeom prst="rect">
+            <a:avLst/>
+          </a:prstGeom>
+        </p:spPr>
+      </p:pic>
+      <p:pic>
+        <p:nvPicPr>
+          <p:cNvPr id="15" name="图片 14"/>
+          <p:cNvPicPr>
+            <a:picLocks noChangeAspect="1"/>
+          </p:cNvPicPr>
+          <p:nvPr/>
+        </p:nvPicPr>
+        <p:blipFill>
+          <a:blip r:embed="rId1"/>
+          <a:stretch>
+            <a:fillRect/>
+          </a:stretch>
+        </p:blipFill>
+        <p:spPr>
+          <a:xfrm>
+            <a:off x="7769624" y="1997360"/>
+            <a:ext cx="845976" cy="845976"/>
+          </a:xfrm>
+          <a:prstGeom prst="rect">
+            <a:avLst/>
+          </a:prstGeom>
+        </p:spPr>
+      </p:pic>
+      <p:pic>
+        <p:nvPicPr>
+          <p:cNvPr id="16" name="图片 15"/>
+          <p:cNvPicPr>
+            <a:picLocks noChangeAspect="1"/>
+          </p:cNvPicPr>
+          <p:nvPr/>
+        </p:nvPicPr>
+        <p:blipFill>
+          <a:blip r:embed="rId1"/>
+          <a:stretch>
+            <a:fillRect/>
+          </a:stretch>
+        </p:blipFill>
+        <p:spPr>
+          <a:xfrm>
+            <a:off x="8723366" y="1997360"/>
+            <a:ext cx="845976" cy="845976"/>
+          </a:xfrm>
+          <a:prstGeom prst="rect">
+            <a:avLst/>
+          </a:prstGeom>
+        </p:spPr>
+      </p:pic>
+      <p:pic>
+        <p:nvPicPr>
+          <p:cNvPr id="17" name="图片 16"/>
+          <p:cNvPicPr>
+            <a:picLocks noChangeAspect="1"/>
+          </p:cNvPicPr>
+          <p:nvPr/>
+        </p:nvPicPr>
+        <p:blipFill>
+          <a:blip r:embed="rId1"/>
+          <a:stretch>
+            <a:fillRect/>
+          </a:stretch>
+        </p:blipFill>
+        <p:spPr>
+          <a:xfrm>
+            <a:off x="9677108" y="1997360"/>
+            <a:ext cx="845976" cy="845976"/>
+          </a:xfrm>
+          <a:prstGeom prst="rect">
+            <a:avLst/>
+          </a:prstGeom>
+        </p:spPr>
+      </p:pic>
+      <p:sp>
+        <p:nvSpPr>
+          <p:cNvPr id="18" name="文本框 17"/>
+          <p:cNvSpPr txBox="1"/>
+          <p:nvPr/>
+        </p:nvSpPr>
+        <p:spPr>
+          <a:xfrm>
+            <a:off x="8658471" y="5549463"/>
+            <a:ext cx="1864613" cy="369332"/>
+          </a:xfrm>
+          <a:prstGeom prst="rect">
+            <a:avLst/>
+          </a:prstGeom>
+          <a:noFill/>
+        </p:spPr>
+        <p:txBody>
+          <a:bodyPr wrap="none" rtlCol="0">
+            <a:spAutoFit/>
+          </a:bodyPr>
+          <a:lstStyle/>
+          <a:p>
+            <a:r>
+              <a:rPr lang="zh-CN" altLang="en-US" b="1" dirty="0">
+                <a:solidFill>
+                  <a:srgbClr val="C00000"/>
+                </a:solidFill>
+              </a:rPr>
+              <a:t>下一次必定暴击 </a:t>
+            </a:r>
+            <a:endParaRPr lang="en-US" altLang="zh-CN" b="1" dirty="0">
+              <a:solidFill>
+                <a:srgbClr val="C00000"/>
+              </a:solidFill>
+            </a:endParaRPr>
+          </a:p>
+        </p:txBody>
+      </p:sp>
+      <p:sp>
+        <p:nvSpPr>
+          <p:cNvPr id="19" name="文本框 18"/>
+          <p:cNvSpPr txBox="1"/>
+          <p:nvPr/>
+        </p:nvSpPr>
+        <p:spPr>
+          <a:xfrm>
+            <a:off x="5360777" y="3912537"/>
+            <a:ext cx="1107996" cy="461665"/>
+          </a:xfrm>
+          <a:prstGeom prst="rect">
+            <a:avLst/>
+          </a:prstGeom>
+          <a:noFill/>
+        </p:spPr>
+        <p:txBody>
+          <a:bodyPr wrap="none" rtlCol="0">
+            <a:spAutoFit/>
+          </a:bodyPr>
+          <a:lstStyle/>
+          <a:p>
+            <a:pPr algn="ctr"/>
+            <a:r>
+              <a:rPr lang="zh-CN" altLang="en-US" sz="2400" b="1" dirty="0">
+                <a:solidFill>
+                  <a:srgbClr val="FF0000"/>
+                </a:solidFill>
+              </a:rPr>
+              <a:t>伪随机</a:t>
+            </a:r>
+            <a:endParaRPr lang="en-US" altLang="zh-CN" sz="2400" b="1" dirty="0">
+              <a:solidFill>
+                <a:srgbClr val="FF0000"/>
+              </a:solidFill>
+            </a:endParaRPr>
+          </a:p>
+        </p:txBody>
+      </p:sp>
+      <p:sp>
+        <p:nvSpPr>
+          <p:cNvPr id="20" name="文本框 19"/>
+          <p:cNvSpPr txBox="1"/>
+          <p:nvPr/>
+        </p:nvSpPr>
+        <p:spPr>
+          <a:xfrm>
+            <a:off x="4930737" y="3276798"/>
+            <a:ext cx="1903085" cy="369332"/>
+          </a:xfrm>
+          <a:prstGeom prst="rect">
+            <a:avLst/>
+          </a:prstGeom>
+          <a:noFill/>
+        </p:spPr>
+        <p:txBody>
+          <a:bodyPr wrap="none" rtlCol="0">
+            <a:spAutoFit/>
+          </a:bodyPr>
+          <a:lstStyle/>
+          <a:p>
+            <a:pPr algn="ctr"/>
+            <a:r>
+              <a:rPr lang="zh-CN" altLang="en-US" b="1" dirty="0">
+                <a:solidFill>
+                  <a:srgbClr val="0070C0"/>
+                </a:solidFill>
+              </a:rPr>
+              <a:t>攻击 </a:t>
+            </a:r>
+            <a:r>
+              <a:rPr lang="en-US" altLang="zh-CN" b="1" dirty="0">
+                <a:solidFill>
+                  <a:srgbClr val="0070C0"/>
+                </a:solidFill>
+              </a:rPr>
+              <a:t>x 10 </a:t>
+            </a:r>
+            <a:r>
+              <a:rPr lang="zh-CN" altLang="en-US" b="1" dirty="0">
+                <a:solidFill>
+                  <a:srgbClr val="0070C0"/>
+                </a:solidFill>
+              </a:rPr>
+              <a:t>无暴击</a:t>
+            </a:r>
+            <a:endParaRPr lang="en-US" altLang="zh-CN" b="1" dirty="0">
+              <a:solidFill>
+                <a:srgbClr val="0070C0"/>
+              </a:solidFill>
+            </a:endParaRPr>
+          </a:p>
+        </p:txBody>
+      </p:sp>
+      <p:pic>
+        <p:nvPicPr>
+          <p:cNvPr id="23" name="图片 22"/>
+          <p:cNvPicPr>
+            <a:picLocks noChangeAspect="1"/>
+          </p:cNvPicPr>
+          <p:nvPr/>
+        </p:nvPicPr>
+        <p:blipFill>
+          <a:blip r:embed="rId1"/>
+          <a:stretch>
+            <a:fillRect/>
+          </a:stretch>
+        </p:blipFill>
+        <p:spPr>
+          <a:xfrm>
+            <a:off x="6012777" y="4564698"/>
+            <a:ext cx="845976" cy="845976"/>
+          </a:xfrm>
+          <a:prstGeom prst="rect">
+            <a:avLst/>
+          </a:prstGeom>
+        </p:spPr>
+      </p:pic>
+      <p:sp>
+        <p:nvSpPr>
+          <p:cNvPr id="24" name="矩形 23"/>
+          <p:cNvSpPr/>
+          <p:nvPr/>
+        </p:nvSpPr>
+        <p:spPr>
+          <a:xfrm>
+            <a:off x="4767883" y="526233"/>
+            <a:ext cx="1938351" cy="523220"/>
+          </a:xfrm>
+          <a:prstGeom prst="rect">
+            <a:avLst/>
+          </a:prstGeom>
+        </p:spPr>
+        <p:txBody>
+          <a:bodyPr wrap="none">
+            <a:spAutoFit/>
+          </a:bodyPr>
+          <a:lstStyle/>
+          <a:p>
+            <a:r>
+              <a:rPr lang="zh-CN" altLang="en-US" sz="2800" b="1" dirty="0"/>
+              <a:t>暴击率 </a:t>
+            </a:r>
+            <a:r>
+              <a:rPr lang="en-US" altLang="zh-CN" sz="2800" b="1" dirty="0"/>
+              <a:t>50%</a:t>
+            </a:r>
+            <a:endParaRPr lang="zh-CN" altLang="en-US" sz="2800" dirty="0"/>
+          </a:p>
+        </p:txBody>
+      </p:sp>
+      <p:pic>
+        <p:nvPicPr>
+          <p:cNvPr id="25" name="图片 24"/>
           <p:cNvPicPr>
             <a:picLocks noChangeAspect="1"/>
           </p:cNvPicPr>
@@ -5939,375 +5451,6 @@
         </p:blipFill>
         <p:spPr>
           <a:xfrm>
-            <a:off x="5871904" y="1997360"/>
-            <a:ext cx="845976" cy="845976"/>
-          </a:xfrm>
-          <a:prstGeom prst="rect">
-            <a:avLst/>
-          </a:prstGeom>
-        </p:spPr>
-      </p:pic>
-      <p:pic>
-        <p:nvPicPr>
-          <p:cNvPr id="14" name="图片 13">
-            <a:extLst>
-              <a:ext uri="{FF2B5EF4-FFF2-40B4-BE49-F238E27FC236}">
-                <a16:creationId xmlns:a16="http://schemas.microsoft.com/office/drawing/2014/main" id="{73938B45-45F0-4798-AD17-64862971E04F}"/>
-              </a:ext>
-            </a:extLst>
-          </p:cNvPr>
-          <p:cNvPicPr>
-            <a:picLocks noChangeAspect="1"/>
-          </p:cNvPicPr>
-          <p:nvPr/>
-        </p:nvPicPr>
-        <p:blipFill>
-          <a:blip r:embed="rId2"/>
-          <a:stretch>
-            <a:fillRect/>
-          </a:stretch>
-        </p:blipFill>
-        <p:spPr>
-          <a:xfrm>
-            <a:off x="6815882" y="1997360"/>
-            <a:ext cx="845976" cy="845976"/>
-          </a:xfrm>
-          <a:prstGeom prst="rect">
-            <a:avLst/>
-          </a:prstGeom>
-        </p:spPr>
-      </p:pic>
-      <p:pic>
-        <p:nvPicPr>
-          <p:cNvPr id="15" name="图片 14">
-            <a:extLst>
-              <a:ext uri="{FF2B5EF4-FFF2-40B4-BE49-F238E27FC236}">
-                <a16:creationId xmlns:a16="http://schemas.microsoft.com/office/drawing/2014/main" id="{09E08718-A2CA-4A42-923C-D0B0F7680BDE}"/>
-              </a:ext>
-            </a:extLst>
-          </p:cNvPr>
-          <p:cNvPicPr>
-            <a:picLocks noChangeAspect="1"/>
-          </p:cNvPicPr>
-          <p:nvPr/>
-        </p:nvPicPr>
-        <p:blipFill>
-          <a:blip r:embed="rId2"/>
-          <a:stretch>
-            <a:fillRect/>
-          </a:stretch>
-        </p:blipFill>
-        <p:spPr>
-          <a:xfrm>
-            <a:off x="7769624" y="1997360"/>
-            <a:ext cx="845976" cy="845976"/>
-          </a:xfrm>
-          <a:prstGeom prst="rect">
-            <a:avLst/>
-          </a:prstGeom>
-        </p:spPr>
-      </p:pic>
-      <p:pic>
-        <p:nvPicPr>
-          <p:cNvPr id="16" name="图片 15">
-            <a:extLst>
-              <a:ext uri="{FF2B5EF4-FFF2-40B4-BE49-F238E27FC236}">
-                <a16:creationId xmlns:a16="http://schemas.microsoft.com/office/drawing/2014/main" id="{5E3085F3-D42A-406C-82BC-144BAF4CD924}"/>
-              </a:ext>
-            </a:extLst>
-          </p:cNvPr>
-          <p:cNvPicPr>
-            <a:picLocks noChangeAspect="1"/>
-          </p:cNvPicPr>
-          <p:nvPr/>
-        </p:nvPicPr>
-        <p:blipFill>
-          <a:blip r:embed="rId2"/>
-          <a:stretch>
-            <a:fillRect/>
-          </a:stretch>
-        </p:blipFill>
-        <p:spPr>
-          <a:xfrm>
-            <a:off x="8723366" y="1997360"/>
-            <a:ext cx="845976" cy="845976"/>
-          </a:xfrm>
-          <a:prstGeom prst="rect">
-            <a:avLst/>
-          </a:prstGeom>
-        </p:spPr>
-      </p:pic>
-      <p:pic>
-        <p:nvPicPr>
-          <p:cNvPr id="17" name="图片 16">
-            <a:extLst>
-              <a:ext uri="{FF2B5EF4-FFF2-40B4-BE49-F238E27FC236}">
-                <a16:creationId xmlns:a16="http://schemas.microsoft.com/office/drawing/2014/main" id="{4C23103C-85A2-45EB-B730-94D7090085EA}"/>
-              </a:ext>
-            </a:extLst>
-          </p:cNvPr>
-          <p:cNvPicPr>
-            <a:picLocks noChangeAspect="1"/>
-          </p:cNvPicPr>
-          <p:nvPr/>
-        </p:nvPicPr>
-        <p:blipFill>
-          <a:blip r:embed="rId2"/>
-          <a:stretch>
-            <a:fillRect/>
-          </a:stretch>
-        </p:blipFill>
-        <p:spPr>
-          <a:xfrm>
-            <a:off x="9677108" y="1997360"/>
-            <a:ext cx="845976" cy="845976"/>
-          </a:xfrm>
-          <a:prstGeom prst="rect">
-            <a:avLst/>
-          </a:prstGeom>
-        </p:spPr>
-      </p:pic>
-      <p:sp>
-        <p:nvSpPr>
-          <p:cNvPr id="18" name="文本框 17">
-            <a:extLst>
-              <a:ext uri="{FF2B5EF4-FFF2-40B4-BE49-F238E27FC236}">
-                <a16:creationId xmlns:a16="http://schemas.microsoft.com/office/drawing/2014/main" id="{CB66EF99-E37B-48FA-9213-D059FED97D89}"/>
-              </a:ext>
-            </a:extLst>
-          </p:cNvPr>
-          <p:cNvSpPr txBox="1"/>
-          <p:nvPr/>
-        </p:nvSpPr>
-        <p:spPr>
-          <a:xfrm>
-            <a:off x="8658471" y="5549463"/>
-            <a:ext cx="1864613" cy="369332"/>
-          </a:xfrm>
-          <a:prstGeom prst="rect">
-            <a:avLst/>
-          </a:prstGeom>
-          <a:noFill/>
-        </p:spPr>
-        <p:txBody>
-          <a:bodyPr wrap="none" rtlCol="0">
-            <a:spAutoFit/>
-          </a:bodyPr>
-          <a:lstStyle/>
-          <a:p>
-            <a:r>
-              <a:rPr lang="zh-CN" altLang="en-US" b="1" dirty="0">
-                <a:solidFill>
-                  <a:srgbClr val="C00000"/>
-                </a:solidFill>
-              </a:rPr>
-              <a:t>下一次必定暴击 </a:t>
-            </a:r>
-            <a:endParaRPr lang="en-US" altLang="zh-CN" b="1" dirty="0">
-              <a:solidFill>
-                <a:srgbClr val="C00000"/>
-              </a:solidFill>
-            </a:endParaRPr>
-          </a:p>
-        </p:txBody>
-      </p:sp>
-      <p:sp>
-        <p:nvSpPr>
-          <p:cNvPr id="19" name="文本框 18">
-            <a:extLst>
-              <a:ext uri="{FF2B5EF4-FFF2-40B4-BE49-F238E27FC236}">
-                <a16:creationId xmlns:a16="http://schemas.microsoft.com/office/drawing/2014/main" id="{352B7194-4B62-491E-B8DF-626F46DDB7B2}"/>
-              </a:ext>
-            </a:extLst>
-          </p:cNvPr>
-          <p:cNvSpPr txBox="1"/>
-          <p:nvPr/>
-        </p:nvSpPr>
-        <p:spPr>
-          <a:xfrm>
-            <a:off x="5360777" y="3912537"/>
-            <a:ext cx="1107996" cy="461665"/>
-          </a:xfrm>
-          <a:prstGeom prst="rect">
-            <a:avLst/>
-          </a:prstGeom>
-          <a:noFill/>
-        </p:spPr>
-        <p:txBody>
-          <a:bodyPr wrap="none" rtlCol="0">
-            <a:spAutoFit/>
-          </a:bodyPr>
-          <a:lstStyle/>
-          <a:p>
-            <a:pPr algn="ctr"/>
-            <a:r>
-              <a:rPr lang="zh-CN" altLang="en-US" sz="2400" b="1" dirty="0">
-                <a:solidFill>
-                  <a:srgbClr val="FF0000"/>
-                </a:solidFill>
-              </a:rPr>
-              <a:t>伪随机</a:t>
-            </a:r>
-            <a:endParaRPr lang="en-US" altLang="zh-CN" sz="2400" b="1" dirty="0">
-              <a:solidFill>
-                <a:srgbClr val="FF0000"/>
-              </a:solidFill>
-            </a:endParaRPr>
-          </a:p>
-        </p:txBody>
-      </p:sp>
-      <p:sp>
-        <p:nvSpPr>
-          <p:cNvPr id="20" name="文本框 19">
-            <a:extLst>
-              <a:ext uri="{FF2B5EF4-FFF2-40B4-BE49-F238E27FC236}">
-                <a16:creationId xmlns:a16="http://schemas.microsoft.com/office/drawing/2014/main" id="{7FADC15F-813F-4AB9-B7DE-D1CEE91AB9E2}"/>
-              </a:ext>
-            </a:extLst>
-          </p:cNvPr>
-          <p:cNvSpPr txBox="1"/>
-          <p:nvPr/>
-        </p:nvSpPr>
-        <p:spPr>
-          <a:xfrm>
-            <a:off x="4930737" y="3276798"/>
-            <a:ext cx="1903085" cy="369332"/>
-          </a:xfrm>
-          <a:prstGeom prst="rect">
-            <a:avLst/>
-          </a:prstGeom>
-          <a:noFill/>
-        </p:spPr>
-        <p:txBody>
-          <a:bodyPr wrap="none" rtlCol="0">
-            <a:spAutoFit/>
-          </a:bodyPr>
-          <a:lstStyle/>
-          <a:p>
-            <a:pPr algn="ctr"/>
-            <a:r>
-              <a:rPr lang="zh-CN" altLang="en-US" b="1" dirty="0">
-                <a:solidFill>
-                  <a:srgbClr val="0070C0"/>
-                </a:solidFill>
-              </a:rPr>
-              <a:t>攻击 </a:t>
-            </a:r>
-            <a:r>
-              <a:rPr lang="en-US" altLang="zh-CN" b="1" dirty="0">
-                <a:solidFill>
-                  <a:srgbClr val="0070C0"/>
-                </a:solidFill>
-              </a:rPr>
-              <a:t>x 10 </a:t>
-            </a:r>
-            <a:r>
-              <a:rPr lang="zh-CN" altLang="en-US" b="1" dirty="0">
-                <a:solidFill>
-                  <a:srgbClr val="0070C0"/>
-                </a:solidFill>
-              </a:rPr>
-              <a:t>无暴击</a:t>
-            </a:r>
-            <a:endParaRPr lang="en-US" altLang="zh-CN" b="1" dirty="0">
-              <a:solidFill>
-                <a:srgbClr val="0070C0"/>
-              </a:solidFill>
-            </a:endParaRPr>
-          </a:p>
-        </p:txBody>
-      </p:sp>
-      <p:pic>
-        <p:nvPicPr>
-          <p:cNvPr id="23" name="图片 22">
-            <a:extLst>
-              <a:ext uri="{FF2B5EF4-FFF2-40B4-BE49-F238E27FC236}">
-                <a16:creationId xmlns:a16="http://schemas.microsoft.com/office/drawing/2014/main" id="{CB638FF5-68B5-4C2D-AC79-837DA7F2C4EE}"/>
-              </a:ext>
-            </a:extLst>
-          </p:cNvPr>
-          <p:cNvPicPr>
-            <a:picLocks noChangeAspect="1"/>
-          </p:cNvPicPr>
-          <p:nvPr/>
-        </p:nvPicPr>
-        <p:blipFill>
-          <a:blip r:embed="rId2"/>
-          <a:stretch>
-            <a:fillRect/>
-          </a:stretch>
-        </p:blipFill>
-        <p:spPr>
-          <a:xfrm>
-            <a:off x="6012777" y="4564698"/>
-            <a:ext cx="845976" cy="845976"/>
-          </a:xfrm>
-          <a:prstGeom prst="rect">
-            <a:avLst/>
-          </a:prstGeom>
-        </p:spPr>
-      </p:pic>
-      <p:sp>
-        <p:nvSpPr>
-          <p:cNvPr id="24" name="矩形 23">
-            <a:extLst>
-              <a:ext uri="{FF2B5EF4-FFF2-40B4-BE49-F238E27FC236}">
-                <a16:creationId xmlns:a16="http://schemas.microsoft.com/office/drawing/2014/main" id="{F36BE61B-0428-4F32-8BC4-EAD9ACA7070D}"/>
-              </a:ext>
-            </a:extLst>
-          </p:cNvPr>
-          <p:cNvSpPr/>
-          <p:nvPr/>
-        </p:nvSpPr>
-        <p:spPr>
-          <a:xfrm>
-            <a:off x="4767883" y="526233"/>
-            <a:ext cx="1938351" cy="523220"/>
-          </a:xfrm>
-          <a:prstGeom prst="rect">
-            <a:avLst/>
-          </a:prstGeom>
-        </p:spPr>
-        <p:txBody>
-          <a:bodyPr wrap="none">
-            <a:spAutoFit/>
-          </a:bodyPr>
-          <a:lstStyle/>
-          <a:p>
-            <a:r>
-              <a:rPr lang="zh-CN" altLang="en-US" sz="2800" b="1" dirty="0"/>
-              <a:t>暴击率 </a:t>
-            </a:r>
-            <a:r>
-              <a:rPr lang="en-US" altLang="zh-CN" sz="2800" b="1" dirty="0"/>
-              <a:t>50%</a:t>
-            </a:r>
-            <a:endParaRPr lang="zh-CN" altLang="en-US" sz="2800" dirty="0"/>
-          </a:p>
-        </p:txBody>
-      </p:sp>
-      <p:pic>
-        <p:nvPicPr>
-          <p:cNvPr id="25" name="图片 24">
-            <a:extLst>
-              <a:ext uri="{FF2B5EF4-FFF2-40B4-BE49-F238E27FC236}">
-                <a16:creationId xmlns:a16="http://schemas.microsoft.com/office/drawing/2014/main" id="{1C3B6597-2FAA-48D2-9673-C00AAE577920}"/>
-              </a:ext>
-            </a:extLst>
-          </p:cNvPr>
-          <p:cNvPicPr>
-            <a:picLocks noChangeAspect="1"/>
-          </p:cNvPicPr>
-          <p:nvPr/>
-        </p:nvPicPr>
-        <p:blipFill>
-          <a:blip r:embed="rId3"/>
-          <a:stretch>
-            <a:fillRect/>
-          </a:stretch>
-        </p:blipFill>
-        <p:spPr>
-          <a:xfrm>
             <a:off x="6966519" y="4564698"/>
             <a:ext cx="845976" cy="845976"/>
           </a:xfrm>
@@ -6318,13 +5461,7 @@
       </p:pic>
       <p:sp>
         <p:nvSpPr>
-          <p:cNvPr id="26" name="左大括号 25">
-            <a:extLst>
-              <a:ext uri="{FF2B5EF4-FFF2-40B4-BE49-F238E27FC236}">
-                <a16:creationId xmlns:a16="http://schemas.microsoft.com/office/drawing/2014/main" id="{71CC60E1-9981-40A5-BD15-978189FC3ABB}"/>
-              </a:ext>
-            </a:extLst>
-          </p:cNvPr>
+          <p:cNvPr id="26" name="左大括号 25"/>
           <p:cNvSpPr/>
           <p:nvPr/>
         </p:nvSpPr>
@@ -6366,13 +5503,7 @@
       </p:sp>
       <p:sp>
         <p:nvSpPr>
-          <p:cNvPr id="27" name="文本框 26">
-            <a:extLst>
-              <a:ext uri="{FF2B5EF4-FFF2-40B4-BE49-F238E27FC236}">
-                <a16:creationId xmlns:a16="http://schemas.microsoft.com/office/drawing/2014/main" id="{8C0D82E1-7781-47DE-96F3-0D8897C81C53}"/>
-              </a:ext>
-            </a:extLst>
-          </p:cNvPr>
+          <p:cNvPr id="27" name="文本框 26"/>
           <p:cNvSpPr txBox="1"/>
           <p:nvPr/>
         </p:nvSpPr>
@@ -6427,16 +5558,8 @@
       </p:sp>
       <p:cxnSp>
         <p:nvCxnSpPr>
-          <p:cNvPr id="29" name="直接箭头连接符 28">
-            <a:extLst>
-              <a:ext uri="{FF2B5EF4-FFF2-40B4-BE49-F238E27FC236}">
-                <a16:creationId xmlns:a16="http://schemas.microsoft.com/office/drawing/2014/main" id="{6FA8BE66-081C-4133-AA72-DB2E5296A0A4}"/>
-              </a:ext>
-            </a:extLst>
-          </p:cNvPr>
-          <p:cNvCxnSpPr>
-            <a:cxnSpLocks/>
-          </p:cNvCxnSpPr>
+          <p:cNvPr id="29" name="直接箭头连接符 28"/>
+          <p:cNvCxnSpPr/>
           <p:nvPr/>
         </p:nvCxnSpPr>
         <p:spPr>
@@ -6471,13 +5594,7 @@
       </p:cxnSp>
       <p:sp>
         <p:nvSpPr>
-          <p:cNvPr id="30" name="左大括号 29">
-            <a:extLst>
-              <a:ext uri="{FF2B5EF4-FFF2-40B4-BE49-F238E27FC236}">
-                <a16:creationId xmlns:a16="http://schemas.microsoft.com/office/drawing/2014/main" id="{10091724-E570-42CA-8271-08D8B18F02D7}"/>
-              </a:ext>
-            </a:extLst>
-          </p:cNvPr>
+          <p:cNvPr id="30" name="左大括号 29"/>
           <p:cNvSpPr/>
           <p:nvPr/>
         </p:nvSpPr>
@@ -6518,11 +5635,903 @@
         </p:txBody>
       </p:sp>
     </p:spTree>
-    <p:extLst>
-      <p:ext uri="{BB962C8B-B14F-4D97-AF65-F5344CB8AC3E}">
-        <p14:creationId xmlns:p14="http://schemas.microsoft.com/office/powerpoint/2010/main" val="2997629993"/>
-      </p:ext>
-    </p:extLst>
+  </p:cSld>
+  <p:clrMapOvr>
+    <a:masterClrMapping/>
+  </p:clrMapOvr>
+</p:sld>
+</file>
+
+<file path=ppt/slides/slide5.xml><?xml version="1.0" encoding="utf-8"?>
+<p:sld xmlns:a="http://schemas.openxmlformats.org/drawingml/2006/main" xmlns:r="http://schemas.openxmlformats.org/officeDocument/2006/relationships" xmlns:p="http://schemas.openxmlformats.org/presentationml/2006/main">
+  <p:cSld>
+    <p:spTree>
+      <p:nvGrpSpPr>
+        <p:cNvPr id="1" name=""/>
+        <p:cNvGrpSpPr/>
+        <p:nvPr/>
+      </p:nvGrpSpPr>
+      <p:grpSpPr/>
+      <p:sp>
+        <p:nvSpPr>
+          <p:cNvPr id="4" name="椭圆 3"/>
+          <p:cNvSpPr/>
+          <p:nvPr/>
+        </p:nvSpPr>
+        <p:spPr>
+          <a:xfrm>
+            <a:off x="2185670" y="2453005"/>
+            <a:ext cx="252000" cy="252000"/>
+          </a:xfrm>
+          <a:prstGeom prst="ellipse">
+            <a:avLst/>
+          </a:prstGeom>
+          <a:solidFill>
+            <a:schemeClr val="accent5">
+              <a:lumMod val="60000"/>
+              <a:lumOff val="40000"/>
+            </a:schemeClr>
+          </a:solidFill>
+          <a:ln>
+            <a:solidFill>
+              <a:schemeClr val="accent5">
+                <a:lumMod val="75000"/>
+              </a:schemeClr>
+            </a:solidFill>
+          </a:ln>
+        </p:spPr>
+        <p:style>
+          <a:lnRef idx="2">
+            <a:schemeClr val="accent1">
+              <a:shade val="50000"/>
+            </a:schemeClr>
+          </a:lnRef>
+          <a:fillRef idx="1">
+            <a:schemeClr val="accent1"/>
+          </a:fillRef>
+          <a:effectRef idx="0">
+            <a:schemeClr val="accent1"/>
+          </a:effectRef>
+          <a:fontRef idx="minor">
+            <a:schemeClr val="lt1"/>
+          </a:fontRef>
+        </p:style>
+        <p:txBody>
+          <a:bodyPr rtlCol="0" anchor="ctr"/>
+          <a:p>
+            <a:pPr algn="ctr"/>
+            <a:r>
+              <a:rPr lang="en-US" altLang="zh-CN" sz="1200">
+                <a:solidFill>
+                  <a:schemeClr val="bg1"/>
+                </a:solidFill>
+                <a:latin typeface="Consolas" panose="020B0609020204030204" charset="0"/>
+                <a:cs typeface="Consolas" panose="020B0609020204030204" charset="0"/>
+              </a:rPr>
+              <a:t>0</a:t>
+            </a:r>
+            <a:endParaRPr lang="en-US" altLang="zh-CN" sz="1200">
+              <a:solidFill>
+                <a:schemeClr val="bg1"/>
+              </a:solidFill>
+              <a:latin typeface="Consolas" panose="020B0609020204030204" charset="0"/>
+              <a:cs typeface="Consolas" panose="020B0609020204030204" charset="0"/>
+            </a:endParaRPr>
+          </a:p>
+        </p:txBody>
+      </p:sp>
+      <p:sp>
+        <p:nvSpPr>
+          <p:cNvPr id="5" name="椭圆 4"/>
+          <p:cNvSpPr/>
+          <p:nvPr/>
+        </p:nvSpPr>
+        <p:spPr>
+          <a:xfrm>
+            <a:off x="2835180" y="2453005"/>
+            <a:ext cx="251460" cy="252000"/>
+          </a:xfrm>
+          <a:prstGeom prst="ellipse">
+            <a:avLst/>
+          </a:prstGeom>
+          <a:solidFill>
+            <a:schemeClr val="accent5">
+              <a:lumMod val="60000"/>
+              <a:lumOff val="40000"/>
+            </a:schemeClr>
+          </a:solidFill>
+          <a:ln>
+            <a:solidFill>
+              <a:schemeClr val="accent5">
+                <a:lumMod val="75000"/>
+              </a:schemeClr>
+            </a:solidFill>
+          </a:ln>
+        </p:spPr>
+        <p:style>
+          <a:lnRef idx="2">
+            <a:schemeClr val="accent1">
+              <a:shade val="50000"/>
+            </a:schemeClr>
+          </a:lnRef>
+          <a:fillRef idx="1">
+            <a:schemeClr val="accent1"/>
+          </a:fillRef>
+          <a:effectRef idx="0">
+            <a:schemeClr val="accent1"/>
+          </a:effectRef>
+          <a:fontRef idx="minor">
+            <a:schemeClr val="lt1"/>
+          </a:fontRef>
+        </p:style>
+        <p:txBody>
+          <a:bodyPr rtlCol="0" anchor="ctr"/>
+          <a:p>
+            <a:pPr algn="ctr"/>
+            <a:r>
+              <a:rPr lang="en-US" altLang="zh-CN" sz="1200">
+                <a:solidFill>
+                  <a:schemeClr val="bg1"/>
+                </a:solidFill>
+                <a:latin typeface="Consolas" panose="020B0609020204030204" charset="0"/>
+                <a:cs typeface="Consolas" panose="020B0609020204030204" charset="0"/>
+              </a:rPr>
+              <a:t>1</a:t>
+            </a:r>
+            <a:endParaRPr lang="en-US" altLang="zh-CN" sz="1200">
+              <a:solidFill>
+                <a:schemeClr val="bg1"/>
+              </a:solidFill>
+              <a:latin typeface="Consolas" panose="020B0609020204030204" charset="0"/>
+              <a:cs typeface="Consolas" panose="020B0609020204030204" charset="0"/>
+            </a:endParaRPr>
+          </a:p>
+        </p:txBody>
+      </p:sp>
+      <p:sp>
+        <p:nvSpPr>
+          <p:cNvPr id="6" name="椭圆 5"/>
+          <p:cNvSpPr/>
+          <p:nvPr/>
+        </p:nvSpPr>
+        <p:spPr>
+          <a:xfrm>
+            <a:off x="3484150" y="2453005"/>
+            <a:ext cx="251460" cy="252000"/>
+          </a:xfrm>
+          <a:prstGeom prst="ellipse">
+            <a:avLst/>
+          </a:prstGeom>
+          <a:solidFill>
+            <a:schemeClr val="accent5">
+              <a:lumMod val="60000"/>
+              <a:lumOff val="40000"/>
+            </a:schemeClr>
+          </a:solidFill>
+          <a:ln>
+            <a:solidFill>
+              <a:schemeClr val="accent5">
+                <a:lumMod val="75000"/>
+              </a:schemeClr>
+            </a:solidFill>
+          </a:ln>
+        </p:spPr>
+        <p:style>
+          <a:lnRef idx="2">
+            <a:schemeClr val="accent1">
+              <a:shade val="50000"/>
+            </a:schemeClr>
+          </a:lnRef>
+          <a:fillRef idx="1">
+            <a:schemeClr val="accent1"/>
+          </a:fillRef>
+          <a:effectRef idx="0">
+            <a:schemeClr val="accent1"/>
+          </a:effectRef>
+          <a:fontRef idx="minor">
+            <a:schemeClr val="lt1"/>
+          </a:fontRef>
+        </p:style>
+        <p:txBody>
+          <a:bodyPr rtlCol="0" anchor="ctr"/>
+          <a:p>
+            <a:pPr algn="ctr"/>
+            <a:r>
+              <a:rPr lang="en-US" altLang="zh-CN" sz="1200">
+                <a:solidFill>
+                  <a:schemeClr val="bg1"/>
+                </a:solidFill>
+                <a:latin typeface="Consolas" panose="020B0609020204030204" charset="0"/>
+                <a:cs typeface="Consolas" panose="020B0609020204030204" charset="0"/>
+              </a:rPr>
+              <a:t>2</a:t>
+            </a:r>
+            <a:endParaRPr lang="en-US" altLang="zh-CN" sz="1200">
+              <a:solidFill>
+                <a:schemeClr val="bg1"/>
+              </a:solidFill>
+              <a:latin typeface="Consolas" panose="020B0609020204030204" charset="0"/>
+              <a:cs typeface="Consolas" panose="020B0609020204030204" charset="0"/>
+            </a:endParaRPr>
+          </a:p>
+        </p:txBody>
+      </p:sp>
+      <p:sp>
+        <p:nvSpPr>
+          <p:cNvPr id="7" name="椭圆 6"/>
+          <p:cNvSpPr/>
+          <p:nvPr/>
+        </p:nvSpPr>
+        <p:spPr>
+          <a:xfrm>
+            <a:off x="4133120" y="2453005"/>
+            <a:ext cx="251460" cy="252000"/>
+          </a:xfrm>
+          <a:prstGeom prst="ellipse">
+            <a:avLst/>
+          </a:prstGeom>
+          <a:solidFill>
+            <a:schemeClr val="accent5">
+              <a:lumMod val="60000"/>
+              <a:lumOff val="40000"/>
+            </a:schemeClr>
+          </a:solidFill>
+          <a:ln>
+            <a:solidFill>
+              <a:schemeClr val="accent5">
+                <a:lumMod val="75000"/>
+              </a:schemeClr>
+            </a:solidFill>
+          </a:ln>
+        </p:spPr>
+        <p:style>
+          <a:lnRef idx="2">
+            <a:schemeClr val="accent1">
+              <a:shade val="50000"/>
+            </a:schemeClr>
+          </a:lnRef>
+          <a:fillRef idx="1">
+            <a:schemeClr val="accent1"/>
+          </a:fillRef>
+          <a:effectRef idx="0">
+            <a:schemeClr val="accent1"/>
+          </a:effectRef>
+          <a:fontRef idx="minor">
+            <a:schemeClr val="lt1"/>
+          </a:fontRef>
+        </p:style>
+        <p:txBody>
+          <a:bodyPr rtlCol="0" anchor="ctr"/>
+          <a:p>
+            <a:pPr algn="ctr"/>
+            <a:r>
+              <a:rPr lang="en-US" altLang="zh-CN" sz="1200">
+                <a:solidFill>
+                  <a:schemeClr val="bg1"/>
+                </a:solidFill>
+                <a:latin typeface="Consolas" panose="020B0609020204030204" charset="0"/>
+                <a:cs typeface="Consolas" panose="020B0609020204030204" charset="0"/>
+              </a:rPr>
+              <a:t>3</a:t>
+            </a:r>
+            <a:endParaRPr lang="en-US" altLang="zh-CN" sz="1200">
+              <a:solidFill>
+                <a:schemeClr val="bg1"/>
+              </a:solidFill>
+              <a:latin typeface="Consolas" panose="020B0609020204030204" charset="0"/>
+              <a:cs typeface="Consolas" panose="020B0609020204030204" charset="0"/>
+            </a:endParaRPr>
+          </a:p>
+        </p:txBody>
+      </p:sp>
+      <p:sp>
+        <p:nvSpPr>
+          <p:cNvPr id="8" name="椭圆 7"/>
+          <p:cNvSpPr/>
+          <p:nvPr/>
+        </p:nvSpPr>
+        <p:spPr>
+          <a:xfrm>
+            <a:off x="4782090" y="2453005"/>
+            <a:ext cx="251460" cy="252000"/>
+          </a:xfrm>
+          <a:prstGeom prst="ellipse">
+            <a:avLst/>
+          </a:prstGeom>
+          <a:solidFill>
+            <a:schemeClr val="accent6">
+              <a:lumMod val="60000"/>
+              <a:lumOff val="40000"/>
+            </a:schemeClr>
+          </a:solidFill>
+          <a:ln>
+            <a:solidFill>
+              <a:schemeClr val="accent6">
+                <a:lumMod val="75000"/>
+              </a:schemeClr>
+            </a:solidFill>
+          </a:ln>
+        </p:spPr>
+        <p:style>
+          <a:lnRef idx="2">
+            <a:schemeClr val="accent1">
+              <a:shade val="50000"/>
+            </a:schemeClr>
+          </a:lnRef>
+          <a:fillRef idx="1">
+            <a:schemeClr val="accent1"/>
+          </a:fillRef>
+          <a:effectRef idx="0">
+            <a:schemeClr val="accent1"/>
+          </a:effectRef>
+          <a:fontRef idx="minor">
+            <a:schemeClr val="lt1"/>
+          </a:fontRef>
+        </p:style>
+        <p:txBody>
+          <a:bodyPr rtlCol="0" anchor="ctr"/>
+          <a:p>
+            <a:pPr algn="ctr"/>
+            <a:r>
+              <a:rPr lang="en-US" altLang="zh-CN" sz="1200">
+                <a:solidFill>
+                  <a:schemeClr val="bg1"/>
+                </a:solidFill>
+                <a:latin typeface="Consolas" panose="020B0609020204030204" charset="0"/>
+                <a:cs typeface="Consolas" panose="020B0609020204030204" charset="0"/>
+              </a:rPr>
+              <a:t>4</a:t>
+            </a:r>
+            <a:endParaRPr lang="en-US" altLang="zh-CN" sz="1200">
+              <a:solidFill>
+                <a:schemeClr val="bg1"/>
+              </a:solidFill>
+              <a:latin typeface="Consolas" panose="020B0609020204030204" charset="0"/>
+              <a:cs typeface="Consolas" panose="020B0609020204030204" charset="0"/>
+            </a:endParaRPr>
+          </a:p>
+        </p:txBody>
+      </p:sp>
+      <p:cxnSp>
+        <p:nvCxnSpPr>
+          <p:cNvPr id="9" name="直接箭头连接符 8"/>
+          <p:cNvCxnSpPr>
+            <a:stCxn id="4" idx="6"/>
+            <a:endCxn id="5" idx="2"/>
+          </p:cNvCxnSpPr>
+          <p:nvPr/>
+        </p:nvCxnSpPr>
+        <p:spPr>
+          <a:xfrm>
+            <a:off x="2437765" y="2579370"/>
+            <a:ext cx="397510" cy="0"/>
+          </a:xfrm>
+          <a:prstGeom prst="straightConnector1">
+            <a:avLst/>
+          </a:prstGeom>
+          <a:ln w="12700">
+            <a:solidFill>
+              <a:schemeClr val="tx1"/>
+            </a:solidFill>
+            <a:tailEnd type="triangle"/>
+          </a:ln>
+        </p:spPr>
+        <p:style>
+          <a:lnRef idx="1">
+            <a:schemeClr val="accent1"/>
+          </a:lnRef>
+          <a:fillRef idx="0">
+            <a:schemeClr val="accent1"/>
+          </a:fillRef>
+          <a:effectRef idx="0">
+            <a:schemeClr val="accent1"/>
+          </a:effectRef>
+          <a:fontRef idx="minor">
+            <a:schemeClr val="tx1"/>
+          </a:fontRef>
+        </p:style>
+      </p:cxnSp>
+      <p:cxnSp>
+        <p:nvCxnSpPr>
+          <p:cNvPr id="10" name="直接箭头连接符 9"/>
+          <p:cNvCxnSpPr>
+            <a:stCxn id="5" idx="6"/>
+            <a:endCxn id="6" idx="2"/>
+          </p:cNvCxnSpPr>
+          <p:nvPr/>
+        </p:nvCxnSpPr>
+        <p:spPr>
+          <a:xfrm>
+            <a:off x="3086735" y="2579370"/>
+            <a:ext cx="397510" cy="0"/>
+          </a:xfrm>
+          <a:prstGeom prst="straightConnector1">
+            <a:avLst/>
+          </a:prstGeom>
+          <a:ln w="12700">
+            <a:solidFill>
+              <a:schemeClr val="tx1"/>
+            </a:solidFill>
+            <a:tailEnd type="triangle"/>
+          </a:ln>
+        </p:spPr>
+        <p:style>
+          <a:lnRef idx="1">
+            <a:schemeClr val="accent1"/>
+          </a:lnRef>
+          <a:fillRef idx="0">
+            <a:schemeClr val="accent1"/>
+          </a:fillRef>
+          <a:effectRef idx="0">
+            <a:schemeClr val="accent1"/>
+          </a:effectRef>
+          <a:fontRef idx="minor">
+            <a:schemeClr val="tx1"/>
+          </a:fontRef>
+        </p:style>
+      </p:cxnSp>
+      <p:cxnSp>
+        <p:nvCxnSpPr>
+          <p:cNvPr id="11" name="直接箭头连接符 10"/>
+          <p:cNvCxnSpPr>
+            <a:stCxn id="6" idx="6"/>
+            <a:endCxn id="7" idx="2"/>
+          </p:cNvCxnSpPr>
+          <p:nvPr/>
+        </p:nvCxnSpPr>
+        <p:spPr>
+          <a:xfrm>
+            <a:off x="3735705" y="2579370"/>
+            <a:ext cx="397510" cy="0"/>
+          </a:xfrm>
+          <a:prstGeom prst="straightConnector1">
+            <a:avLst/>
+          </a:prstGeom>
+          <a:ln w="12700">
+            <a:solidFill>
+              <a:schemeClr val="tx1"/>
+            </a:solidFill>
+            <a:tailEnd type="triangle"/>
+          </a:ln>
+        </p:spPr>
+        <p:style>
+          <a:lnRef idx="1">
+            <a:schemeClr val="accent1"/>
+          </a:lnRef>
+          <a:fillRef idx="0">
+            <a:schemeClr val="accent1"/>
+          </a:fillRef>
+          <a:effectRef idx="0">
+            <a:schemeClr val="accent1"/>
+          </a:effectRef>
+          <a:fontRef idx="minor">
+            <a:schemeClr val="tx1"/>
+          </a:fontRef>
+        </p:style>
+      </p:cxnSp>
+      <p:cxnSp>
+        <p:nvCxnSpPr>
+          <p:cNvPr id="12" name="直接箭头连接符 11"/>
+          <p:cNvCxnSpPr>
+            <a:stCxn id="7" idx="6"/>
+            <a:endCxn id="8" idx="2"/>
+          </p:cNvCxnSpPr>
+          <p:nvPr/>
+        </p:nvCxnSpPr>
+        <p:spPr>
+          <a:xfrm>
+            <a:off x="4384675" y="2579370"/>
+            <a:ext cx="397510" cy="0"/>
+          </a:xfrm>
+          <a:prstGeom prst="straightConnector1">
+            <a:avLst/>
+          </a:prstGeom>
+          <a:ln w="12700">
+            <a:solidFill>
+              <a:schemeClr val="tx1"/>
+            </a:solidFill>
+            <a:tailEnd type="triangle"/>
+          </a:ln>
+        </p:spPr>
+        <p:style>
+          <a:lnRef idx="1">
+            <a:schemeClr val="accent1"/>
+          </a:lnRef>
+          <a:fillRef idx="0">
+            <a:schemeClr val="accent1"/>
+          </a:fillRef>
+          <a:effectRef idx="0">
+            <a:schemeClr val="accent1"/>
+          </a:effectRef>
+          <a:fontRef idx="minor">
+            <a:schemeClr val="tx1"/>
+          </a:fontRef>
+        </p:style>
+      </p:cxnSp>
+      <p:sp>
+        <p:nvSpPr>
+          <p:cNvPr id="14" name="弧形 13"/>
+          <p:cNvSpPr/>
+          <p:nvPr/>
+        </p:nvSpPr>
+        <p:spPr>
+          <a:xfrm rot="10800000">
+            <a:off x="2800350" y="2655570"/>
+            <a:ext cx="313690" cy="313690"/>
+          </a:xfrm>
+          <a:prstGeom prst="arc">
+            <a:avLst>
+              <a:gd name="adj1" fmla="val 8424095"/>
+              <a:gd name="adj2" fmla="val 2570822"/>
+            </a:avLst>
+          </a:prstGeom>
+          <a:ln w="12700">
+            <a:solidFill>
+              <a:schemeClr val="tx1"/>
+            </a:solidFill>
+            <a:tailEnd type="triangle"/>
+          </a:ln>
+        </p:spPr>
+        <p:style>
+          <a:lnRef idx="1">
+            <a:schemeClr val="accent1"/>
+          </a:lnRef>
+          <a:fillRef idx="0">
+            <a:schemeClr val="accent1"/>
+          </a:fillRef>
+          <a:effectRef idx="0">
+            <a:schemeClr val="accent1"/>
+          </a:effectRef>
+          <a:fontRef idx="minor">
+            <a:schemeClr val="tx1"/>
+          </a:fontRef>
+        </p:style>
+        <p:txBody>
+          <a:bodyPr rtlCol="0" anchor="ctr"/>
+          <a:p>
+            <a:pPr algn="ctr"/>
+            <a:endParaRPr lang="zh-CN" altLang="en-US"/>
+          </a:p>
+        </p:txBody>
+      </p:sp>
+      <p:sp>
+        <p:nvSpPr>
+          <p:cNvPr id="15" name="弧形 14"/>
+          <p:cNvSpPr/>
+          <p:nvPr/>
+        </p:nvSpPr>
+        <p:spPr>
+          <a:xfrm rot="10800000">
+            <a:off x="3450590" y="2655570"/>
+            <a:ext cx="313690" cy="313690"/>
+          </a:xfrm>
+          <a:prstGeom prst="arc">
+            <a:avLst>
+              <a:gd name="adj1" fmla="val 8424095"/>
+              <a:gd name="adj2" fmla="val 2570822"/>
+            </a:avLst>
+          </a:prstGeom>
+          <a:ln w="12700">
+            <a:solidFill>
+              <a:schemeClr val="tx1"/>
+            </a:solidFill>
+            <a:tailEnd type="triangle"/>
+          </a:ln>
+        </p:spPr>
+        <p:style>
+          <a:lnRef idx="1">
+            <a:schemeClr val="accent1"/>
+          </a:lnRef>
+          <a:fillRef idx="0">
+            <a:schemeClr val="accent1"/>
+          </a:fillRef>
+          <a:effectRef idx="0">
+            <a:schemeClr val="accent1"/>
+          </a:effectRef>
+          <a:fontRef idx="minor">
+            <a:schemeClr val="tx1"/>
+          </a:fontRef>
+        </p:style>
+        <p:txBody>
+          <a:bodyPr rtlCol="0" anchor="ctr"/>
+          <a:p>
+            <a:pPr algn="ctr"/>
+            <a:endParaRPr lang="zh-CN" altLang="en-US"/>
+          </a:p>
+        </p:txBody>
+      </p:sp>
+      <p:sp>
+        <p:nvSpPr>
+          <p:cNvPr id="16" name="弧形 15"/>
+          <p:cNvSpPr/>
+          <p:nvPr/>
+        </p:nvSpPr>
+        <p:spPr>
+          <a:xfrm rot="10800000">
+            <a:off x="4095750" y="2655570"/>
+            <a:ext cx="313690" cy="313690"/>
+          </a:xfrm>
+          <a:prstGeom prst="arc">
+            <a:avLst>
+              <a:gd name="adj1" fmla="val 8424095"/>
+              <a:gd name="adj2" fmla="val 2570822"/>
+            </a:avLst>
+          </a:prstGeom>
+          <a:ln w="12700">
+            <a:solidFill>
+              <a:schemeClr val="tx1"/>
+            </a:solidFill>
+            <a:tailEnd type="triangle"/>
+          </a:ln>
+        </p:spPr>
+        <p:style>
+          <a:lnRef idx="1">
+            <a:schemeClr val="accent1"/>
+          </a:lnRef>
+          <a:fillRef idx="0">
+            <a:schemeClr val="accent1"/>
+          </a:fillRef>
+          <a:effectRef idx="0">
+            <a:schemeClr val="accent1"/>
+          </a:effectRef>
+          <a:fontRef idx="minor">
+            <a:schemeClr val="tx1"/>
+          </a:fontRef>
+        </p:style>
+        <p:txBody>
+          <a:bodyPr rtlCol="0" anchor="ctr"/>
+          <a:p>
+            <a:pPr algn="ctr"/>
+            <a:endParaRPr lang="zh-CN" altLang="en-US"/>
+          </a:p>
+        </p:txBody>
+      </p:sp>
+      <p:sp>
+        <p:nvSpPr>
+          <p:cNvPr id="19" name="文本框 18"/>
+          <p:cNvSpPr txBox="1"/>
+          <p:nvPr/>
+        </p:nvSpPr>
+        <p:spPr>
+          <a:xfrm>
+            <a:off x="2468880" y="2303780"/>
+            <a:ext cx="245745" cy="229870"/>
+          </a:xfrm>
+          <a:prstGeom prst="rect">
+            <a:avLst/>
+          </a:prstGeom>
+          <a:noFill/>
+        </p:spPr>
+        <p:txBody>
+          <a:bodyPr wrap="none" rtlCol="0">
+            <a:spAutoFit/>
+          </a:bodyPr>
+          <a:p>
+            <a:r>
+              <a:rPr lang="en-US" altLang="zh-CN" sz="900">
+                <a:latin typeface="Consolas" panose="020B0609020204030204" charset="0"/>
+                <a:cs typeface="Consolas" panose="020B0609020204030204" charset="0"/>
+              </a:rPr>
+              <a:t>1</a:t>
+            </a:r>
+            <a:endParaRPr lang="en-US" altLang="zh-CN" sz="900">
+              <a:latin typeface="Consolas" panose="020B0609020204030204" charset="0"/>
+              <a:cs typeface="Consolas" panose="020B0609020204030204" charset="0"/>
+            </a:endParaRPr>
+          </a:p>
+        </p:txBody>
+      </p:sp>
+      <p:sp>
+        <p:nvSpPr>
+          <p:cNvPr id="20" name="文本框 19"/>
+          <p:cNvSpPr txBox="1"/>
+          <p:nvPr/>
+        </p:nvSpPr>
+        <p:spPr>
+          <a:xfrm>
+            <a:off x="3058160" y="2303780"/>
+            <a:ext cx="434340" cy="229870"/>
+          </a:xfrm>
+          <a:prstGeom prst="rect">
+            <a:avLst/>
+          </a:prstGeom>
+          <a:noFill/>
+        </p:spPr>
+        <p:txBody>
+          <a:bodyPr wrap="none" rtlCol="0">
+            <a:spAutoFit/>
+          </a:bodyPr>
+          <a:p>
+            <a:r>
+              <a:rPr lang="en-US" altLang="zh-CN" sz="900">
+                <a:latin typeface="Consolas" panose="020B0609020204030204" charset="0"/>
+                <a:cs typeface="Consolas" panose="020B0609020204030204" charset="0"/>
+              </a:rPr>
+              <a:t>0.75</a:t>
+            </a:r>
+            <a:endParaRPr lang="en-US" altLang="zh-CN" sz="900">
+              <a:latin typeface="Consolas" panose="020B0609020204030204" charset="0"/>
+              <a:cs typeface="Consolas" panose="020B0609020204030204" charset="0"/>
+            </a:endParaRPr>
+          </a:p>
+        </p:txBody>
+      </p:sp>
+      <p:sp>
+        <p:nvSpPr>
+          <p:cNvPr id="21" name="文本框 20"/>
+          <p:cNvSpPr txBox="1"/>
+          <p:nvPr/>
+        </p:nvSpPr>
+        <p:spPr>
+          <a:xfrm>
+            <a:off x="3724275" y="2303780"/>
+            <a:ext cx="371475" cy="229870"/>
+          </a:xfrm>
+          <a:prstGeom prst="rect">
+            <a:avLst/>
+          </a:prstGeom>
+          <a:noFill/>
+        </p:spPr>
+        <p:txBody>
+          <a:bodyPr wrap="none" rtlCol="0">
+            <a:spAutoFit/>
+          </a:bodyPr>
+          <a:p>
+            <a:r>
+              <a:rPr lang="en-US" altLang="zh-CN" sz="900">
+                <a:latin typeface="Consolas" panose="020B0609020204030204" charset="0"/>
+                <a:cs typeface="Consolas" panose="020B0609020204030204" charset="0"/>
+              </a:rPr>
+              <a:t>0.5</a:t>
+            </a:r>
+            <a:endParaRPr lang="en-US" altLang="zh-CN" sz="900">
+              <a:latin typeface="Consolas" panose="020B0609020204030204" charset="0"/>
+              <a:cs typeface="Consolas" panose="020B0609020204030204" charset="0"/>
+            </a:endParaRPr>
+          </a:p>
+        </p:txBody>
+      </p:sp>
+      <p:sp>
+        <p:nvSpPr>
+          <p:cNvPr id="22" name="文本框 21"/>
+          <p:cNvSpPr txBox="1"/>
+          <p:nvPr/>
+        </p:nvSpPr>
+        <p:spPr>
+          <a:xfrm>
+            <a:off x="4364355" y="2303780"/>
+            <a:ext cx="434340" cy="229870"/>
+          </a:xfrm>
+          <a:prstGeom prst="rect">
+            <a:avLst/>
+          </a:prstGeom>
+          <a:noFill/>
+        </p:spPr>
+        <p:txBody>
+          <a:bodyPr wrap="none" rtlCol="0">
+            <a:spAutoFit/>
+          </a:bodyPr>
+          <a:p>
+            <a:r>
+              <a:rPr lang="en-US" altLang="zh-CN" sz="900">
+                <a:latin typeface="Consolas" panose="020B0609020204030204" charset="0"/>
+                <a:cs typeface="Consolas" panose="020B0609020204030204" charset="0"/>
+              </a:rPr>
+              <a:t>0.25</a:t>
+            </a:r>
+            <a:endParaRPr lang="en-US" altLang="zh-CN" sz="900">
+              <a:latin typeface="Consolas" panose="020B0609020204030204" charset="0"/>
+              <a:cs typeface="Consolas" panose="020B0609020204030204" charset="0"/>
+            </a:endParaRPr>
+          </a:p>
+        </p:txBody>
+      </p:sp>
+      <p:sp>
+        <p:nvSpPr>
+          <p:cNvPr id="23" name="文本框 22"/>
+          <p:cNvSpPr txBox="1"/>
+          <p:nvPr/>
+        </p:nvSpPr>
+        <p:spPr>
+          <a:xfrm>
+            <a:off x="4035425" y="2969260"/>
+            <a:ext cx="434340" cy="229870"/>
+          </a:xfrm>
+          <a:prstGeom prst="rect">
+            <a:avLst/>
+          </a:prstGeom>
+          <a:noFill/>
+        </p:spPr>
+        <p:txBody>
+          <a:bodyPr wrap="none" rtlCol="0">
+            <a:spAutoFit/>
+          </a:bodyPr>
+          <a:p>
+            <a:r>
+              <a:rPr lang="en-US" altLang="zh-CN" sz="900">
+                <a:latin typeface="Consolas" panose="020B0609020204030204" charset="0"/>
+                <a:cs typeface="Consolas" panose="020B0609020204030204" charset="0"/>
+              </a:rPr>
+              <a:t>0.75</a:t>
+            </a:r>
+            <a:endParaRPr lang="en-US" altLang="zh-CN" sz="900">
+              <a:latin typeface="Consolas" panose="020B0609020204030204" charset="0"/>
+              <a:cs typeface="Consolas" panose="020B0609020204030204" charset="0"/>
+            </a:endParaRPr>
+          </a:p>
+        </p:txBody>
+      </p:sp>
+      <p:sp>
+        <p:nvSpPr>
+          <p:cNvPr id="24" name="文本框 23"/>
+          <p:cNvSpPr txBox="1"/>
+          <p:nvPr/>
+        </p:nvSpPr>
+        <p:spPr>
+          <a:xfrm>
+            <a:off x="3418840" y="2969260"/>
+            <a:ext cx="371475" cy="229870"/>
+          </a:xfrm>
+          <a:prstGeom prst="rect">
+            <a:avLst/>
+          </a:prstGeom>
+          <a:noFill/>
+        </p:spPr>
+        <p:txBody>
+          <a:bodyPr wrap="none" rtlCol="0">
+            <a:spAutoFit/>
+          </a:bodyPr>
+          <a:p>
+            <a:r>
+              <a:rPr lang="en-US" altLang="zh-CN" sz="900">
+                <a:latin typeface="Consolas" panose="020B0609020204030204" charset="0"/>
+                <a:cs typeface="Consolas" panose="020B0609020204030204" charset="0"/>
+              </a:rPr>
+              <a:t>0.5</a:t>
+            </a:r>
+            <a:endParaRPr lang="en-US" altLang="zh-CN" sz="900">
+              <a:latin typeface="Consolas" panose="020B0609020204030204" charset="0"/>
+              <a:cs typeface="Consolas" panose="020B0609020204030204" charset="0"/>
+            </a:endParaRPr>
+          </a:p>
+        </p:txBody>
+      </p:sp>
+      <p:sp>
+        <p:nvSpPr>
+          <p:cNvPr id="25" name="文本框 24"/>
+          <p:cNvSpPr txBox="1"/>
+          <p:nvPr/>
+        </p:nvSpPr>
+        <p:spPr>
+          <a:xfrm>
+            <a:off x="2758440" y="2969260"/>
+            <a:ext cx="434340" cy="229870"/>
+          </a:xfrm>
+          <a:prstGeom prst="rect">
+            <a:avLst/>
+          </a:prstGeom>
+          <a:noFill/>
+        </p:spPr>
+        <p:txBody>
+          <a:bodyPr wrap="none" rtlCol="0">
+            <a:spAutoFit/>
+          </a:bodyPr>
+          <a:p>
+            <a:r>
+              <a:rPr lang="en-US" altLang="zh-CN" sz="900">
+                <a:latin typeface="Consolas" panose="020B0609020204030204" charset="0"/>
+                <a:cs typeface="Consolas" panose="020B0609020204030204" charset="0"/>
+              </a:rPr>
+              <a:t>0.25</a:t>
+            </a:r>
+            <a:endParaRPr lang="en-US" altLang="zh-CN" sz="900">
+              <a:latin typeface="Consolas" panose="020B0609020204030204" charset="0"/>
+              <a:cs typeface="Consolas" panose="020B0609020204030204" charset="0"/>
+            </a:endParaRPr>
+          </a:p>
+        </p:txBody>
+      </p:sp>
+    </p:spTree>
   </p:cSld>
   <p:clrMapOvr>
     <a:masterClrMapping/>
@@ -6573,7 +6582,7 @@
     </a:clrScheme>
     <a:fontScheme name="Office">
       <a:majorFont>
-        <a:latin typeface="等线 Light" panose="020F0302020204030204"/>
+        <a:latin typeface="等线 Light"/>
         <a:ea typeface=""/>
         <a:cs typeface=""/>
         <a:font script="Jpan" typeface="游ゴシック Light"/>
@@ -6606,26 +6615,9 @@
         <a:font script="Viet" typeface="Times New Roman"/>
         <a:font script="Uigh" typeface="Microsoft Uighur"/>
         <a:font script="Geor" typeface="Sylfaen"/>
-        <a:font script="Armn" typeface="Arial"/>
-        <a:font script="Bugi" typeface="Leelawadee UI"/>
-        <a:font script="Bopo" typeface="Microsoft JhengHei"/>
-        <a:font script="Java" typeface="Javanese Text"/>
-        <a:font script="Lisu" typeface="Segoe UI"/>
-        <a:font script="Mymr" typeface="Myanmar Text"/>
-        <a:font script="Nkoo" typeface="Ebrima"/>
-        <a:font script="Olck" typeface="Nirmala UI"/>
-        <a:font script="Osma" typeface="Ebrima"/>
-        <a:font script="Phag" typeface="Phagspa"/>
-        <a:font script="Syrn" typeface="Estrangelo Edessa"/>
-        <a:font script="Syrj" typeface="Estrangelo Edessa"/>
-        <a:font script="Syre" typeface="Estrangelo Edessa"/>
-        <a:font script="Sora" typeface="Nirmala UI"/>
-        <a:font script="Tale" typeface="Microsoft Tai Le"/>
-        <a:font script="Talu" typeface="Microsoft New Tai Lue"/>
-        <a:font script="Tfng" typeface="Ebrima"/>
       </a:majorFont>
       <a:minorFont>
-        <a:latin typeface="等线" panose="020F0502020204030204"/>
+        <a:latin typeface="等线"/>
         <a:ea typeface=""/>
         <a:cs typeface=""/>
         <a:font script="Jpan" typeface="游ゴシック"/>
@@ -6658,23 +6650,6 @@
         <a:font script="Viet" typeface="Arial"/>
         <a:font script="Uigh" typeface="Microsoft Uighur"/>
         <a:font script="Geor" typeface="Sylfaen"/>
-        <a:font script="Armn" typeface="Arial"/>
-        <a:font script="Bugi" typeface="Leelawadee UI"/>
-        <a:font script="Bopo" typeface="Microsoft JhengHei"/>
-        <a:font script="Java" typeface="Javanese Text"/>
-        <a:font script="Lisu" typeface="Segoe UI"/>
-        <a:font script="Mymr" typeface="Myanmar Text"/>
-        <a:font script="Nkoo" typeface="Ebrima"/>
-        <a:font script="Olck" typeface="Nirmala UI"/>
-        <a:font script="Osma" typeface="Ebrima"/>
-        <a:font script="Phag" typeface="Phagspa"/>
-        <a:font script="Syrn" typeface="Estrangelo Edessa"/>
-        <a:font script="Syrj" typeface="Estrangelo Edessa"/>
-        <a:font script="Syre" typeface="Estrangelo Edessa"/>
-        <a:font script="Sora" typeface="Nirmala UI"/>
-        <a:font script="Tale" typeface="Microsoft Tai Le"/>
-        <a:font script="Talu" typeface="Microsoft New Tai Lue"/>
-        <a:font script="Tfng" typeface="Ebrima"/>
       </a:minorFont>
     </a:fontScheme>
     <a:fmtScheme name="Office">
@@ -6815,8 +6790,6 @@
       </a:bgFillStyleLst>
     </a:fmtScheme>
   </a:themeElements>
-  <a:objectDefaults/>
-  <a:extraClrSchemeLst/>
   <a:extLst>
     <a:ext uri="{05A4C25C-085E-4340-85A3-A5531E510DB2}">
       <thm15:themeFamily xmlns:thm15="http://schemas.microsoft.com/office/thememl/2012/main" name="Office Theme" id="{62F939B6-93AF-4DB8-9C6B-D6C7DFDC589F}" vid="{4A3C46E8-61CC-4603-A589-7422A47A8E4A}"/>
